--- a/_Presentations/03 Defining classes.pptx
+++ b/_Presentations/03 Defining classes.pptx
@@ -5,7 +5,7 @@
     <p:sldMasterId id="2147483660" r:id="rId1"/>
   </p:sldMasterIdLst>
   <p:notesMasterIdLst>
-    <p:notesMasterId r:id="rId24"/>
+    <p:notesMasterId r:id="rId67"/>
   </p:notesMasterIdLst>
   <p:sldIdLst>
     <p:sldId id="256" r:id="rId2"/>
@@ -30,41 +30,84 @@
     <p:sldId id="287" r:id="rId21"/>
     <p:sldId id="288" r:id="rId22"/>
     <p:sldId id="289" r:id="rId23"/>
+    <p:sldId id="290" r:id="rId24"/>
+    <p:sldId id="291" r:id="rId25"/>
+    <p:sldId id="292" r:id="rId26"/>
+    <p:sldId id="293" r:id="rId27"/>
+    <p:sldId id="294" r:id="rId28"/>
+    <p:sldId id="295" r:id="rId29"/>
+    <p:sldId id="296" r:id="rId30"/>
+    <p:sldId id="297" r:id="rId31"/>
+    <p:sldId id="298" r:id="rId32"/>
+    <p:sldId id="299" r:id="rId33"/>
+    <p:sldId id="300" r:id="rId34"/>
+    <p:sldId id="301" r:id="rId35"/>
+    <p:sldId id="302" r:id="rId36"/>
+    <p:sldId id="303" r:id="rId37"/>
+    <p:sldId id="304" r:id="rId38"/>
+    <p:sldId id="305" r:id="rId39"/>
+    <p:sldId id="306" r:id="rId40"/>
+    <p:sldId id="307" r:id="rId41"/>
+    <p:sldId id="308" r:id="rId42"/>
+    <p:sldId id="309" r:id="rId43"/>
+    <p:sldId id="310" r:id="rId44"/>
+    <p:sldId id="311" r:id="rId45"/>
+    <p:sldId id="312" r:id="rId46"/>
+    <p:sldId id="313" r:id="rId47"/>
+    <p:sldId id="314" r:id="rId48"/>
+    <p:sldId id="315" r:id="rId49"/>
+    <p:sldId id="316" r:id="rId50"/>
+    <p:sldId id="317" r:id="rId51"/>
+    <p:sldId id="318" r:id="rId52"/>
+    <p:sldId id="319" r:id="rId53"/>
+    <p:sldId id="320" r:id="rId54"/>
+    <p:sldId id="321" r:id="rId55"/>
+    <p:sldId id="322" r:id="rId56"/>
+    <p:sldId id="323" r:id="rId57"/>
+    <p:sldId id="324" r:id="rId58"/>
+    <p:sldId id="325" r:id="rId59"/>
+    <p:sldId id="326" r:id="rId60"/>
+    <p:sldId id="327" r:id="rId61"/>
+    <p:sldId id="328" r:id="rId62"/>
+    <p:sldId id="329" r:id="rId63"/>
+    <p:sldId id="330" r:id="rId64"/>
+    <p:sldId id="331" r:id="rId65"/>
+    <p:sldId id="332" r:id="rId66"/>
   </p:sldIdLst>
   <p:sldSz cx="12192000" cy="6858000"/>
   <p:notesSz cx="6858000" cy="9144000"/>
   <p:embeddedFontLst>
     <p:embeddedFont>
       <p:font typeface="Candara" panose="020E0502030303020204" pitchFamily="34" charset="0"/>
-      <p:regular r:id="rId25"/>
-      <p:bold r:id="rId26"/>
-      <p:italic r:id="rId27"/>
-      <p:boldItalic r:id="rId28"/>
+      <p:regular r:id="rId68"/>
+      <p:bold r:id="rId69"/>
+      <p:italic r:id="rId70"/>
+      <p:boldItalic r:id="rId71"/>
     </p:embeddedFont>
     <p:embeddedFont>
       <p:font typeface="Consolas" panose="020B0609020204030204" pitchFamily="49" charset="0"/>
-      <p:regular r:id="rId29"/>
-      <p:bold r:id="rId30"/>
-      <p:italic r:id="rId31"/>
-      <p:boldItalic r:id="rId32"/>
+      <p:regular r:id="rId72"/>
+      <p:bold r:id="rId73"/>
+      <p:italic r:id="rId74"/>
+      <p:boldItalic r:id="rId75"/>
     </p:embeddedFont>
     <p:embeddedFont>
       <p:font typeface="Lato" panose="020F0502020204030203" pitchFamily="34" charset="0"/>
-      <p:regular r:id="rId33"/>
-      <p:bold r:id="rId34"/>
-      <p:italic r:id="rId35"/>
-      <p:boldItalic r:id="rId36"/>
+      <p:regular r:id="rId76"/>
+      <p:bold r:id="rId77"/>
+      <p:italic r:id="rId78"/>
+      <p:boldItalic r:id="rId79"/>
     </p:embeddedFont>
     <p:embeddedFont>
       <p:font typeface="Montserrat" panose="00000500000000000000" pitchFamily="2" charset="-52"/>
-      <p:regular r:id="rId37"/>
-      <p:bold r:id="rId38"/>
-      <p:italic r:id="rId39"/>
-      <p:boldItalic r:id="rId40"/>
+      <p:regular r:id="rId80"/>
+      <p:bold r:id="rId81"/>
+      <p:italic r:id="rId82"/>
+      <p:boldItalic r:id="rId83"/>
     </p:embeddedFont>
     <p:embeddedFont>
       <p:font typeface="Questrial" panose="020B0604020202020204" charset="0"/>
-      <p:regular r:id="rId41"/>
+      <p:regular r:id="rId84"/>
     </p:embeddedFont>
   </p:embeddedFontLst>
   <p:defaultTextStyle>
@@ -12806,6 +12849,970 @@
 </p:sld>
 </file>
 
+<file path=ppt/slides/slide23.xml><?xml version="1.0" encoding="utf-8"?>
+<p:sld xmlns:a="http://schemas.openxmlformats.org/drawingml/2006/main" xmlns:r="http://schemas.openxmlformats.org/officeDocument/2006/relationships" xmlns:p="http://schemas.openxmlformats.org/presentationml/2006/main">
+  <p:cSld>
+    <p:spTree>
+      <p:nvGrpSpPr>
+        <p:cNvPr id="1" name=""/>
+        <p:cNvGrpSpPr/>
+        <p:nvPr/>
+      </p:nvGrpSpPr>
+      <p:grpSpPr>
+        <a:xfrm>
+          <a:off x="0" y="0"/>
+          <a:ext cx="0" cy="0"/>
+          <a:chOff x="0" y="0"/>
+          <a:chExt cx="0" cy="0"/>
+        </a:xfrm>
+      </p:grpSpPr>
+      <p:sp>
+        <p:nvSpPr>
+          <p:cNvPr id="2" name="Title 1">
+            <a:extLst>
+              <a:ext uri="{FF2B5EF4-FFF2-40B4-BE49-F238E27FC236}">
+                <a16:creationId xmlns:a16="http://schemas.microsoft.com/office/drawing/2014/main" id="{955BB0E1-AFC5-420F-A1A6-12FDC1FD16FF}"/>
+              </a:ext>
+            </a:extLst>
+          </p:cNvPr>
+          <p:cNvSpPr>
+            <a:spLocks noGrp="1"/>
+          </p:cNvSpPr>
+          <p:nvPr>
+            <p:ph type="title"/>
+          </p:nvPr>
+        </p:nvSpPr>
+        <p:spPr/>
+        <p:txBody>
+          <a:bodyPr/>
+          <a:lstStyle/>
+          <a:p>
+            <a:r>
+              <a:rPr lang="en-US" dirty="0"/>
+              <a:t>Class Naming Convention</a:t>
+            </a:r>
+            <a:endParaRPr lang="bg-BG" dirty="0"/>
+          </a:p>
+        </p:txBody>
+      </p:sp>
+      <p:sp>
+        <p:nvSpPr>
+          <p:cNvPr id="3" name="Text Placeholder 2">
+            <a:extLst>
+              <a:ext uri="{FF2B5EF4-FFF2-40B4-BE49-F238E27FC236}">
+                <a16:creationId xmlns:a16="http://schemas.microsoft.com/office/drawing/2014/main" id="{1B023A93-C2C6-4884-A62D-ACA4DBDAB7B5}"/>
+              </a:ext>
+            </a:extLst>
+          </p:cNvPr>
+          <p:cNvSpPr>
+            <a:spLocks noGrp="1"/>
+          </p:cNvSpPr>
+          <p:nvPr>
+            <p:ph type="body" idx="1"/>
+          </p:nvPr>
+        </p:nvSpPr>
+        <p:spPr>
+          <a:xfrm>
+            <a:off x="1730000" y="1614791"/>
+            <a:ext cx="9385200" cy="4356976"/>
+          </a:xfrm>
+        </p:spPr>
+        <p:txBody>
+          <a:bodyPr/>
+          <a:lstStyle/>
+          <a:p>
+            <a:r>
+              <a:rPr lang="en-US" sz="1800" dirty="0"/>
+              <a:t>Equal to the methods, for creation of the class names there are the following common standards:</a:t>
+            </a:r>
+          </a:p>
+          <a:p>
+            <a:pPr lvl="1">
+              <a:lnSpc>
+                <a:spcPct val="100000"/>
+              </a:lnSpc>
+              <a:spcBef>
+                <a:spcPts val="600"/>
+              </a:spcBef>
+            </a:pPr>
+            <a:r>
+              <a:rPr lang="en-US" sz="1600" dirty="0"/>
+              <a:t>The names of the classes begin with capital letter, and the rest of the letters are lower case. If the name of the class consists of several words, every word begins with capital letter, without separator to be used. This is the well-known </a:t>
+            </a:r>
+            <a:r>
+              <a:rPr lang="en-US" sz="1600" dirty="0" err="1"/>
+              <a:t>PascalCase</a:t>
+            </a:r>
+            <a:r>
+              <a:rPr lang="en-US" sz="1600" dirty="0"/>
+              <a:t> convention.</a:t>
+            </a:r>
+          </a:p>
+          <a:p>
+            <a:pPr lvl="1">
+              <a:lnSpc>
+                <a:spcPct val="100000"/>
+              </a:lnSpc>
+              <a:spcBef>
+                <a:spcPts val="600"/>
+              </a:spcBef>
+            </a:pPr>
+            <a:r>
+              <a:rPr lang="en-US" sz="1600" dirty="0"/>
+              <a:t>For name of the classes nouns are usually used.</a:t>
+            </a:r>
+          </a:p>
+          <a:p>
+            <a:pPr lvl="1">
+              <a:lnSpc>
+                <a:spcPct val="100000"/>
+              </a:lnSpc>
+              <a:spcBef>
+                <a:spcPts val="600"/>
+              </a:spcBef>
+            </a:pPr>
+            <a:r>
+              <a:rPr lang="en-US" sz="1600" dirty="0"/>
+              <a:t>It is recommended the name of the class to be in English language.</a:t>
+            </a:r>
+          </a:p>
+          <a:p>
+            <a:endParaRPr lang="en-US" sz="1800" dirty="0"/>
+          </a:p>
+          <a:p>
+            <a:r>
+              <a:rPr lang="en-US" sz="1800" dirty="0"/>
+              <a:t>Here are some example class names, which are following the guidelines:</a:t>
+            </a:r>
+          </a:p>
+          <a:p>
+            <a:pPr lvl="1">
+              <a:lnSpc>
+                <a:spcPct val="100000"/>
+              </a:lnSpc>
+              <a:spcBef>
+                <a:spcPts val="600"/>
+              </a:spcBef>
+            </a:pPr>
+            <a:r>
+              <a:rPr lang="en-US" sz="1600" dirty="0"/>
+              <a:t>Dog</a:t>
+            </a:r>
+          </a:p>
+          <a:p>
+            <a:pPr lvl="1">
+              <a:lnSpc>
+                <a:spcPct val="100000"/>
+              </a:lnSpc>
+              <a:spcBef>
+                <a:spcPts val="600"/>
+              </a:spcBef>
+            </a:pPr>
+            <a:r>
+              <a:rPr lang="en-US" sz="1600" dirty="0"/>
+              <a:t>Account</a:t>
+            </a:r>
+          </a:p>
+          <a:p>
+            <a:pPr lvl="1">
+              <a:lnSpc>
+                <a:spcPct val="100000"/>
+              </a:lnSpc>
+              <a:spcBef>
+                <a:spcPts val="600"/>
+              </a:spcBef>
+            </a:pPr>
+            <a:r>
+              <a:rPr lang="en-US" sz="1600" dirty="0"/>
+              <a:t>Car</a:t>
+            </a:r>
+          </a:p>
+          <a:p>
+            <a:pPr lvl="1">
+              <a:lnSpc>
+                <a:spcPct val="100000"/>
+              </a:lnSpc>
+              <a:spcBef>
+                <a:spcPts val="600"/>
+              </a:spcBef>
+            </a:pPr>
+            <a:r>
+              <a:rPr lang="en-US" sz="1600" dirty="0" err="1"/>
+              <a:t>BufferedReader</a:t>
+            </a:r>
+            <a:endParaRPr lang="bg-BG" sz="1600" dirty="0"/>
+          </a:p>
+        </p:txBody>
+      </p:sp>
+    </p:spTree>
+    <p:extLst>
+      <p:ext uri="{BB962C8B-B14F-4D97-AF65-F5344CB8AC3E}">
+        <p14:creationId xmlns:p14="http://schemas.microsoft.com/office/powerpoint/2010/main" val="4230814408"/>
+      </p:ext>
+    </p:extLst>
+  </p:cSld>
+  <p:clrMapOvr>
+    <a:masterClrMapping/>
+  </p:clrMapOvr>
+</p:sld>
+</file>
+
+<file path=ppt/slides/slide24.xml><?xml version="1.0" encoding="utf-8"?>
+<p:sld xmlns:a="http://schemas.openxmlformats.org/drawingml/2006/main" xmlns:r="http://schemas.openxmlformats.org/officeDocument/2006/relationships" xmlns:p="http://schemas.openxmlformats.org/presentationml/2006/main">
+  <p:cSld>
+    <p:spTree>
+      <p:nvGrpSpPr>
+        <p:cNvPr id="1" name=""/>
+        <p:cNvGrpSpPr/>
+        <p:nvPr/>
+      </p:nvGrpSpPr>
+      <p:grpSpPr>
+        <a:xfrm>
+          <a:off x="0" y="0"/>
+          <a:ext cx="0" cy="0"/>
+          <a:chOff x="0" y="0"/>
+          <a:chExt cx="0" cy="0"/>
+        </a:xfrm>
+      </p:grpSpPr>
+      <p:sp>
+        <p:nvSpPr>
+          <p:cNvPr id="2" name="Title 1">
+            <a:extLst>
+              <a:ext uri="{FF2B5EF4-FFF2-40B4-BE49-F238E27FC236}">
+                <a16:creationId xmlns:a16="http://schemas.microsoft.com/office/drawing/2014/main" id="{26D10DB1-A910-4522-9299-D80AA6EB9C74}"/>
+              </a:ext>
+            </a:extLst>
+          </p:cNvPr>
+          <p:cNvSpPr>
+            <a:spLocks noGrp="1"/>
+          </p:cNvSpPr>
+          <p:nvPr>
+            <p:ph type="title"/>
+          </p:nvPr>
+        </p:nvSpPr>
+        <p:spPr/>
+        <p:txBody>
+          <a:bodyPr/>
+          <a:lstStyle/>
+          <a:p>
+            <a:r>
+              <a:rPr lang="en-US" dirty="0"/>
+              <a:t>The Reserved Word "this"</a:t>
+            </a:r>
+            <a:endParaRPr lang="bg-BG" dirty="0"/>
+          </a:p>
+        </p:txBody>
+      </p:sp>
+      <p:sp>
+        <p:nvSpPr>
+          <p:cNvPr id="3" name="Text Placeholder 2">
+            <a:extLst>
+              <a:ext uri="{FF2B5EF4-FFF2-40B4-BE49-F238E27FC236}">
+                <a16:creationId xmlns:a16="http://schemas.microsoft.com/office/drawing/2014/main" id="{E4017DDB-0E2B-469C-852B-1A87F200920E}"/>
+              </a:ext>
+            </a:extLst>
+          </p:cNvPr>
+          <p:cNvSpPr>
+            <a:spLocks noGrp="1"/>
+          </p:cNvSpPr>
+          <p:nvPr>
+            <p:ph type="body" idx="1"/>
+          </p:nvPr>
+        </p:nvSpPr>
+        <p:spPr>
+          <a:xfrm>
+            <a:off x="1730000" y="1653702"/>
+            <a:ext cx="9385200" cy="4679298"/>
+          </a:xfrm>
+        </p:spPr>
+        <p:txBody>
+          <a:bodyPr/>
+          <a:lstStyle/>
+          <a:p>
+            <a:r>
+              <a:rPr lang="en-US" dirty="0"/>
+              <a:t>The reserved word this in C# is used to reference the current object, when one is used from method in the same class. This is the object, which method or constructor is called. The reserved word can be deemed as an address (reference), given priory from the language authors, with which we access the elements (fields, methods, constructor) of the own class: </a:t>
+            </a:r>
+          </a:p>
+          <a:p>
+            <a:pPr lvl="1"/>
+            <a:r>
+              <a:rPr lang="en-US" dirty="0" err="1"/>
+              <a:t>this.myField</a:t>
+            </a:r>
+            <a:r>
+              <a:rPr lang="en-US" dirty="0"/>
+              <a:t>; // access a field in the class</a:t>
+            </a:r>
+          </a:p>
+          <a:p>
+            <a:pPr lvl="1"/>
+            <a:r>
+              <a:rPr lang="en-US" dirty="0" err="1"/>
+              <a:t>this.DoMyMethod</a:t>
+            </a:r>
+            <a:r>
+              <a:rPr lang="en-US" dirty="0"/>
+              <a:t>(); // access a method in the class</a:t>
+            </a:r>
+          </a:p>
+          <a:p>
+            <a:pPr lvl="1"/>
+            <a:r>
+              <a:rPr lang="en-US" dirty="0"/>
+              <a:t>this(3, 4); // access a constructor with two int parameters</a:t>
+            </a:r>
+          </a:p>
+          <a:p>
+            <a:endParaRPr lang="en-US" dirty="0"/>
+          </a:p>
+          <a:p>
+            <a:r>
+              <a:rPr lang="en-US" dirty="0"/>
+              <a:t>Currently, we will not explain the given code above. Later, we will do it in other sections of this chapter, dedicated to the elements of the class (fields, methods, constructors) and as well related to the reserved word this.</a:t>
+            </a:r>
+            <a:endParaRPr lang="bg-BG" dirty="0"/>
+          </a:p>
+        </p:txBody>
+      </p:sp>
+    </p:spTree>
+    <p:extLst>
+      <p:ext uri="{BB962C8B-B14F-4D97-AF65-F5344CB8AC3E}">
+        <p14:creationId xmlns:p14="http://schemas.microsoft.com/office/powerpoint/2010/main" val="2340634291"/>
+      </p:ext>
+    </p:extLst>
+  </p:cSld>
+  <p:clrMapOvr>
+    <a:masterClrMapping/>
+  </p:clrMapOvr>
+</p:sld>
+</file>
+
+<file path=ppt/slides/slide25.xml><?xml version="1.0" encoding="utf-8"?>
+<p:sld xmlns:a="http://schemas.openxmlformats.org/drawingml/2006/main" xmlns:r="http://schemas.openxmlformats.org/officeDocument/2006/relationships" xmlns:p="http://schemas.openxmlformats.org/presentationml/2006/main">
+  <p:cSld>
+    <p:spTree>
+      <p:nvGrpSpPr>
+        <p:cNvPr id="1" name=""/>
+        <p:cNvGrpSpPr/>
+        <p:nvPr/>
+      </p:nvGrpSpPr>
+      <p:grpSpPr>
+        <a:xfrm>
+          <a:off x="0" y="0"/>
+          <a:ext cx="0" cy="0"/>
+          <a:chOff x="0" y="0"/>
+          <a:chExt cx="0" cy="0"/>
+        </a:xfrm>
+      </p:grpSpPr>
+      <p:sp>
+        <p:nvSpPr>
+          <p:cNvPr id="2" name="Title 1">
+            <a:extLst>
+              <a:ext uri="{FF2B5EF4-FFF2-40B4-BE49-F238E27FC236}">
+                <a16:creationId xmlns:a16="http://schemas.microsoft.com/office/drawing/2014/main" id="{A5490C1A-8BBE-4788-9708-5A2A3200910B}"/>
+              </a:ext>
+            </a:extLst>
+          </p:cNvPr>
+          <p:cNvSpPr>
+            <a:spLocks noGrp="1"/>
+          </p:cNvSpPr>
+          <p:nvPr>
+            <p:ph type="title"/>
+          </p:nvPr>
+        </p:nvSpPr>
+        <p:spPr/>
+        <p:txBody>
+          <a:bodyPr/>
+          <a:lstStyle/>
+          <a:p>
+            <a:r>
+              <a:rPr lang="en-US" dirty="0"/>
+              <a:t>Fields</a:t>
+            </a:r>
+            <a:endParaRPr lang="bg-BG" dirty="0"/>
+          </a:p>
+        </p:txBody>
+      </p:sp>
+      <p:sp>
+        <p:nvSpPr>
+          <p:cNvPr id="3" name="Text Placeholder 2">
+            <a:extLst>
+              <a:ext uri="{FF2B5EF4-FFF2-40B4-BE49-F238E27FC236}">
+                <a16:creationId xmlns:a16="http://schemas.microsoft.com/office/drawing/2014/main" id="{5216B382-65F6-471E-BA04-C2552A906C7F}"/>
+              </a:ext>
+            </a:extLst>
+          </p:cNvPr>
+          <p:cNvSpPr>
+            <a:spLocks noGrp="1"/>
+          </p:cNvSpPr>
+          <p:nvPr>
+            <p:ph type="body" idx="1"/>
+          </p:nvPr>
+        </p:nvSpPr>
+        <p:spPr>
+          <a:xfrm>
+            <a:off x="1730000" y="1549940"/>
+            <a:ext cx="9385200" cy="4421827"/>
+          </a:xfrm>
+        </p:spPr>
+        <p:txBody>
+          <a:bodyPr/>
+          <a:lstStyle/>
+          <a:p>
+            <a:r>
+              <a:rPr lang="en-US" sz="1800" dirty="0"/>
+              <a:t>Objects describe things from the real world. In order to describe an object, we focus on its characteristics, which are related to the problems solved in our program. </a:t>
+            </a:r>
+          </a:p>
+          <a:p>
+            <a:endParaRPr lang="en-US" sz="1800" dirty="0"/>
+          </a:p>
+          <a:p>
+            <a:r>
+              <a:rPr lang="en-US" sz="1800" dirty="0"/>
+              <a:t>These characteristics of the real-world object we will hold in the declaration of the class in special types of variables. </a:t>
+            </a:r>
+          </a:p>
+          <a:p>
+            <a:endParaRPr lang="en-US" sz="1800" dirty="0"/>
+          </a:p>
+          <a:p>
+            <a:r>
+              <a:rPr lang="en-US" sz="1800" dirty="0"/>
+              <a:t>These variables, called fields (or member-variables), are holding the state of the object. </a:t>
+            </a:r>
+          </a:p>
+          <a:p>
+            <a:endParaRPr lang="en-US" sz="1800" dirty="0"/>
+          </a:p>
+          <a:p>
+            <a:r>
+              <a:rPr lang="en-US" sz="1800" dirty="0"/>
+              <a:t>When we create an object based on certain class definition, the values of the fields are containing the characteristics of the created object (its state). </a:t>
+            </a:r>
+          </a:p>
+          <a:p>
+            <a:endParaRPr lang="en-US" sz="1800" dirty="0"/>
+          </a:p>
+          <a:p>
+            <a:r>
+              <a:rPr lang="en-US" sz="1800" dirty="0"/>
+              <a:t>These characteristics have different values different for the different objects.</a:t>
+            </a:r>
+            <a:endParaRPr lang="bg-BG" sz="1800" dirty="0"/>
+          </a:p>
+        </p:txBody>
+      </p:sp>
+    </p:spTree>
+    <p:extLst>
+      <p:ext uri="{BB962C8B-B14F-4D97-AF65-F5344CB8AC3E}">
+        <p14:creationId xmlns:p14="http://schemas.microsoft.com/office/powerpoint/2010/main" val="2983576082"/>
+      </p:ext>
+    </p:extLst>
+  </p:cSld>
+  <p:clrMapOvr>
+    <a:masterClrMapping/>
+  </p:clrMapOvr>
+</p:sld>
+</file>
+
+<file path=ppt/slides/slide26.xml><?xml version="1.0" encoding="utf-8"?>
+<p:sld xmlns:a="http://schemas.openxmlformats.org/drawingml/2006/main" xmlns:r="http://schemas.openxmlformats.org/officeDocument/2006/relationships" xmlns:p="http://schemas.openxmlformats.org/presentationml/2006/main">
+  <p:cSld>
+    <p:spTree>
+      <p:nvGrpSpPr>
+        <p:cNvPr id="1" name=""/>
+        <p:cNvGrpSpPr/>
+        <p:nvPr/>
+      </p:nvGrpSpPr>
+      <p:grpSpPr>
+        <a:xfrm>
+          <a:off x="0" y="0"/>
+          <a:ext cx="0" cy="0"/>
+          <a:chOff x="0" y="0"/>
+          <a:chExt cx="0" cy="0"/>
+        </a:xfrm>
+      </p:grpSpPr>
+      <p:sp>
+        <p:nvSpPr>
+          <p:cNvPr id="2" name="Title 1">
+            <a:extLst>
+              <a:ext uri="{FF2B5EF4-FFF2-40B4-BE49-F238E27FC236}">
+                <a16:creationId xmlns:a16="http://schemas.microsoft.com/office/drawing/2014/main" id="{0879053E-825E-4016-A8EB-04FA9E7EEFBA}"/>
+              </a:ext>
+            </a:extLst>
+          </p:cNvPr>
+          <p:cNvSpPr>
+            <a:spLocks noGrp="1"/>
+          </p:cNvSpPr>
+          <p:nvPr>
+            <p:ph type="title"/>
+          </p:nvPr>
+        </p:nvSpPr>
+        <p:spPr/>
+        <p:txBody>
+          <a:bodyPr/>
+          <a:lstStyle/>
+          <a:p>
+            <a:r>
+              <a:rPr lang="en-US" dirty="0"/>
+              <a:t>Declaring Fields in a Class</a:t>
+            </a:r>
+            <a:endParaRPr lang="bg-BG" dirty="0"/>
+          </a:p>
+        </p:txBody>
+      </p:sp>
+      <p:sp>
+        <p:nvSpPr>
+          <p:cNvPr id="3" name="Text Placeholder 2">
+            <a:extLst>
+              <a:ext uri="{FF2B5EF4-FFF2-40B4-BE49-F238E27FC236}">
+                <a16:creationId xmlns:a16="http://schemas.microsoft.com/office/drawing/2014/main" id="{659EAB47-45DD-43A8-9C67-272A822DC914}"/>
+              </a:ext>
+            </a:extLst>
+          </p:cNvPr>
+          <p:cNvSpPr>
+            <a:spLocks noGrp="1"/>
+          </p:cNvSpPr>
+          <p:nvPr>
+            <p:ph type="body" idx="1"/>
+          </p:nvPr>
+        </p:nvSpPr>
+        <p:spPr>
+          <a:xfrm>
+            <a:off x="1730000" y="2090067"/>
+            <a:ext cx="10241506" cy="4174546"/>
+          </a:xfrm>
+        </p:spPr>
+        <p:txBody>
+          <a:bodyPr/>
+          <a:lstStyle/>
+          <a:p>
+            <a:r>
+              <a:rPr lang="en-US" dirty="0"/>
+              <a:t>Fields are declared in the body of the class, outside the body of a single method or constructor.</a:t>
+            </a:r>
+          </a:p>
+          <a:p>
+            <a:r>
+              <a:rPr lang="en-US" dirty="0"/>
+              <a:t>Fields are declared in the body of the class but not in the bodies of the methods or the constructors.</a:t>
+            </a:r>
+          </a:p>
+          <a:p>
+            <a:endParaRPr lang="en-US" dirty="0"/>
+          </a:p>
+          <a:p>
+            <a:endParaRPr lang="en-US" dirty="0"/>
+          </a:p>
+          <a:p>
+            <a:endParaRPr lang="en-US" dirty="0"/>
+          </a:p>
+          <a:p>
+            <a:endParaRPr lang="en-US" dirty="0"/>
+          </a:p>
+          <a:p>
+            <a:endParaRPr lang="en-US" dirty="0"/>
+          </a:p>
+          <a:p>
+            <a:endParaRPr lang="en-US" dirty="0"/>
+          </a:p>
+          <a:p>
+            <a:endParaRPr lang="en-US" dirty="0"/>
+          </a:p>
+          <a:p>
+            <a:endParaRPr lang="en-US" dirty="0"/>
+          </a:p>
+          <a:p>
+            <a:endParaRPr lang="en-US" dirty="0"/>
+          </a:p>
+          <a:p>
+            <a:r>
+              <a:rPr lang="en-US" dirty="0"/>
+              <a:t>The scope of a class field starts from the line where is declared and ends at the closing bracket of the body of the class.</a:t>
+            </a:r>
+            <a:endParaRPr lang="bg-BG" dirty="0"/>
+          </a:p>
+        </p:txBody>
+      </p:sp>
+      <p:pic>
+        <p:nvPicPr>
+          <p:cNvPr id="5" name="Picture 4">
+            <a:extLst>
+              <a:ext uri="{FF2B5EF4-FFF2-40B4-BE49-F238E27FC236}">
+                <a16:creationId xmlns:a16="http://schemas.microsoft.com/office/drawing/2014/main" id="{83A29540-553C-4CAB-9FA6-D1FD34782728}"/>
+              </a:ext>
+            </a:extLst>
+          </p:cNvPr>
+          <p:cNvPicPr>
+            <a:picLocks noChangeAspect="1"/>
+          </p:cNvPicPr>
+          <p:nvPr/>
+        </p:nvPicPr>
+        <p:blipFill>
+          <a:blip r:embed="rId2"/>
+          <a:stretch>
+            <a:fillRect/>
+          </a:stretch>
+        </p:blipFill>
+        <p:spPr>
+          <a:xfrm>
+            <a:off x="2293972" y="3002604"/>
+            <a:ext cx="3802028" cy="2081719"/>
+          </a:xfrm>
+          <a:prstGeom prst="rect">
+            <a:avLst/>
+          </a:prstGeom>
+        </p:spPr>
+      </p:pic>
+    </p:spTree>
+    <p:extLst>
+      <p:ext uri="{BB962C8B-B14F-4D97-AF65-F5344CB8AC3E}">
+        <p14:creationId xmlns:p14="http://schemas.microsoft.com/office/powerpoint/2010/main" val="1262229493"/>
+      </p:ext>
+    </p:extLst>
+  </p:cSld>
+  <p:clrMapOvr>
+    <a:masterClrMapping/>
+  </p:clrMapOvr>
+</p:sld>
+</file>
+
+<file path=ppt/slides/slide27.xml><?xml version="1.0" encoding="utf-8"?>
+<p:sld xmlns:a="http://schemas.openxmlformats.org/drawingml/2006/main" xmlns:r="http://schemas.openxmlformats.org/officeDocument/2006/relationships" xmlns:p="http://schemas.openxmlformats.org/presentationml/2006/main">
+  <p:cSld>
+    <p:spTree>
+      <p:nvGrpSpPr>
+        <p:cNvPr id="1" name=""/>
+        <p:cNvGrpSpPr/>
+        <p:nvPr/>
+      </p:nvGrpSpPr>
+      <p:grpSpPr>
+        <a:xfrm>
+          <a:off x="0" y="0"/>
+          <a:ext cx="0" cy="0"/>
+          <a:chOff x="0" y="0"/>
+          <a:chExt cx="0" cy="0"/>
+        </a:xfrm>
+      </p:grpSpPr>
+      <p:sp>
+        <p:nvSpPr>
+          <p:cNvPr id="2" name="Title 1">
+            <a:extLst>
+              <a:ext uri="{FF2B5EF4-FFF2-40B4-BE49-F238E27FC236}">
+                <a16:creationId xmlns:a16="http://schemas.microsoft.com/office/drawing/2014/main" id="{16D6190F-6352-46F6-823D-13917CD178F7}"/>
+              </a:ext>
+            </a:extLst>
+          </p:cNvPr>
+          <p:cNvSpPr>
+            <a:spLocks noGrp="1"/>
+          </p:cNvSpPr>
+          <p:nvPr>
+            <p:ph type="title"/>
+          </p:nvPr>
+        </p:nvSpPr>
+        <p:spPr/>
+        <p:txBody>
+          <a:bodyPr/>
+          <a:lstStyle/>
+          <a:p>
+            <a:r>
+              <a:rPr lang="en-US" dirty="0"/>
+              <a:t>Initialization during Declaration</a:t>
+            </a:r>
+            <a:endParaRPr lang="bg-BG" dirty="0"/>
+          </a:p>
+        </p:txBody>
+      </p:sp>
+      <p:sp>
+        <p:nvSpPr>
+          <p:cNvPr id="3" name="Text Placeholder 2">
+            <a:extLst>
+              <a:ext uri="{FF2B5EF4-FFF2-40B4-BE49-F238E27FC236}">
+                <a16:creationId xmlns:a16="http://schemas.microsoft.com/office/drawing/2014/main" id="{77A42973-846E-4931-90E3-867DA1A6D1ED}"/>
+              </a:ext>
+            </a:extLst>
+          </p:cNvPr>
+          <p:cNvSpPr>
+            <a:spLocks noGrp="1"/>
+          </p:cNvSpPr>
+          <p:nvPr>
+            <p:ph type="body" idx="1"/>
+          </p:nvPr>
+        </p:nvSpPr>
+        <p:spPr/>
+        <p:txBody>
+          <a:bodyPr/>
+          <a:lstStyle/>
+          <a:p>
+            <a:r>
+              <a:rPr lang="en-US" dirty="0"/>
+              <a:t>When we declare one field it is possible to assign to it an initial value. We do this similarly to an assignment of normal local variable:</a:t>
+            </a:r>
+            <a:endParaRPr lang="bg-BG" dirty="0"/>
+          </a:p>
+        </p:txBody>
+      </p:sp>
+      <p:pic>
+        <p:nvPicPr>
+          <p:cNvPr id="5" name="Picture 4">
+            <a:extLst>
+              <a:ext uri="{FF2B5EF4-FFF2-40B4-BE49-F238E27FC236}">
+                <a16:creationId xmlns:a16="http://schemas.microsoft.com/office/drawing/2014/main" id="{BEF96613-0442-4691-A3F3-CCDB99E8A0E5}"/>
+              </a:ext>
+            </a:extLst>
+          </p:cNvPr>
+          <p:cNvPicPr>
+            <a:picLocks noChangeAspect="1"/>
+          </p:cNvPicPr>
+          <p:nvPr/>
+        </p:nvPicPr>
+        <p:blipFill>
+          <a:blip r:embed="rId2"/>
+          <a:stretch>
+            <a:fillRect/>
+          </a:stretch>
+        </p:blipFill>
+        <p:spPr>
+          <a:xfrm>
+            <a:off x="2311424" y="3005239"/>
+            <a:ext cx="6505575" cy="504825"/>
+          </a:xfrm>
+          <a:prstGeom prst="rect">
+            <a:avLst/>
+          </a:prstGeom>
+        </p:spPr>
+      </p:pic>
+      <p:pic>
+        <p:nvPicPr>
+          <p:cNvPr id="7" name="Picture 6">
+            <a:extLst>
+              <a:ext uri="{FF2B5EF4-FFF2-40B4-BE49-F238E27FC236}">
+                <a16:creationId xmlns:a16="http://schemas.microsoft.com/office/drawing/2014/main" id="{2DD7548F-15EB-4DBD-B7EF-585A3D3D5706}"/>
+              </a:ext>
+            </a:extLst>
+          </p:cNvPr>
+          <p:cNvPicPr>
+            <a:picLocks noChangeAspect="1"/>
+          </p:cNvPicPr>
+          <p:nvPr/>
+        </p:nvPicPr>
+        <p:blipFill>
+          <a:blip r:embed="rId3"/>
+          <a:stretch>
+            <a:fillRect/>
+          </a:stretch>
+        </p:blipFill>
+        <p:spPr>
+          <a:xfrm>
+            <a:off x="2311433" y="3852761"/>
+            <a:ext cx="6505566" cy="1769825"/>
+          </a:xfrm>
+          <a:prstGeom prst="rect">
+            <a:avLst/>
+          </a:prstGeom>
+        </p:spPr>
+      </p:pic>
+    </p:spTree>
+    <p:extLst>
+      <p:ext uri="{BB962C8B-B14F-4D97-AF65-F5344CB8AC3E}">
+        <p14:creationId xmlns:p14="http://schemas.microsoft.com/office/powerpoint/2010/main" val="27639158"/>
+      </p:ext>
+    </p:extLst>
+  </p:cSld>
+  <p:clrMapOvr>
+    <a:masterClrMapping/>
+  </p:clrMapOvr>
+</p:sld>
+</file>
+
+<file path=ppt/slides/slide28.xml><?xml version="1.0" encoding="utf-8"?>
+<p:sld xmlns:a="http://schemas.openxmlformats.org/drawingml/2006/main" xmlns:r="http://schemas.openxmlformats.org/officeDocument/2006/relationships" xmlns:p="http://schemas.openxmlformats.org/presentationml/2006/main">
+  <p:cSld>
+    <p:spTree>
+      <p:nvGrpSpPr>
+        <p:cNvPr id="1" name=""/>
+        <p:cNvGrpSpPr/>
+        <p:nvPr/>
+      </p:nvGrpSpPr>
+      <p:grpSpPr>
+        <a:xfrm>
+          <a:off x="0" y="0"/>
+          <a:ext cx="0" cy="0"/>
+          <a:chOff x="0" y="0"/>
+          <a:chExt cx="0" cy="0"/>
+        </a:xfrm>
+      </p:grpSpPr>
+      <p:sp>
+        <p:nvSpPr>
+          <p:cNvPr id="2" name="Title 1">
+            <a:extLst>
+              <a:ext uri="{FF2B5EF4-FFF2-40B4-BE49-F238E27FC236}">
+                <a16:creationId xmlns:a16="http://schemas.microsoft.com/office/drawing/2014/main" id="{9EB9C355-7760-40BE-BF85-B3EA69A8F0CD}"/>
+              </a:ext>
+            </a:extLst>
+          </p:cNvPr>
+          <p:cNvSpPr>
+            <a:spLocks noGrp="1"/>
+          </p:cNvSpPr>
+          <p:nvPr>
+            <p:ph type="title"/>
+          </p:nvPr>
+        </p:nvSpPr>
+        <p:spPr/>
+        <p:txBody>
+          <a:bodyPr/>
+          <a:lstStyle/>
+          <a:p>
+            <a:r>
+              <a:rPr lang="en-US" dirty="0"/>
+              <a:t>Default Values of the Fields</a:t>
+            </a:r>
+            <a:endParaRPr lang="bg-BG" dirty="0"/>
+          </a:p>
+        </p:txBody>
+      </p:sp>
+      <p:sp>
+        <p:nvSpPr>
+          <p:cNvPr id="3" name="Text Placeholder 2">
+            <a:extLst>
+              <a:ext uri="{FF2B5EF4-FFF2-40B4-BE49-F238E27FC236}">
+                <a16:creationId xmlns:a16="http://schemas.microsoft.com/office/drawing/2014/main" id="{EC736B59-015F-4D1D-ACE7-15AB912DD8A9}"/>
+              </a:ext>
+            </a:extLst>
+          </p:cNvPr>
+          <p:cNvSpPr>
+            <a:spLocks noGrp="1"/>
+          </p:cNvSpPr>
+          <p:nvPr>
+            <p:ph type="body" idx="1"/>
+          </p:nvPr>
+        </p:nvSpPr>
+        <p:spPr/>
+        <p:txBody>
+          <a:bodyPr/>
+          <a:lstStyle/>
+          <a:p>
+            <a:r>
+              <a:rPr lang="en-US" dirty="0"/>
+              <a:t>Every time, when we create a new object of a given class, it is allocated memory in the heap for every field from the class. In order this to be done the memory is initialized automatically with the default values for the certain field. The fields, which do not have explicitly a default value in the code, use the default value specified for the .NET type, to which they belong.</a:t>
+            </a:r>
+          </a:p>
+          <a:p>
+            <a:endParaRPr lang="en-US" dirty="0"/>
+          </a:p>
+          <a:p>
+            <a:r>
+              <a:rPr lang="en-US" dirty="0"/>
+              <a:t>This is different for the local variables defined in methods. If a local variable in a method does not have a value assigned, the code will not compile. If a member variable (field) in a class does not have a value assigned, it will be automatically zeroed by the compiler.</a:t>
+            </a:r>
+            <a:endParaRPr lang="bg-BG" dirty="0"/>
+          </a:p>
+        </p:txBody>
+      </p:sp>
+    </p:spTree>
+    <p:extLst>
+      <p:ext uri="{BB962C8B-B14F-4D97-AF65-F5344CB8AC3E}">
+        <p14:creationId xmlns:p14="http://schemas.microsoft.com/office/powerpoint/2010/main" val="3784998567"/>
+      </p:ext>
+    </p:extLst>
+  </p:cSld>
+  <p:clrMapOvr>
+    <a:masterClrMapping/>
+  </p:clrMapOvr>
+</p:sld>
+</file>
+
+<file path=ppt/slides/slide29.xml><?xml version="1.0" encoding="utf-8"?>
+<p:sld xmlns:a="http://schemas.openxmlformats.org/drawingml/2006/main" xmlns:r="http://schemas.openxmlformats.org/officeDocument/2006/relationships" xmlns:p="http://schemas.openxmlformats.org/presentationml/2006/main">
+  <p:cSld>
+    <p:spTree>
+      <p:nvGrpSpPr>
+        <p:cNvPr id="1" name=""/>
+        <p:cNvGrpSpPr/>
+        <p:nvPr/>
+      </p:nvGrpSpPr>
+      <p:grpSpPr>
+        <a:xfrm>
+          <a:off x="0" y="0"/>
+          <a:ext cx="0" cy="0"/>
+          <a:chOff x="0" y="0"/>
+          <a:chExt cx="0" cy="0"/>
+        </a:xfrm>
+      </p:grpSpPr>
+      <p:sp>
+        <p:nvSpPr>
+          <p:cNvPr id="2" name="Title 1">
+            <a:extLst>
+              <a:ext uri="{FF2B5EF4-FFF2-40B4-BE49-F238E27FC236}">
+                <a16:creationId xmlns:a16="http://schemas.microsoft.com/office/drawing/2014/main" id="{F381B8D6-1F30-4F85-8BEC-9255F78FCCA9}"/>
+              </a:ext>
+            </a:extLst>
+          </p:cNvPr>
+          <p:cNvSpPr>
+            <a:spLocks noGrp="1"/>
+          </p:cNvSpPr>
+          <p:nvPr>
+            <p:ph type="title"/>
+          </p:nvPr>
+        </p:nvSpPr>
+        <p:spPr/>
+        <p:txBody>
+          <a:bodyPr/>
+          <a:lstStyle/>
+          <a:p>
+            <a:r>
+              <a:rPr lang="en-US" dirty="0"/>
+              <a:t>Default Values of the Fields</a:t>
+            </a:r>
+            <a:endParaRPr lang="bg-BG" dirty="0"/>
+          </a:p>
+        </p:txBody>
+      </p:sp>
+      <p:pic>
+        <p:nvPicPr>
+          <p:cNvPr id="5" name="Picture 4">
+            <a:extLst>
+              <a:ext uri="{FF2B5EF4-FFF2-40B4-BE49-F238E27FC236}">
+                <a16:creationId xmlns:a16="http://schemas.microsoft.com/office/drawing/2014/main" id="{9CDAD0E4-65D1-4279-8212-FDA39E94160D}"/>
+              </a:ext>
+            </a:extLst>
+          </p:cNvPr>
+          <p:cNvPicPr>
+            <a:picLocks noChangeAspect="1"/>
+          </p:cNvPicPr>
+          <p:nvPr/>
+        </p:nvPicPr>
+        <p:blipFill>
+          <a:blip r:embed="rId2"/>
+          <a:stretch>
+            <a:fillRect/>
+          </a:stretch>
+        </p:blipFill>
+        <p:spPr>
+          <a:xfrm>
+            <a:off x="1730000" y="2090067"/>
+            <a:ext cx="4207648" cy="3299056"/>
+          </a:xfrm>
+          <a:prstGeom prst="rect">
+            <a:avLst/>
+          </a:prstGeom>
+        </p:spPr>
+      </p:pic>
+    </p:spTree>
+    <p:extLst>
+      <p:ext uri="{BB962C8B-B14F-4D97-AF65-F5344CB8AC3E}">
+        <p14:creationId xmlns:p14="http://schemas.microsoft.com/office/powerpoint/2010/main" val="1030202213"/>
+      </p:ext>
+    </p:extLst>
+  </p:cSld>
+  <p:clrMapOvr>
+    <a:masterClrMapping/>
+  </p:clrMapOvr>
+</p:sld>
+</file>
+
 <file path=ppt/slides/slide3.xml><?xml version="1.0" encoding="utf-8"?>
 <p:sld xmlns:a="http://schemas.openxmlformats.org/drawingml/2006/main" xmlns:r="http://schemas.openxmlformats.org/officeDocument/2006/relationships" xmlns:p="http://schemas.openxmlformats.org/presentationml/2006/main">
   <p:cSld>
@@ -12942,6 +13949,1510 @@
     <p:extLst>
       <p:ext uri="{BB962C8B-B14F-4D97-AF65-F5344CB8AC3E}">
         <p14:creationId xmlns:p14="http://schemas.microsoft.com/office/powerpoint/2010/main" val="1904312960"/>
+      </p:ext>
+    </p:extLst>
+  </p:cSld>
+  <p:clrMapOvr>
+    <a:masterClrMapping/>
+  </p:clrMapOvr>
+</p:sld>
+</file>
+
+<file path=ppt/slides/slide30.xml><?xml version="1.0" encoding="utf-8"?>
+<p:sld xmlns:a="http://schemas.openxmlformats.org/drawingml/2006/main" xmlns:r="http://schemas.openxmlformats.org/officeDocument/2006/relationships" xmlns:p="http://schemas.openxmlformats.org/presentationml/2006/main">
+  <p:cSld>
+    <p:spTree>
+      <p:nvGrpSpPr>
+        <p:cNvPr id="1" name=""/>
+        <p:cNvGrpSpPr/>
+        <p:nvPr/>
+      </p:nvGrpSpPr>
+      <p:grpSpPr>
+        <a:xfrm>
+          <a:off x="0" y="0"/>
+          <a:ext cx="0" cy="0"/>
+          <a:chOff x="0" y="0"/>
+          <a:chExt cx="0" cy="0"/>
+        </a:xfrm>
+      </p:grpSpPr>
+      <p:sp>
+        <p:nvSpPr>
+          <p:cNvPr id="2" name="Title 1">
+            <a:extLst>
+              <a:ext uri="{FF2B5EF4-FFF2-40B4-BE49-F238E27FC236}">
+                <a16:creationId xmlns:a16="http://schemas.microsoft.com/office/drawing/2014/main" id="{3E4CA846-B837-4CB3-AE70-147859648505}"/>
+              </a:ext>
+            </a:extLst>
+          </p:cNvPr>
+          <p:cNvSpPr>
+            <a:spLocks noGrp="1"/>
+          </p:cNvSpPr>
+          <p:nvPr>
+            <p:ph type="title"/>
+          </p:nvPr>
+        </p:nvSpPr>
+        <p:spPr/>
+        <p:txBody>
+          <a:bodyPr/>
+          <a:lstStyle/>
+          <a:p>
+            <a:r>
+              <a:rPr lang="en-US" dirty="0"/>
+              <a:t>Default Values of the Fields</a:t>
+            </a:r>
+            <a:endParaRPr lang="bg-BG" dirty="0"/>
+          </a:p>
+        </p:txBody>
+      </p:sp>
+      <p:pic>
+        <p:nvPicPr>
+          <p:cNvPr id="5" name="Picture 4">
+            <a:extLst>
+              <a:ext uri="{FF2B5EF4-FFF2-40B4-BE49-F238E27FC236}">
+                <a16:creationId xmlns:a16="http://schemas.microsoft.com/office/drawing/2014/main" id="{AB6B3428-5EC2-4A88-8080-5D51494BCA52}"/>
+              </a:ext>
+            </a:extLst>
+          </p:cNvPr>
+          <p:cNvPicPr>
+            <a:picLocks noChangeAspect="1"/>
+          </p:cNvPicPr>
+          <p:nvPr/>
+        </p:nvPicPr>
+        <p:blipFill>
+          <a:blip r:embed="rId2"/>
+          <a:stretch>
+            <a:fillRect/>
+          </a:stretch>
+        </p:blipFill>
+        <p:spPr>
+          <a:xfrm>
+            <a:off x="1888585" y="1380301"/>
+            <a:ext cx="6534150" cy="3733800"/>
+          </a:xfrm>
+          <a:prstGeom prst="rect">
+            <a:avLst/>
+          </a:prstGeom>
+        </p:spPr>
+      </p:pic>
+      <p:pic>
+        <p:nvPicPr>
+          <p:cNvPr id="7" name="Picture 6">
+            <a:extLst>
+              <a:ext uri="{FF2B5EF4-FFF2-40B4-BE49-F238E27FC236}">
+                <a16:creationId xmlns:a16="http://schemas.microsoft.com/office/drawing/2014/main" id="{2F3D17E0-C5AA-48E8-A3B4-84AC0EFD2791}"/>
+              </a:ext>
+            </a:extLst>
+          </p:cNvPr>
+          <p:cNvPicPr>
+            <a:picLocks noChangeAspect="1"/>
+          </p:cNvPicPr>
+          <p:nvPr/>
+        </p:nvPicPr>
+        <p:blipFill>
+          <a:blip r:embed="rId3"/>
+          <a:stretch>
+            <a:fillRect/>
+          </a:stretch>
+        </p:blipFill>
+        <p:spPr>
+          <a:xfrm>
+            <a:off x="1917160" y="5566146"/>
+            <a:ext cx="6505575" cy="1095375"/>
+          </a:xfrm>
+          <a:prstGeom prst="rect">
+            <a:avLst/>
+          </a:prstGeom>
+        </p:spPr>
+      </p:pic>
+    </p:spTree>
+    <p:extLst>
+      <p:ext uri="{BB962C8B-B14F-4D97-AF65-F5344CB8AC3E}">
+        <p14:creationId xmlns:p14="http://schemas.microsoft.com/office/powerpoint/2010/main" val="2958261775"/>
+      </p:ext>
+    </p:extLst>
+  </p:cSld>
+  <p:clrMapOvr>
+    <a:masterClrMapping/>
+  </p:clrMapOvr>
+</p:sld>
+</file>
+
+<file path=ppt/slides/slide31.xml><?xml version="1.0" encoding="utf-8"?>
+<p:sld xmlns:a="http://schemas.openxmlformats.org/drawingml/2006/main" xmlns:r="http://schemas.openxmlformats.org/officeDocument/2006/relationships" xmlns:p="http://schemas.openxmlformats.org/presentationml/2006/main">
+  <p:cSld>
+    <p:spTree>
+      <p:nvGrpSpPr>
+        <p:cNvPr id="1" name=""/>
+        <p:cNvGrpSpPr/>
+        <p:nvPr/>
+      </p:nvGrpSpPr>
+      <p:grpSpPr>
+        <a:xfrm>
+          <a:off x="0" y="0"/>
+          <a:ext cx="0" cy="0"/>
+          <a:chOff x="0" y="0"/>
+          <a:chExt cx="0" cy="0"/>
+        </a:xfrm>
+      </p:grpSpPr>
+      <p:sp>
+        <p:nvSpPr>
+          <p:cNvPr id="2" name="Title 1">
+            <a:extLst>
+              <a:ext uri="{FF2B5EF4-FFF2-40B4-BE49-F238E27FC236}">
+                <a16:creationId xmlns:a16="http://schemas.microsoft.com/office/drawing/2014/main" id="{8A521C8D-D82F-40C1-91E7-F72E6295AD09}"/>
+              </a:ext>
+            </a:extLst>
+          </p:cNvPr>
+          <p:cNvSpPr>
+            <a:spLocks noGrp="1"/>
+          </p:cNvSpPr>
+          <p:nvPr>
+            <p:ph type="title"/>
+          </p:nvPr>
+        </p:nvSpPr>
+        <p:spPr/>
+        <p:txBody>
+          <a:bodyPr/>
+          <a:lstStyle/>
+          <a:p>
+            <a:r>
+              <a:rPr lang="en-US" sz="2400" dirty="0"/>
+              <a:t>Automated Initialization of Local Variables and Fields</a:t>
+            </a:r>
+            <a:endParaRPr lang="bg-BG" sz="2400" dirty="0"/>
+          </a:p>
+        </p:txBody>
+      </p:sp>
+      <p:sp>
+        <p:nvSpPr>
+          <p:cNvPr id="3" name="Text Placeholder 2">
+            <a:extLst>
+              <a:ext uri="{FF2B5EF4-FFF2-40B4-BE49-F238E27FC236}">
+                <a16:creationId xmlns:a16="http://schemas.microsoft.com/office/drawing/2014/main" id="{DF9DE6DE-AD56-4DEF-972F-9F138D5FD3B0}"/>
+              </a:ext>
+            </a:extLst>
+          </p:cNvPr>
+          <p:cNvSpPr>
+            <a:spLocks noGrp="1"/>
+          </p:cNvSpPr>
+          <p:nvPr>
+            <p:ph type="body" idx="1"/>
+          </p:nvPr>
+        </p:nvSpPr>
+        <p:spPr>
+          <a:xfrm>
+            <a:off x="1730000" y="1504545"/>
+            <a:ext cx="9385200" cy="4467222"/>
+          </a:xfrm>
+        </p:spPr>
+        <p:txBody>
+          <a:bodyPr/>
+          <a:lstStyle/>
+          <a:p>
+            <a:r>
+              <a:rPr lang="en-US" dirty="0"/>
+              <a:t>If we define a local variable in one method, without initializing it, and afterward we try to use it (e.g. printing its value), this will trigger a compilation error, because the local variables are not initialized with default values when they are declared.</a:t>
+            </a:r>
+          </a:p>
+          <a:p>
+            <a:r>
+              <a:rPr lang="en-US" dirty="0"/>
+              <a:t>Unlike fields, local variables are not initialized with default values when they are declared.</a:t>
+            </a:r>
+            <a:endParaRPr lang="bg-BG" dirty="0"/>
+          </a:p>
+        </p:txBody>
+      </p:sp>
+      <p:pic>
+        <p:nvPicPr>
+          <p:cNvPr id="5" name="Picture 4">
+            <a:extLst>
+              <a:ext uri="{FF2B5EF4-FFF2-40B4-BE49-F238E27FC236}">
+                <a16:creationId xmlns:a16="http://schemas.microsoft.com/office/drawing/2014/main" id="{FB0EFF69-9464-42BF-8B3F-9261A5A47083}"/>
+              </a:ext>
+            </a:extLst>
+          </p:cNvPr>
+          <p:cNvPicPr>
+            <a:picLocks noChangeAspect="1"/>
+          </p:cNvPicPr>
+          <p:nvPr/>
+        </p:nvPicPr>
+        <p:blipFill>
+          <a:blip r:embed="rId2"/>
+          <a:stretch>
+            <a:fillRect/>
+          </a:stretch>
+        </p:blipFill>
+        <p:spPr>
+          <a:xfrm>
+            <a:off x="2313156" y="3034016"/>
+            <a:ext cx="5295900" cy="971550"/>
+          </a:xfrm>
+          <a:prstGeom prst="rect">
+            <a:avLst/>
+          </a:prstGeom>
+        </p:spPr>
+      </p:pic>
+      <p:pic>
+        <p:nvPicPr>
+          <p:cNvPr id="7" name="Picture 6">
+            <a:extLst>
+              <a:ext uri="{FF2B5EF4-FFF2-40B4-BE49-F238E27FC236}">
+                <a16:creationId xmlns:a16="http://schemas.microsoft.com/office/drawing/2014/main" id="{A5BCF22A-02A2-4791-8FBC-B9A101375F03}"/>
+              </a:ext>
+            </a:extLst>
+          </p:cNvPr>
+          <p:cNvPicPr>
+            <a:picLocks noChangeAspect="1"/>
+          </p:cNvPicPr>
+          <p:nvPr/>
+        </p:nvPicPr>
+        <p:blipFill>
+          <a:blip r:embed="rId3"/>
+          <a:stretch>
+            <a:fillRect/>
+          </a:stretch>
+        </p:blipFill>
+        <p:spPr>
+          <a:xfrm>
+            <a:off x="2313156" y="4790857"/>
+            <a:ext cx="6505575" cy="504825"/>
+          </a:xfrm>
+          <a:prstGeom prst="rect">
+            <a:avLst/>
+          </a:prstGeom>
+        </p:spPr>
+      </p:pic>
+    </p:spTree>
+    <p:extLst>
+      <p:ext uri="{BB962C8B-B14F-4D97-AF65-F5344CB8AC3E}">
+        <p14:creationId xmlns:p14="http://schemas.microsoft.com/office/powerpoint/2010/main" val="2884546377"/>
+      </p:ext>
+    </p:extLst>
+  </p:cSld>
+  <p:clrMapOvr>
+    <a:masterClrMapping/>
+  </p:clrMapOvr>
+</p:sld>
+</file>
+
+<file path=ppt/slides/slide32.xml><?xml version="1.0" encoding="utf-8"?>
+<p:sld xmlns:a="http://schemas.openxmlformats.org/drawingml/2006/main" xmlns:r="http://schemas.openxmlformats.org/officeDocument/2006/relationships" xmlns:p="http://schemas.openxmlformats.org/presentationml/2006/main">
+  <p:cSld>
+    <p:spTree>
+      <p:nvGrpSpPr>
+        <p:cNvPr id="1" name=""/>
+        <p:cNvGrpSpPr/>
+        <p:nvPr/>
+      </p:nvGrpSpPr>
+      <p:grpSpPr>
+        <a:xfrm>
+          <a:off x="0" y="0"/>
+          <a:ext cx="0" cy="0"/>
+          <a:chOff x="0" y="0"/>
+          <a:chExt cx="0" cy="0"/>
+        </a:xfrm>
+      </p:grpSpPr>
+      <p:sp>
+        <p:nvSpPr>
+          <p:cNvPr id="2" name="Title 1">
+            <a:extLst>
+              <a:ext uri="{FF2B5EF4-FFF2-40B4-BE49-F238E27FC236}">
+                <a16:creationId xmlns:a16="http://schemas.microsoft.com/office/drawing/2014/main" id="{8A521C8D-D82F-40C1-91E7-F72E6295AD09}"/>
+              </a:ext>
+            </a:extLst>
+          </p:cNvPr>
+          <p:cNvSpPr>
+            <a:spLocks noGrp="1"/>
+          </p:cNvSpPr>
+          <p:nvPr>
+            <p:ph type="title"/>
+          </p:nvPr>
+        </p:nvSpPr>
+        <p:spPr/>
+        <p:txBody>
+          <a:bodyPr/>
+          <a:lstStyle/>
+          <a:p>
+            <a:r>
+              <a:rPr lang="en-US" sz="2400" dirty="0"/>
+              <a:t>Automated Initialization of Local Variables and Fields</a:t>
+            </a:r>
+            <a:endParaRPr lang="bg-BG" sz="2400" dirty="0"/>
+          </a:p>
+        </p:txBody>
+      </p:sp>
+      <p:sp>
+        <p:nvSpPr>
+          <p:cNvPr id="3" name="Text Placeholder 2">
+            <a:extLst>
+              <a:ext uri="{FF2B5EF4-FFF2-40B4-BE49-F238E27FC236}">
+                <a16:creationId xmlns:a16="http://schemas.microsoft.com/office/drawing/2014/main" id="{DF9DE6DE-AD56-4DEF-972F-9F138D5FD3B0}"/>
+              </a:ext>
+            </a:extLst>
+          </p:cNvPr>
+          <p:cNvSpPr>
+            <a:spLocks noGrp="1"/>
+          </p:cNvSpPr>
+          <p:nvPr>
+            <p:ph type="body" idx="1"/>
+          </p:nvPr>
+        </p:nvSpPr>
+        <p:spPr>
+          <a:xfrm>
+            <a:off x="1730000" y="1504545"/>
+            <a:ext cx="9385200" cy="4467222"/>
+          </a:xfrm>
+        </p:spPr>
+        <p:txBody>
+          <a:bodyPr/>
+          <a:lstStyle/>
+          <a:p>
+            <a:r>
+              <a:rPr lang="en-US" dirty="0"/>
+              <a:t>If we define a local variable in one method, without initializing it, and afterward we try to use it (e.g. printing its value), this will trigger a compilation error, because the local variables are not initialized with default values when they are declared.</a:t>
+            </a:r>
+          </a:p>
+          <a:p>
+            <a:r>
+              <a:rPr lang="en-US" dirty="0"/>
+              <a:t>Unlike fields, local variables are not initialized with default values when they are declared.</a:t>
+            </a:r>
+            <a:endParaRPr lang="bg-BG" dirty="0"/>
+          </a:p>
+        </p:txBody>
+      </p:sp>
+      <p:pic>
+        <p:nvPicPr>
+          <p:cNvPr id="5" name="Picture 4">
+            <a:extLst>
+              <a:ext uri="{FF2B5EF4-FFF2-40B4-BE49-F238E27FC236}">
+                <a16:creationId xmlns:a16="http://schemas.microsoft.com/office/drawing/2014/main" id="{FB0EFF69-9464-42BF-8B3F-9261A5A47083}"/>
+              </a:ext>
+            </a:extLst>
+          </p:cNvPr>
+          <p:cNvPicPr>
+            <a:picLocks noChangeAspect="1"/>
+          </p:cNvPicPr>
+          <p:nvPr/>
+        </p:nvPicPr>
+        <p:blipFill>
+          <a:blip r:embed="rId2"/>
+          <a:stretch>
+            <a:fillRect/>
+          </a:stretch>
+        </p:blipFill>
+        <p:spPr>
+          <a:xfrm>
+            <a:off x="2313156" y="3252381"/>
+            <a:ext cx="5295900" cy="971550"/>
+          </a:xfrm>
+          <a:prstGeom prst="rect">
+            <a:avLst/>
+          </a:prstGeom>
+        </p:spPr>
+      </p:pic>
+      <p:pic>
+        <p:nvPicPr>
+          <p:cNvPr id="7" name="Picture 6">
+            <a:extLst>
+              <a:ext uri="{FF2B5EF4-FFF2-40B4-BE49-F238E27FC236}">
+                <a16:creationId xmlns:a16="http://schemas.microsoft.com/office/drawing/2014/main" id="{A5BCF22A-02A2-4791-8FBC-B9A101375F03}"/>
+              </a:ext>
+            </a:extLst>
+          </p:cNvPr>
+          <p:cNvPicPr>
+            <a:picLocks noChangeAspect="1"/>
+          </p:cNvPicPr>
+          <p:nvPr/>
+        </p:nvPicPr>
+        <p:blipFill>
+          <a:blip r:embed="rId3"/>
+          <a:stretch>
+            <a:fillRect/>
+          </a:stretch>
+        </p:blipFill>
+        <p:spPr>
+          <a:xfrm>
+            <a:off x="2313156" y="4790857"/>
+            <a:ext cx="6505575" cy="504825"/>
+          </a:xfrm>
+          <a:prstGeom prst="rect">
+            <a:avLst/>
+          </a:prstGeom>
+        </p:spPr>
+      </p:pic>
+    </p:spTree>
+    <p:extLst>
+      <p:ext uri="{BB962C8B-B14F-4D97-AF65-F5344CB8AC3E}">
+        <p14:creationId xmlns:p14="http://schemas.microsoft.com/office/powerpoint/2010/main" val="1511108784"/>
+      </p:ext>
+    </p:extLst>
+  </p:cSld>
+  <p:clrMapOvr>
+    <a:masterClrMapping/>
+  </p:clrMapOvr>
+</p:sld>
+</file>
+
+<file path=ppt/slides/slide33.xml><?xml version="1.0" encoding="utf-8"?>
+<p:sld xmlns:a="http://schemas.openxmlformats.org/drawingml/2006/main" xmlns:r="http://schemas.openxmlformats.org/officeDocument/2006/relationships" xmlns:p="http://schemas.openxmlformats.org/presentationml/2006/main">
+  <p:cSld>
+    <p:spTree>
+      <p:nvGrpSpPr>
+        <p:cNvPr id="1" name=""/>
+        <p:cNvGrpSpPr/>
+        <p:nvPr/>
+      </p:nvGrpSpPr>
+      <p:grpSpPr>
+        <a:xfrm>
+          <a:off x="0" y="0"/>
+          <a:ext cx="0" cy="0"/>
+          <a:chOff x="0" y="0"/>
+          <a:chExt cx="0" cy="0"/>
+        </a:xfrm>
+      </p:grpSpPr>
+      <p:sp>
+        <p:nvSpPr>
+          <p:cNvPr id="2" name="Title 1">
+            <a:extLst>
+              <a:ext uri="{FF2B5EF4-FFF2-40B4-BE49-F238E27FC236}">
+                <a16:creationId xmlns:a16="http://schemas.microsoft.com/office/drawing/2014/main" id="{E27FE1EF-C2EF-4AE2-B5E9-6D1F393E4A17}"/>
+              </a:ext>
+            </a:extLst>
+          </p:cNvPr>
+          <p:cNvSpPr>
+            <a:spLocks noGrp="1"/>
+          </p:cNvSpPr>
+          <p:nvPr>
+            <p:ph type="title"/>
+          </p:nvPr>
+        </p:nvSpPr>
+        <p:spPr/>
+        <p:txBody>
+          <a:bodyPr/>
+          <a:lstStyle/>
+          <a:p>
+            <a:r>
+              <a:rPr lang="en-US" dirty="0"/>
+              <a:t>Custom Default Values</a:t>
+            </a:r>
+            <a:endParaRPr lang="bg-BG" dirty="0"/>
+          </a:p>
+        </p:txBody>
+      </p:sp>
+      <p:sp>
+        <p:nvSpPr>
+          <p:cNvPr id="3" name="Text Placeholder 2">
+            <a:extLst>
+              <a:ext uri="{FF2B5EF4-FFF2-40B4-BE49-F238E27FC236}">
+                <a16:creationId xmlns:a16="http://schemas.microsoft.com/office/drawing/2014/main" id="{806C5EC7-5F90-4CA7-9F66-D61B84194051}"/>
+              </a:ext>
+            </a:extLst>
+          </p:cNvPr>
+          <p:cNvSpPr>
+            <a:spLocks noGrp="1"/>
+          </p:cNvSpPr>
+          <p:nvPr>
+            <p:ph type="body" idx="1"/>
+          </p:nvPr>
+        </p:nvSpPr>
+        <p:spPr>
+          <a:xfrm>
+            <a:off x="1730000" y="1569396"/>
+            <a:ext cx="9385200" cy="4402371"/>
+          </a:xfrm>
+        </p:spPr>
+        <p:txBody>
+          <a:bodyPr/>
+          <a:lstStyle/>
+          <a:p>
+            <a:r>
+              <a:rPr lang="en-US" dirty="0"/>
+              <a:t>A good programming practice is, when we declare fields in the class, to explicitly initialize them with some default value, even if the default value is zero. </a:t>
+            </a:r>
+          </a:p>
+          <a:p>
+            <a:r>
+              <a:rPr lang="en-US" dirty="0"/>
+              <a:t>This will make our code clearer and easy to read.</a:t>
+            </a:r>
+            <a:endParaRPr lang="bg-BG" dirty="0"/>
+          </a:p>
+        </p:txBody>
+      </p:sp>
+      <p:pic>
+        <p:nvPicPr>
+          <p:cNvPr id="5" name="Picture 4">
+            <a:extLst>
+              <a:ext uri="{FF2B5EF4-FFF2-40B4-BE49-F238E27FC236}">
+                <a16:creationId xmlns:a16="http://schemas.microsoft.com/office/drawing/2014/main" id="{70928A77-F90F-468D-9618-63833ED7905F}"/>
+              </a:ext>
+            </a:extLst>
+          </p:cNvPr>
+          <p:cNvPicPr>
+            <a:picLocks noChangeAspect="1"/>
+          </p:cNvPicPr>
+          <p:nvPr/>
+        </p:nvPicPr>
+        <p:blipFill>
+          <a:blip r:embed="rId2"/>
+          <a:stretch>
+            <a:fillRect/>
+          </a:stretch>
+        </p:blipFill>
+        <p:spPr>
+          <a:xfrm>
+            <a:off x="2323087" y="3229386"/>
+            <a:ext cx="6534150" cy="2190750"/>
+          </a:xfrm>
+          <a:prstGeom prst="rect">
+            <a:avLst/>
+          </a:prstGeom>
+        </p:spPr>
+      </p:pic>
+    </p:spTree>
+    <p:extLst>
+      <p:ext uri="{BB962C8B-B14F-4D97-AF65-F5344CB8AC3E}">
+        <p14:creationId xmlns:p14="http://schemas.microsoft.com/office/powerpoint/2010/main" val="666091678"/>
+      </p:ext>
+    </p:extLst>
+  </p:cSld>
+  <p:clrMapOvr>
+    <a:masterClrMapping/>
+  </p:clrMapOvr>
+</p:sld>
+</file>
+
+<file path=ppt/slides/slide34.xml><?xml version="1.0" encoding="utf-8"?>
+<p:sld xmlns:a="http://schemas.openxmlformats.org/drawingml/2006/main" xmlns:r="http://schemas.openxmlformats.org/officeDocument/2006/relationships" xmlns:p="http://schemas.openxmlformats.org/presentationml/2006/main">
+  <p:cSld>
+    <p:spTree>
+      <p:nvGrpSpPr>
+        <p:cNvPr id="1" name=""/>
+        <p:cNvGrpSpPr/>
+        <p:nvPr/>
+      </p:nvGrpSpPr>
+      <p:grpSpPr>
+        <a:xfrm>
+          <a:off x="0" y="0"/>
+          <a:ext cx="0" cy="0"/>
+          <a:chOff x="0" y="0"/>
+          <a:chExt cx="0" cy="0"/>
+        </a:xfrm>
+      </p:grpSpPr>
+      <p:sp>
+        <p:nvSpPr>
+          <p:cNvPr id="2" name="Title 1">
+            <a:extLst>
+              <a:ext uri="{FF2B5EF4-FFF2-40B4-BE49-F238E27FC236}">
+                <a16:creationId xmlns:a16="http://schemas.microsoft.com/office/drawing/2014/main" id="{A54704F0-084E-4BAC-92D3-FA09FFDD0D8D}"/>
+              </a:ext>
+            </a:extLst>
+          </p:cNvPr>
+          <p:cNvSpPr>
+            <a:spLocks noGrp="1"/>
+          </p:cNvSpPr>
+          <p:nvPr>
+            <p:ph type="title"/>
+          </p:nvPr>
+        </p:nvSpPr>
+        <p:spPr/>
+        <p:txBody>
+          <a:bodyPr/>
+          <a:lstStyle/>
+          <a:p>
+            <a:r>
+              <a:rPr lang="en-US" dirty="0"/>
+              <a:t>Modifiers "const" and "</a:t>
+            </a:r>
+            <a:r>
+              <a:rPr lang="en-US" dirty="0" err="1"/>
+              <a:t>readonly</a:t>
+            </a:r>
+            <a:r>
+              <a:rPr lang="en-US" dirty="0"/>
+              <a:t>"</a:t>
+            </a:r>
+            <a:endParaRPr lang="bg-BG" dirty="0"/>
+          </a:p>
+        </p:txBody>
+      </p:sp>
+      <p:sp>
+        <p:nvSpPr>
+          <p:cNvPr id="3" name="Text Placeholder 2">
+            <a:extLst>
+              <a:ext uri="{FF2B5EF4-FFF2-40B4-BE49-F238E27FC236}">
+                <a16:creationId xmlns:a16="http://schemas.microsoft.com/office/drawing/2014/main" id="{BE220180-3447-44B4-A4D8-8F904CDD49A8}"/>
+              </a:ext>
+            </a:extLst>
+          </p:cNvPr>
+          <p:cNvSpPr>
+            <a:spLocks noGrp="1"/>
+          </p:cNvSpPr>
+          <p:nvPr>
+            <p:ph type="body" idx="1"/>
+          </p:nvPr>
+        </p:nvSpPr>
+        <p:spPr/>
+        <p:txBody>
+          <a:bodyPr/>
+          <a:lstStyle/>
+          <a:p>
+            <a:r>
+              <a:rPr lang="en-US" dirty="0"/>
+              <a:t>In the declaration of one field is allowed to use the modifications const and </a:t>
+            </a:r>
+            <a:r>
+              <a:rPr lang="en-US" dirty="0" err="1"/>
+              <a:t>readonly</a:t>
+            </a:r>
+            <a:r>
+              <a:rPr lang="en-US" dirty="0"/>
+              <a:t>. </a:t>
+            </a:r>
+          </a:p>
+          <a:p>
+            <a:endParaRPr lang="en-US" dirty="0"/>
+          </a:p>
+          <a:p>
+            <a:r>
+              <a:rPr lang="en-US" dirty="0"/>
+              <a:t>The fields, declared as const or </a:t>
+            </a:r>
+            <a:r>
+              <a:rPr lang="en-US" dirty="0" err="1"/>
+              <a:t>readonly</a:t>
+            </a:r>
+            <a:r>
+              <a:rPr lang="en-US" dirty="0"/>
+              <a:t> are called constants. </a:t>
+            </a:r>
+          </a:p>
+          <a:p>
+            <a:endParaRPr lang="en-US" dirty="0"/>
+          </a:p>
+          <a:p>
+            <a:r>
+              <a:rPr lang="en-US" dirty="0"/>
+              <a:t>They are used when a certain value is used several times. </a:t>
+            </a:r>
+          </a:p>
+          <a:p>
+            <a:endParaRPr lang="en-US" dirty="0"/>
+          </a:p>
+          <a:p>
+            <a:r>
+              <a:rPr lang="en-US" dirty="0"/>
+              <a:t>These values are declared only ones without repetitions. </a:t>
+            </a:r>
+          </a:p>
+          <a:p>
+            <a:endParaRPr lang="en-US" dirty="0"/>
+          </a:p>
+          <a:p>
+            <a:r>
+              <a:rPr lang="en-US" dirty="0"/>
+              <a:t>Examples of constants in the .NET Framework are the mathematical constants </a:t>
+            </a:r>
+            <a:r>
+              <a:rPr lang="en-US" dirty="0" err="1"/>
+              <a:t>Math.PI</a:t>
+            </a:r>
+            <a:r>
+              <a:rPr lang="en-US" dirty="0"/>
+              <a:t> and </a:t>
+            </a:r>
+            <a:r>
+              <a:rPr lang="en-US" dirty="0" err="1"/>
+              <a:t>Math.E</a:t>
+            </a:r>
+            <a:r>
+              <a:rPr lang="en-US" dirty="0"/>
+              <a:t>, and as well the constants </a:t>
+            </a:r>
+            <a:r>
+              <a:rPr lang="en-US" dirty="0" err="1"/>
+              <a:t>String.Empty</a:t>
+            </a:r>
+            <a:r>
+              <a:rPr lang="en-US" dirty="0"/>
+              <a:t> and Int32.MaxValue.</a:t>
+            </a:r>
+            <a:endParaRPr lang="bg-BG" dirty="0"/>
+          </a:p>
+        </p:txBody>
+      </p:sp>
+    </p:spTree>
+    <p:extLst>
+      <p:ext uri="{BB962C8B-B14F-4D97-AF65-F5344CB8AC3E}">
+        <p14:creationId xmlns:p14="http://schemas.microsoft.com/office/powerpoint/2010/main" val="6534728"/>
+      </p:ext>
+    </p:extLst>
+  </p:cSld>
+  <p:clrMapOvr>
+    <a:masterClrMapping/>
+  </p:clrMapOvr>
+</p:sld>
+</file>
+
+<file path=ppt/slides/slide35.xml><?xml version="1.0" encoding="utf-8"?>
+<p:sld xmlns:a="http://schemas.openxmlformats.org/drawingml/2006/main" xmlns:r="http://schemas.openxmlformats.org/officeDocument/2006/relationships" xmlns:p="http://schemas.openxmlformats.org/presentationml/2006/main">
+  <p:cSld>
+    <p:spTree>
+      <p:nvGrpSpPr>
+        <p:cNvPr id="1" name=""/>
+        <p:cNvGrpSpPr/>
+        <p:nvPr/>
+      </p:nvGrpSpPr>
+      <p:grpSpPr>
+        <a:xfrm>
+          <a:off x="0" y="0"/>
+          <a:ext cx="0" cy="0"/>
+          <a:chOff x="0" y="0"/>
+          <a:chExt cx="0" cy="0"/>
+        </a:xfrm>
+      </p:grpSpPr>
+      <p:sp>
+        <p:nvSpPr>
+          <p:cNvPr id="2" name="Title 1">
+            <a:extLst>
+              <a:ext uri="{FF2B5EF4-FFF2-40B4-BE49-F238E27FC236}">
+                <a16:creationId xmlns:a16="http://schemas.microsoft.com/office/drawing/2014/main" id="{E6DFA88A-F59D-41D4-8B95-F8A57E4F053E}"/>
+              </a:ext>
+            </a:extLst>
+          </p:cNvPr>
+          <p:cNvSpPr>
+            <a:spLocks noGrp="1"/>
+          </p:cNvSpPr>
+          <p:nvPr>
+            <p:ph type="title"/>
+          </p:nvPr>
+        </p:nvSpPr>
+        <p:spPr/>
+        <p:txBody>
+          <a:bodyPr/>
+          <a:lstStyle/>
+          <a:p>
+            <a:r>
+              <a:rPr lang="en-US" dirty="0"/>
+              <a:t>Constants Based on "const"</a:t>
+            </a:r>
+            <a:endParaRPr lang="bg-BG" dirty="0"/>
+          </a:p>
+        </p:txBody>
+      </p:sp>
+      <p:sp>
+        <p:nvSpPr>
+          <p:cNvPr id="3" name="Text Placeholder 2">
+            <a:extLst>
+              <a:ext uri="{FF2B5EF4-FFF2-40B4-BE49-F238E27FC236}">
+                <a16:creationId xmlns:a16="http://schemas.microsoft.com/office/drawing/2014/main" id="{B8B60FC2-0B18-47C0-9706-79C2F9FD0770}"/>
+              </a:ext>
+            </a:extLst>
+          </p:cNvPr>
+          <p:cNvSpPr>
+            <a:spLocks noGrp="1"/>
+          </p:cNvSpPr>
+          <p:nvPr>
+            <p:ph type="body" idx="1"/>
+          </p:nvPr>
+        </p:nvSpPr>
+        <p:spPr/>
+        <p:txBody>
+          <a:bodyPr/>
+          <a:lstStyle/>
+          <a:p>
+            <a:r>
+              <a:rPr lang="en-US" dirty="0"/>
+              <a:t>The fields, declared with const, have to be initialized during the de facto declaration and afterwards theirs value cannot be changed. </a:t>
+            </a:r>
+          </a:p>
+          <a:p>
+            <a:endParaRPr lang="en-US" dirty="0"/>
+          </a:p>
+          <a:p>
+            <a:r>
+              <a:rPr lang="en-US" dirty="0"/>
+              <a:t>They can be accessed without to create an instance (an object) of the class and they are common for all created objects in our program. </a:t>
+            </a:r>
+          </a:p>
+          <a:p>
+            <a:endParaRPr lang="en-US" dirty="0"/>
+          </a:p>
+          <a:p>
+            <a:r>
+              <a:rPr lang="en-US" dirty="0"/>
+              <a:t>Something more, when we compile the code, the places where const fields are referred are replaced with theirs particular values directly without to use the constant variable at all. </a:t>
+            </a:r>
+          </a:p>
+          <a:p>
+            <a:endParaRPr lang="en-US" dirty="0"/>
+          </a:p>
+          <a:p>
+            <a:r>
+              <a:rPr lang="en-US" dirty="0"/>
+              <a:t>For this reason the const fields are called compile-time constants, because they are replaced with the value during the compilation process.</a:t>
+            </a:r>
+            <a:endParaRPr lang="bg-BG" dirty="0"/>
+          </a:p>
+        </p:txBody>
+      </p:sp>
+    </p:spTree>
+    <p:extLst>
+      <p:ext uri="{BB962C8B-B14F-4D97-AF65-F5344CB8AC3E}">
+        <p14:creationId xmlns:p14="http://schemas.microsoft.com/office/powerpoint/2010/main" val="2426631906"/>
+      </p:ext>
+    </p:extLst>
+  </p:cSld>
+  <p:clrMapOvr>
+    <a:masterClrMapping/>
+  </p:clrMapOvr>
+</p:sld>
+</file>
+
+<file path=ppt/slides/slide36.xml><?xml version="1.0" encoding="utf-8"?>
+<p:sld xmlns:a="http://schemas.openxmlformats.org/drawingml/2006/main" xmlns:r="http://schemas.openxmlformats.org/officeDocument/2006/relationships" xmlns:p="http://schemas.openxmlformats.org/presentationml/2006/main">
+  <p:cSld>
+    <p:spTree>
+      <p:nvGrpSpPr>
+        <p:cNvPr id="1" name=""/>
+        <p:cNvGrpSpPr/>
+        <p:nvPr/>
+      </p:nvGrpSpPr>
+      <p:grpSpPr>
+        <a:xfrm>
+          <a:off x="0" y="0"/>
+          <a:ext cx="0" cy="0"/>
+          <a:chOff x="0" y="0"/>
+          <a:chExt cx="0" cy="0"/>
+        </a:xfrm>
+      </p:grpSpPr>
+      <p:sp>
+        <p:nvSpPr>
+          <p:cNvPr id="2" name="Title 1">
+            <a:extLst>
+              <a:ext uri="{FF2B5EF4-FFF2-40B4-BE49-F238E27FC236}">
+                <a16:creationId xmlns:a16="http://schemas.microsoft.com/office/drawing/2014/main" id="{5928923C-890F-434E-8112-29886F3AA32E}"/>
+              </a:ext>
+            </a:extLst>
+          </p:cNvPr>
+          <p:cNvSpPr>
+            <a:spLocks noGrp="1"/>
+          </p:cNvSpPr>
+          <p:nvPr>
+            <p:ph type="title"/>
+          </p:nvPr>
+        </p:nvSpPr>
+        <p:spPr/>
+        <p:txBody>
+          <a:bodyPr/>
+          <a:lstStyle/>
+          <a:p>
+            <a:r>
+              <a:rPr lang="en-US" dirty="0"/>
+              <a:t>Constants Based on "</a:t>
+            </a:r>
+            <a:r>
+              <a:rPr lang="en-US" dirty="0" err="1"/>
+              <a:t>readonly</a:t>
+            </a:r>
+            <a:r>
+              <a:rPr lang="en-US" dirty="0"/>
+              <a:t>"</a:t>
+            </a:r>
+            <a:endParaRPr lang="bg-BG" dirty="0"/>
+          </a:p>
+        </p:txBody>
+      </p:sp>
+      <p:sp>
+        <p:nvSpPr>
+          <p:cNvPr id="3" name="Text Placeholder 2">
+            <a:extLst>
+              <a:ext uri="{FF2B5EF4-FFF2-40B4-BE49-F238E27FC236}">
+                <a16:creationId xmlns:a16="http://schemas.microsoft.com/office/drawing/2014/main" id="{38E248AB-8B04-4270-A482-15845A05C7C3}"/>
+              </a:ext>
+            </a:extLst>
+          </p:cNvPr>
+          <p:cNvSpPr>
+            <a:spLocks noGrp="1"/>
+          </p:cNvSpPr>
+          <p:nvPr>
+            <p:ph type="body" idx="1"/>
+          </p:nvPr>
+        </p:nvSpPr>
+        <p:spPr/>
+        <p:txBody>
+          <a:bodyPr/>
+          <a:lstStyle/>
+          <a:p>
+            <a:r>
+              <a:rPr lang="en-US" dirty="0"/>
+              <a:t>The modifier </a:t>
+            </a:r>
+            <a:r>
+              <a:rPr lang="en-US" dirty="0" err="1"/>
+              <a:t>readonly</a:t>
+            </a:r>
+            <a:r>
+              <a:rPr lang="en-US" dirty="0"/>
+              <a:t> creates fields, which values cannot be changed once they are assigned. </a:t>
+            </a:r>
+          </a:p>
+          <a:p>
+            <a:endParaRPr lang="en-US" dirty="0"/>
+          </a:p>
+          <a:p>
+            <a:r>
+              <a:rPr lang="en-US" dirty="0"/>
+              <a:t>Fields, declared as </a:t>
+            </a:r>
+            <a:r>
+              <a:rPr lang="en-US" dirty="0" err="1"/>
+              <a:t>readonly</a:t>
+            </a:r>
+            <a:r>
+              <a:rPr lang="en-US" dirty="0"/>
+              <a:t>, allow one-time initialization either in the moment of the declaration or in the class constructors. </a:t>
+            </a:r>
+          </a:p>
+          <a:p>
+            <a:endParaRPr lang="en-US" dirty="0"/>
+          </a:p>
+          <a:p>
+            <a:r>
+              <a:rPr lang="en-US" dirty="0"/>
+              <a:t>Later theirs values cannot be changed. </a:t>
+            </a:r>
+          </a:p>
+          <a:p>
+            <a:endParaRPr lang="en-US" dirty="0"/>
+          </a:p>
+          <a:p>
+            <a:r>
+              <a:rPr lang="en-US" dirty="0"/>
+              <a:t>Because of this reason, the </a:t>
+            </a:r>
+            <a:r>
+              <a:rPr lang="en-US" dirty="0" err="1"/>
+              <a:t>readonly</a:t>
+            </a:r>
+            <a:r>
+              <a:rPr lang="en-US" dirty="0"/>
+              <a:t> fields are called run-time constants – constants, because their values cannot be changed after assignment and run-time, because this process happens during the execution of the program (in runtime).</a:t>
+            </a:r>
+            <a:endParaRPr lang="bg-BG" dirty="0"/>
+          </a:p>
+        </p:txBody>
+      </p:sp>
+    </p:spTree>
+    <p:extLst>
+      <p:ext uri="{BB962C8B-B14F-4D97-AF65-F5344CB8AC3E}">
+        <p14:creationId xmlns:p14="http://schemas.microsoft.com/office/powerpoint/2010/main" val="3781211909"/>
+      </p:ext>
+    </p:extLst>
+  </p:cSld>
+  <p:clrMapOvr>
+    <a:masterClrMapping/>
+  </p:clrMapOvr>
+</p:sld>
+</file>
+
+<file path=ppt/slides/slide37.xml><?xml version="1.0" encoding="utf-8"?>
+<p:sld xmlns:a="http://schemas.openxmlformats.org/drawingml/2006/main" xmlns:r="http://schemas.openxmlformats.org/officeDocument/2006/relationships" xmlns:p="http://schemas.openxmlformats.org/presentationml/2006/main">
+  <p:cSld>
+    <p:spTree>
+      <p:nvGrpSpPr>
+        <p:cNvPr id="1" name=""/>
+        <p:cNvGrpSpPr/>
+        <p:nvPr/>
+      </p:nvGrpSpPr>
+      <p:grpSpPr>
+        <a:xfrm>
+          <a:off x="0" y="0"/>
+          <a:ext cx="0" cy="0"/>
+          <a:chOff x="0" y="0"/>
+          <a:chExt cx="0" cy="0"/>
+        </a:xfrm>
+      </p:grpSpPr>
+      <p:sp>
+        <p:nvSpPr>
+          <p:cNvPr id="2" name="Title 1">
+            <a:extLst>
+              <a:ext uri="{FF2B5EF4-FFF2-40B4-BE49-F238E27FC236}">
+                <a16:creationId xmlns:a16="http://schemas.microsoft.com/office/drawing/2014/main" id="{FD5877CF-209E-44A3-BE82-3B82F5DD7EE3}"/>
+              </a:ext>
+            </a:extLst>
+          </p:cNvPr>
+          <p:cNvSpPr>
+            <a:spLocks noGrp="1"/>
+          </p:cNvSpPr>
+          <p:nvPr>
+            <p:ph type="title"/>
+          </p:nvPr>
+        </p:nvSpPr>
+        <p:spPr/>
+        <p:txBody>
+          <a:bodyPr/>
+          <a:lstStyle/>
+          <a:p>
+            <a:r>
+              <a:rPr lang="en-US" dirty="0"/>
+              <a:t>Constants - Example</a:t>
+            </a:r>
+            <a:endParaRPr lang="bg-BG" dirty="0"/>
+          </a:p>
+        </p:txBody>
+      </p:sp>
+      <p:pic>
+        <p:nvPicPr>
+          <p:cNvPr id="5" name="Picture 4">
+            <a:extLst>
+              <a:ext uri="{FF2B5EF4-FFF2-40B4-BE49-F238E27FC236}">
+                <a16:creationId xmlns:a16="http://schemas.microsoft.com/office/drawing/2014/main" id="{D600BA5E-6C78-4BD0-83CE-97940B260257}"/>
+              </a:ext>
+            </a:extLst>
+          </p:cNvPr>
+          <p:cNvPicPr>
+            <a:picLocks noChangeAspect="1"/>
+          </p:cNvPicPr>
+          <p:nvPr/>
+        </p:nvPicPr>
+        <p:blipFill>
+          <a:blip r:embed="rId2"/>
+          <a:stretch>
+            <a:fillRect/>
+          </a:stretch>
+        </p:blipFill>
+        <p:spPr>
+          <a:xfrm>
+            <a:off x="1730000" y="1369730"/>
+            <a:ext cx="5170656" cy="5352083"/>
+          </a:xfrm>
+          <a:prstGeom prst="rect">
+            <a:avLst/>
+          </a:prstGeom>
+        </p:spPr>
+      </p:pic>
+    </p:spTree>
+    <p:extLst>
+      <p:ext uri="{BB962C8B-B14F-4D97-AF65-F5344CB8AC3E}">
+        <p14:creationId xmlns:p14="http://schemas.microsoft.com/office/powerpoint/2010/main" val="644394942"/>
+      </p:ext>
+    </p:extLst>
+  </p:cSld>
+  <p:clrMapOvr>
+    <a:masterClrMapping/>
+  </p:clrMapOvr>
+</p:sld>
+</file>
+
+<file path=ppt/slides/slide38.xml><?xml version="1.0" encoding="utf-8"?>
+<p:sld xmlns:a="http://schemas.openxmlformats.org/drawingml/2006/main" xmlns:r="http://schemas.openxmlformats.org/officeDocument/2006/relationships" xmlns:p="http://schemas.openxmlformats.org/presentationml/2006/main">
+  <p:cSld>
+    <p:spTree>
+      <p:nvGrpSpPr>
+        <p:cNvPr id="1" name=""/>
+        <p:cNvGrpSpPr/>
+        <p:nvPr/>
+      </p:nvGrpSpPr>
+      <p:grpSpPr>
+        <a:xfrm>
+          <a:off x="0" y="0"/>
+          <a:ext cx="0" cy="0"/>
+          <a:chOff x="0" y="0"/>
+          <a:chExt cx="0" cy="0"/>
+        </a:xfrm>
+      </p:grpSpPr>
+      <p:sp>
+        <p:nvSpPr>
+          <p:cNvPr id="2" name="Title 1">
+            <a:extLst>
+              <a:ext uri="{FF2B5EF4-FFF2-40B4-BE49-F238E27FC236}">
+                <a16:creationId xmlns:a16="http://schemas.microsoft.com/office/drawing/2014/main" id="{B4263037-A7C2-41EE-993E-AFBDD6EE9417}"/>
+              </a:ext>
+            </a:extLst>
+          </p:cNvPr>
+          <p:cNvSpPr>
+            <a:spLocks noGrp="1"/>
+          </p:cNvSpPr>
+          <p:nvPr>
+            <p:ph type="title"/>
+          </p:nvPr>
+        </p:nvSpPr>
+        <p:spPr/>
+        <p:txBody>
+          <a:bodyPr/>
+          <a:lstStyle/>
+          <a:p>
+            <a:r>
+              <a:rPr lang="en-US" dirty="0"/>
+              <a:t>Declaring of Class Method</a:t>
+            </a:r>
+            <a:endParaRPr lang="bg-BG" dirty="0"/>
+          </a:p>
+        </p:txBody>
+      </p:sp>
+      <p:sp>
+        <p:nvSpPr>
+          <p:cNvPr id="3" name="Text Placeholder 2">
+            <a:extLst>
+              <a:ext uri="{FF2B5EF4-FFF2-40B4-BE49-F238E27FC236}">
+                <a16:creationId xmlns:a16="http://schemas.microsoft.com/office/drawing/2014/main" id="{E5845A6D-0180-4611-B7C3-27669EB3B542}"/>
+              </a:ext>
+            </a:extLst>
+          </p:cNvPr>
+          <p:cNvSpPr>
+            <a:spLocks noGrp="1"/>
+          </p:cNvSpPr>
+          <p:nvPr>
+            <p:ph type="body" idx="1"/>
+          </p:nvPr>
+        </p:nvSpPr>
+        <p:spPr>
+          <a:xfrm>
+            <a:off x="1729999" y="3112850"/>
+            <a:ext cx="10176655" cy="3476017"/>
+          </a:xfrm>
+        </p:spPr>
+        <p:txBody>
+          <a:bodyPr/>
+          <a:lstStyle/>
+          <a:p>
+            <a:r>
+              <a:rPr lang="en-US" sz="1400" dirty="0"/>
+              <a:t>The mandatory elements for declaration of a method are the type of the return value &lt;</a:t>
+            </a:r>
+            <a:r>
+              <a:rPr lang="en-US" sz="1400" dirty="0" err="1"/>
+              <a:t>return_type</a:t>
+            </a:r>
+            <a:r>
+              <a:rPr lang="en-US" sz="1400" dirty="0"/>
+              <a:t>&gt;, the name of the method &lt;</a:t>
+            </a:r>
+            <a:r>
+              <a:rPr lang="en-US" sz="1400" dirty="0" err="1"/>
+              <a:t>method_name</a:t>
+            </a:r>
+            <a:r>
+              <a:rPr lang="en-US" sz="1400" dirty="0"/>
+              <a:t>&gt; and the opening and the closing brackets – "(" and ")".</a:t>
+            </a:r>
+          </a:p>
+          <a:p>
+            <a:endParaRPr lang="en-US" sz="1400" dirty="0"/>
+          </a:p>
+          <a:p>
+            <a:r>
+              <a:rPr lang="en-US" sz="1400" dirty="0"/>
+              <a:t>The parameter list &lt;</a:t>
+            </a:r>
+            <a:r>
+              <a:rPr lang="en-US" sz="1400" dirty="0" err="1"/>
+              <a:t>params_list</a:t>
+            </a:r>
+            <a:r>
+              <a:rPr lang="en-US" sz="1400" dirty="0"/>
+              <a:t>&gt; is not mandatory. We use it to pass data to the method, which we declare, when this is required.</a:t>
+            </a:r>
+          </a:p>
+          <a:p>
+            <a:endParaRPr lang="en-US" sz="1400" dirty="0"/>
+          </a:p>
+          <a:p>
+            <a:r>
+              <a:rPr lang="en-US" sz="1400" dirty="0"/>
+              <a:t>If the return type &lt;</a:t>
+            </a:r>
+            <a:r>
+              <a:rPr lang="en-US" sz="1400" dirty="0" err="1"/>
+              <a:t>return_type</a:t>
+            </a:r>
+            <a:r>
+              <a:rPr lang="en-US" sz="1400" dirty="0"/>
+              <a:t>&gt; is void, then &lt;</a:t>
+            </a:r>
+            <a:r>
+              <a:rPr lang="en-US" sz="1400" dirty="0" err="1"/>
+              <a:t>return_statement</a:t>
+            </a:r>
+            <a:r>
+              <a:rPr lang="en-US" sz="1400" dirty="0"/>
+              <a:t>&gt; can be declared without the return statement. If &lt;</a:t>
+            </a:r>
+            <a:r>
+              <a:rPr lang="en-US" sz="1400" dirty="0" err="1"/>
+              <a:t>return_type</a:t>
+            </a:r>
+            <a:r>
+              <a:rPr lang="en-US" sz="1400" dirty="0"/>
+              <a:t>&gt; is different from void, the method has to return a result with the help of the reserved word return and an expression, which is from the type &lt;</a:t>
+            </a:r>
+            <a:r>
+              <a:rPr lang="en-US" sz="1400" dirty="0" err="1"/>
+              <a:t>return_type</a:t>
+            </a:r>
+            <a:r>
+              <a:rPr lang="en-US" sz="1400" dirty="0"/>
+              <a:t>&gt; or a compatible one.</a:t>
+            </a:r>
+          </a:p>
+          <a:p>
+            <a:endParaRPr lang="en-US" sz="1400" dirty="0"/>
+          </a:p>
+          <a:p>
+            <a:r>
+              <a:rPr lang="en-US" sz="1400" dirty="0"/>
+              <a:t>The work, which the method has to do, is situated in the method body, enclosed in curly brackets – "{" and "}".</a:t>
+            </a:r>
+            <a:endParaRPr lang="bg-BG" sz="1400" dirty="0"/>
+          </a:p>
+        </p:txBody>
+      </p:sp>
+      <p:pic>
+        <p:nvPicPr>
+          <p:cNvPr id="5" name="Picture 4">
+            <a:extLst>
+              <a:ext uri="{FF2B5EF4-FFF2-40B4-BE49-F238E27FC236}">
+                <a16:creationId xmlns:a16="http://schemas.microsoft.com/office/drawing/2014/main" id="{3C7C25A3-B9DA-4F5B-BED5-90CD5DDFC3A0}"/>
+              </a:ext>
+            </a:extLst>
+          </p:cNvPr>
+          <p:cNvPicPr>
+            <a:picLocks noChangeAspect="1"/>
+          </p:cNvPicPr>
+          <p:nvPr/>
+        </p:nvPicPr>
+        <p:blipFill>
+          <a:blip r:embed="rId2"/>
+          <a:stretch>
+            <a:fillRect/>
+          </a:stretch>
+        </p:blipFill>
+        <p:spPr>
+          <a:xfrm>
+            <a:off x="1730000" y="1429763"/>
+            <a:ext cx="6553200" cy="1590675"/>
+          </a:xfrm>
+          <a:prstGeom prst="rect">
+            <a:avLst/>
+          </a:prstGeom>
+        </p:spPr>
+      </p:pic>
+    </p:spTree>
+    <p:extLst>
+      <p:ext uri="{BB962C8B-B14F-4D97-AF65-F5344CB8AC3E}">
+        <p14:creationId xmlns:p14="http://schemas.microsoft.com/office/powerpoint/2010/main" val="3559028407"/>
+      </p:ext>
+    </p:extLst>
+  </p:cSld>
+  <p:clrMapOvr>
+    <a:masterClrMapping/>
+  </p:clrMapOvr>
+</p:sld>
+</file>
+
+<file path=ppt/slides/slide39.xml><?xml version="1.0" encoding="utf-8"?>
+<p:sld xmlns:a="http://schemas.openxmlformats.org/drawingml/2006/main" xmlns:r="http://schemas.openxmlformats.org/officeDocument/2006/relationships" xmlns:p="http://schemas.openxmlformats.org/presentationml/2006/main">
+  <p:cSld>
+    <p:spTree>
+      <p:nvGrpSpPr>
+        <p:cNvPr id="1" name=""/>
+        <p:cNvGrpSpPr/>
+        <p:nvPr/>
+      </p:nvGrpSpPr>
+      <p:grpSpPr>
+        <a:xfrm>
+          <a:off x="0" y="0"/>
+          <a:ext cx="0" cy="0"/>
+          <a:chOff x="0" y="0"/>
+          <a:chExt cx="0" cy="0"/>
+        </a:xfrm>
+      </p:grpSpPr>
+      <p:sp>
+        <p:nvSpPr>
+          <p:cNvPr id="2" name="Title 1">
+            <a:extLst>
+              <a:ext uri="{FF2B5EF4-FFF2-40B4-BE49-F238E27FC236}">
+                <a16:creationId xmlns:a16="http://schemas.microsoft.com/office/drawing/2014/main" id="{F255839C-19FB-4F73-9EC0-D3864741B72C}"/>
+              </a:ext>
+            </a:extLst>
+          </p:cNvPr>
+          <p:cNvSpPr>
+            <a:spLocks noGrp="1"/>
+          </p:cNvSpPr>
+          <p:nvPr>
+            <p:ph type="title"/>
+          </p:nvPr>
+        </p:nvSpPr>
+        <p:spPr/>
+        <p:txBody>
+          <a:bodyPr/>
+          <a:lstStyle/>
+          <a:p>
+            <a:r>
+              <a:rPr lang="en-US" dirty="0"/>
+              <a:t>Accessing Non-Static Data of the Class</a:t>
+            </a:r>
+            <a:endParaRPr lang="bg-BG" dirty="0"/>
+          </a:p>
+        </p:txBody>
+      </p:sp>
+      <p:pic>
+        <p:nvPicPr>
+          <p:cNvPr id="5" name="Picture 4">
+            <a:extLst>
+              <a:ext uri="{FF2B5EF4-FFF2-40B4-BE49-F238E27FC236}">
+                <a16:creationId xmlns:a16="http://schemas.microsoft.com/office/drawing/2014/main" id="{BDAA432D-C5A4-420B-97FF-9ECD7A740ED1}"/>
+              </a:ext>
+            </a:extLst>
+          </p:cNvPr>
+          <p:cNvPicPr>
+            <a:picLocks noChangeAspect="1"/>
+          </p:cNvPicPr>
+          <p:nvPr/>
+        </p:nvPicPr>
+        <p:blipFill>
+          <a:blip r:embed="rId2"/>
+          <a:stretch>
+            <a:fillRect/>
+          </a:stretch>
+        </p:blipFill>
+        <p:spPr>
+          <a:xfrm>
+            <a:off x="1730000" y="1327420"/>
+            <a:ext cx="5546289" cy="2046361"/>
+          </a:xfrm>
+          <a:prstGeom prst="rect">
+            <a:avLst/>
+          </a:prstGeom>
+        </p:spPr>
+      </p:pic>
+      <p:pic>
+        <p:nvPicPr>
+          <p:cNvPr id="7" name="Picture 6">
+            <a:extLst>
+              <a:ext uri="{FF2B5EF4-FFF2-40B4-BE49-F238E27FC236}">
+                <a16:creationId xmlns:a16="http://schemas.microsoft.com/office/drawing/2014/main" id="{14CE52D6-777D-4654-B641-7D854443AED2}"/>
+              </a:ext>
+            </a:extLst>
+          </p:cNvPr>
+          <p:cNvPicPr>
+            <a:picLocks noChangeAspect="1"/>
+          </p:cNvPicPr>
+          <p:nvPr/>
+        </p:nvPicPr>
+        <p:blipFill>
+          <a:blip r:embed="rId3"/>
+          <a:stretch>
+            <a:fillRect/>
+          </a:stretch>
+        </p:blipFill>
+        <p:spPr>
+          <a:xfrm>
+            <a:off x="8924450" y="2620441"/>
+            <a:ext cx="2190750" cy="1133475"/>
+          </a:xfrm>
+          <a:prstGeom prst="rect">
+            <a:avLst/>
+          </a:prstGeom>
+        </p:spPr>
+      </p:pic>
+      <p:pic>
+        <p:nvPicPr>
+          <p:cNvPr id="9" name="Picture 8">
+            <a:extLst>
+              <a:ext uri="{FF2B5EF4-FFF2-40B4-BE49-F238E27FC236}">
+                <a16:creationId xmlns:a16="http://schemas.microsoft.com/office/drawing/2014/main" id="{45F527B4-55CB-42B6-919A-83DE86E1ACCE}"/>
+              </a:ext>
+            </a:extLst>
+          </p:cNvPr>
+          <p:cNvPicPr>
+            <a:picLocks noChangeAspect="1"/>
+          </p:cNvPicPr>
+          <p:nvPr/>
+        </p:nvPicPr>
+        <p:blipFill>
+          <a:blip r:embed="rId4"/>
+          <a:stretch>
+            <a:fillRect/>
+          </a:stretch>
+        </p:blipFill>
+        <p:spPr>
+          <a:xfrm>
+            <a:off x="9042265" y="4440677"/>
+            <a:ext cx="2628900" cy="1219200"/>
+          </a:xfrm>
+          <a:prstGeom prst="rect">
+            <a:avLst/>
+          </a:prstGeom>
+        </p:spPr>
+      </p:pic>
+      <p:pic>
+        <p:nvPicPr>
+          <p:cNvPr id="11" name="Picture 10">
+            <a:extLst>
+              <a:ext uri="{FF2B5EF4-FFF2-40B4-BE49-F238E27FC236}">
+                <a16:creationId xmlns:a16="http://schemas.microsoft.com/office/drawing/2014/main" id="{6CCFB8C2-5B48-4384-B236-47D3FA459A00}"/>
+              </a:ext>
+            </a:extLst>
+          </p:cNvPr>
+          <p:cNvPicPr>
+            <a:picLocks noChangeAspect="1"/>
+          </p:cNvPicPr>
+          <p:nvPr/>
+        </p:nvPicPr>
+        <p:blipFill>
+          <a:blip r:embed="rId5"/>
+          <a:stretch>
+            <a:fillRect/>
+          </a:stretch>
+        </p:blipFill>
+        <p:spPr>
+          <a:xfrm>
+            <a:off x="1730000" y="3710390"/>
+            <a:ext cx="6553200" cy="1371600"/>
+          </a:xfrm>
+          <a:prstGeom prst="rect">
+            <a:avLst/>
+          </a:prstGeom>
+        </p:spPr>
+      </p:pic>
+      <p:pic>
+        <p:nvPicPr>
+          <p:cNvPr id="13" name="Picture 12">
+            <a:extLst>
+              <a:ext uri="{FF2B5EF4-FFF2-40B4-BE49-F238E27FC236}">
+                <a16:creationId xmlns:a16="http://schemas.microsoft.com/office/drawing/2014/main" id="{7979C88C-8D43-4C77-B7BD-E55518CCFD74}"/>
+              </a:ext>
+            </a:extLst>
+          </p:cNvPr>
+          <p:cNvPicPr>
+            <a:picLocks noChangeAspect="1"/>
+          </p:cNvPicPr>
+          <p:nvPr/>
+        </p:nvPicPr>
+        <p:blipFill>
+          <a:blip r:embed="rId6"/>
+          <a:stretch>
+            <a:fillRect/>
+          </a:stretch>
+        </p:blipFill>
+        <p:spPr>
+          <a:xfrm>
+            <a:off x="1730000" y="5418600"/>
+            <a:ext cx="6505575" cy="914400"/>
+          </a:xfrm>
+          <a:prstGeom prst="rect">
+            <a:avLst/>
+          </a:prstGeom>
+        </p:spPr>
+      </p:pic>
+    </p:spTree>
+    <p:extLst>
+      <p:ext uri="{BB962C8B-B14F-4D97-AF65-F5344CB8AC3E}">
+        <p14:creationId xmlns:p14="http://schemas.microsoft.com/office/powerpoint/2010/main" val="4275109821"/>
       </p:ext>
     </p:extLst>
   </p:cSld>
@@ -13113,6 +15624,1395 @@
 </p:sld>
 </file>
 
+<file path=ppt/slides/slide40.xml><?xml version="1.0" encoding="utf-8"?>
+<p:sld xmlns:a="http://schemas.openxmlformats.org/drawingml/2006/main" xmlns:r="http://schemas.openxmlformats.org/officeDocument/2006/relationships" xmlns:p="http://schemas.openxmlformats.org/presentationml/2006/main">
+  <p:cSld>
+    <p:spTree>
+      <p:nvGrpSpPr>
+        <p:cNvPr id="1" name=""/>
+        <p:cNvGrpSpPr/>
+        <p:nvPr/>
+      </p:nvGrpSpPr>
+      <p:grpSpPr>
+        <a:xfrm>
+          <a:off x="0" y="0"/>
+          <a:ext cx="0" cy="0"/>
+          <a:chOff x="0" y="0"/>
+          <a:chExt cx="0" cy="0"/>
+        </a:xfrm>
+      </p:grpSpPr>
+      <p:sp>
+        <p:nvSpPr>
+          <p:cNvPr id="2" name="Title 1">
+            <a:extLst>
+              <a:ext uri="{FF2B5EF4-FFF2-40B4-BE49-F238E27FC236}">
+                <a16:creationId xmlns:a16="http://schemas.microsoft.com/office/drawing/2014/main" id="{7FE2B8FD-D5EF-44E3-AACD-3D9FDFA0B590}"/>
+              </a:ext>
+            </a:extLst>
+          </p:cNvPr>
+          <p:cNvSpPr>
+            <a:spLocks noGrp="1"/>
+          </p:cNvSpPr>
+          <p:nvPr>
+            <p:ph type="title"/>
+          </p:nvPr>
+        </p:nvSpPr>
+        <p:spPr/>
+        <p:txBody>
+          <a:bodyPr/>
+          <a:lstStyle/>
+          <a:p>
+            <a:r>
+              <a:rPr lang="en-US" dirty="0"/>
+              <a:t>Visibility of Fields and Methods</a:t>
+            </a:r>
+            <a:endParaRPr lang="bg-BG" dirty="0"/>
+          </a:p>
+        </p:txBody>
+      </p:sp>
+      <p:sp>
+        <p:nvSpPr>
+          <p:cNvPr id="3" name="Text Placeholder 2">
+            <a:extLst>
+              <a:ext uri="{FF2B5EF4-FFF2-40B4-BE49-F238E27FC236}">
+                <a16:creationId xmlns:a16="http://schemas.microsoft.com/office/drawing/2014/main" id="{FA8E8814-6393-4F9F-B55D-CE6774154BD4}"/>
+              </a:ext>
+            </a:extLst>
+          </p:cNvPr>
+          <p:cNvSpPr>
+            <a:spLocks noGrp="1"/>
+          </p:cNvSpPr>
+          <p:nvPr>
+            <p:ph type="body" idx="1"/>
+          </p:nvPr>
+        </p:nvSpPr>
+        <p:spPr>
+          <a:xfrm>
+            <a:off x="1729999" y="1348902"/>
+            <a:ext cx="10306357" cy="4539575"/>
+          </a:xfrm>
+        </p:spPr>
+        <p:txBody>
+          <a:bodyPr/>
+          <a:lstStyle/>
+          <a:p>
+            <a:r>
+              <a:rPr lang="en-US" sz="1600" dirty="0"/>
+              <a:t>Access Level "public“</a:t>
+            </a:r>
+          </a:p>
+          <a:p>
+            <a:pPr lvl="1"/>
+            <a:r>
+              <a:rPr lang="en-US" sz="1400" dirty="0"/>
+              <a:t>When a method or a value of a class is declared with access level public, the last can be used from other classes, independently from the fact if another class is declared in the same namespace, assembly or outside of it.</a:t>
+            </a:r>
+          </a:p>
+          <a:p>
+            <a:endParaRPr lang="en-US" sz="1600" dirty="0"/>
+          </a:p>
+          <a:p>
+            <a:r>
+              <a:rPr lang="en-US" sz="1600" dirty="0"/>
+              <a:t>Access Level "internal“</a:t>
+            </a:r>
+          </a:p>
+          <a:p>
+            <a:pPr lvl="1"/>
+            <a:r>
+              <a:rPr lang="en-US" sz="1400" dirty="0"/>
+              <a:t>When a member of some class is declared with access level internal, then this element from the class can be accessed from every class in the same assembly (i.e. in the same project in Visual Studio), but not from classes outside it (i.e. from other projects in Visual Studio – from the same solution or from a different solution).</a:t>
+            </a:r>
+          </a:p>
+          <a:p>
+            <a:endParaRPr lang="en-US" sz="1600" dirty="0"/>
+          </a:p>
+          <a:p>
+            <a:r>
+              <a:rPr lang="en-US" sz="1600" dirty="0"/>
+              <a:t>Access Level "private“</a:t>
+            </a:r>
+          </a:p>
+          <a:p>
+            <a:pPr lvl="1"/>
+            <a:r>
+              <a:rPr lang="en-US" sz="1400" dirty="0"/>
+              <a:t>The access level, which is the most restrictive, is private. The elements of the class, which are declared with access modifier private (or without any, because private is the default one), cannot be accessed outside of the class in which they are declared.</a:t>
+            </a:r>
+            <a:endParaRPr lang="bg-BG" sz="1400" dirty="0"/>
+          </a:p>
+        </p:txBody>
+      </p:sp>
+    </p:spTree>
+    <p:extLst>
+      <p:ext uri="{BB962C8B-B14F-4D97-AF65-F5344CB8AC3E}">
+        <p14:creationId xmlns:p14="http://schemas.microsoft.com/office/powerpoint/2010/main" val="2711350376"/>
+      </p:ext>
+    </p:extLst>
+  </p:cSld>
+  <p:clrMapOvr>
+    <a:masterClrMapping/>
+  </p:clrMapOvr>
+</p:sld>
+</file>
+
+<file path=ppt/slides/slide41.xml><?xml version="1.0" encoding="utf-8"?>
+<p:sld xmlns:a="http://schemas.openxmlformats.org/drawingml/2006/main" xmlns:r="http://schemas.openxmlformats.org/officeDocument/2006/relationships" xmlns:p="http://schemas.openxmlformats.org/presentationml/2006/main">
+  <p:cSld>
+    <p:spTree>
+      <p:nvGrpSpPr>
+        <p:cNvPr id="1" name=""/>
+        <p:cNvGrpSpPr/>
+        <p:nvPr/>
+      </p:nvGrpSpPr>
+      <p:grpSpPr>
+        <a:xfrm>
+          <a:off x="0" y="0"/>
+          <a:ext cx="0" cy="0"/>
+          <a:chOff x="0" y="0"/>
+          <a:chExt cx="0" cy="0"/>
+        </a:xfrm>
+      </p:grpSpPr>
+      <p:sp>
+        <p:nvSpPr>
+          <p:cNvPr id="2" name="Title 1">
+            <a:extLst>
+              <a:ext uri="{FF2B5EF4-FFF2-40B4-BE49-F238E27FC236}">
+                <a16:creationId xmlns:a16="http://schemas.microsoft.com/office/drawing/2014/main" id="{3EC157CF-3959-4B0F-9D6F-A8428C396F9E}"/>
+              </a:ext>
+            </a:extLst>
+          </p:cNvPr>
+          <p:cNvSpPr>
+            <a:spLocks noGrp="1"/>
+          </p:cNvSpPr>
+          <p:nvPr>
+            <p:ph type="title"/>
+          </p:nvPr>
+        </p:nvSpPr>
+        <p:spPr/>
+        <p:txBody>
+          <a:bodyPr/>
+          <a:lstStyle/>
+          <a:p>
+            <a:r>
+              <a:rPr lang="en-US" dirty="0"/>
+              <a:t>Constructors</a:t>
+            </a:r>
+            <a:endParaRPr lang="bg-BG" dirty="0"/>
+          </a:p>
+        </p:txBody>
+      </p:sp>
+      <p:sp>
+        <p:nvSpPr>
+          <p:cNvPr id="3" name="Text Placeholder 2">
+            <a:extLst>
+              <a:ext uri="{FF2B5EF4-FFF2-40B4-BE49-F238E27FC236}">
+                <a16:creationId xmlns:a16="http://schemas.microsoft.com/office/drawing/2014/main" id="{962F4018-BEEF-44EB-93B1-98F46BBC6FE2}"/>
+              </a:ext>
+            </a:extLst>
+          </p:cNvPr>
+          <p:cNvSpPr>
+            <a:spLocks noGrp="1"/>
+          </p:cNvSpPr>
+          <p:nvPr>
+            <p:ph type="body" idx="1"/>
+          </p:nvPr>
+        </p:nvSpPr>
+        <p:spPr/>
+        <p:txBody>
+          <a:bodyPr/>
+          <a:lstStyle/>
+          <a:p>
+            <a:r>
+              <a:rPr lang="en-US" dirty="0"/>
+              <a:t>In object-oriented programming, when creating an object from a given class, it is necessary to call a special method of the class known as a constructor.</a:t>
+            </a:r>
+          </a:p>
+          <a:p>
+            <a:endParaRPr lang="en-US" dirty="0"/>
+          </a:p>
+          <a:p>
+            <a:r>
+              <a:rPr lang="en-US" dirty="0"/>
+              <a:t>What Is a Constructor?</a:t>
+            </a:r>
+          </a:p>
+          <a:p>
+            <a:pPr lvl="1"/>
+            <a:r>
+              <a:rPr lang="en-US" dirty="0"/>
+              <a:t>Constructor of a class is a pseudo-method, which does not have a return type, has the name of the class and is called using the keyword new. The task of the constructor is to initialize the memory, allocated for the object, where its fields will be stored (those which are not static ones)</a:t>
+            </a:r>
+            <a:endParaRPr lang="bg-BG" dirty="0"/>
+          </a:p>
+        </p:txBody>
+      </p:sp>
+    </p:spTree>
+    <p:extLst>
+      <p:ext uri="{BB962C8B-B14F-4D97-AF65-F5344CB8AC3E}">
+        <p14:creationId xmlns:p14="http://schemas.microsoft.com/office/powerpoint/2010/main" val="2278999664"/>
+      </p:ext>
+    </p:extLst>
+  </p:cSld>
+  <p:clrMapOvr>
+    <a:masterClrMapping/>
+  </p:clrMapOvr>
+</p:sld>
+</file>
+
+<file path=ppt/slides/slide42.xml><?xml version="1.0" encoding="utf-8"?>
+<p:sld xmlns:a="http://schemas.openxmlformats.org/drawingml/2006/main" xmlns:r="http://schemas.openxmlformats.org/officeDocument/2006/relationships" xmlns:p="http://schemas.openxmlformats.org/presentationml/2006/main">
+  <p:cSld>
+    <p:spTree>
+      <p:nvGrpSpPr>
+        <p:cNvPr id="1" name=""/>
+        <p:cNvGrpSpPr/>
+        <p:nvPr/>
+      </p:nvGrpSpPr>
+      <p:grpSpPr>
+        <a:xfrm>
+          <a:off x="0" y="0"/>
+          <a:ext cx="0" cy="0"/>
+          <a:chOff x="0" y="0"/>
+          <a:chExt cx="0" cy="0"/>
+        </a:xfrm>
+      </p:grpSpPr>
+      <p:sp>
+        <p:nvSpPr>
+          <p:cNvPr id="2" name="Title 1">
+            <a:extLst>
+              <a:ext uri="{FF2B5EF4-FFF2-40B4-BE49-F238E27FC236}">
+                <a16:creationId xmlns:a16="http://schemas.microsoft.com/office/drawing/2014/main" id="{648F1361-91E1-4FA6-B935-A4446FB590DB}"/>
+              </a:ext>
+            </a:extLst>
+          </p:cNvPr>
+          <p:cNvSpPr>
+            <a:spLocks noGrp="1"/>
+          </p:cNvSpPr>
+          <p:nvPr>
+            <p:ph type="title"/>
+          </p:nvPr>
+        </p:nvSpPr>
+        <p:spPr/>
+        <p:txBody>
+          <a:bodyPr/>
+          <a:lstStyle/>
+          <a:p>
+            <a:r>
+              <a:rPr lang="en-US" dirty="0"/>
+              <a:t>Calling a Constructor</a:t>
+            </a:r>
+            <a:endParaRPr lang="bg-BG" dirty="0"/>
+          </a:p>
+        </p:txBody>
+      </p:sp>
+      <p:sp>
+        <p:nvSpPr>
+          <p:cNvPr id="3" name="Text Placeholder 2">
+            <a:extLst>
+              <a:ext uri="{FF2B5EF4-FFF2-40B4-BE49-F238E27FC236}">
+                <a16:creationId xmlns:a16="http://schemas.microsoft.com/office/drawing/2014/main" id="{A61FDF67-8081-409E-87D8-F47A069B6BFC}"/>
+              </a:ext>
+            </a:extLst>
+          </p:cNvPr>
+          <p:cNvSpPr>
+            <a:spLocks noGrp="1"/>
+          </p:cNvSpPr>
+          <p:nvPr>
+            <p:ph type="body" idx="1"/>
+          </p:nvPr>
+        </p:nvSpPr>
+        <p:spPr>
+          <a:xfrm>
+            <a:off x="1729999" y="1524000"/>
+            <a:ext cx="10254477" cy="3450077"/>
+          </a:xfrm>
+        </p:spPr>
+        <p:txBody>
+          <a:bodyPr/>
+          <a:lstStyle/>
+          <a:p>
+            <a:r>
+              <a:rPr lang="en-US" dirty="0"/>
+              <a:t>The only one way to call a constructor in C# is through the keyword new. It allocates memory for the new object (in the stack or in the heap, depending on whether the object is a value type or a reference type), resets its fields to zero, calls their constructors (or chain of constructors, formed in succession), and at the end returns a reference to the newly created object.</a:t>
+            </a:r>
+          </a:p>
+          <a:p>
+            <a:endParaRPr lang="en-US" dirty="0"/>
+          </a:p>
+          <a:p>
+            <a:endParaRPr lang="en-US" dirty="0"/>
+          </a:p>
+          <a:p>
+            <a:endParaRPr lang="en-US" dirty="0"/>
+          </a:p>
+          <a:p>
+            <a:r>
+              <a:rPr lang="en-US" dirty="0"/>
+              <a:t>First, memory is allocated for the object</a:t>
+            </a:r>
+          </a:p>
+          <a:p>
+            <a:r>
+              <a:rPr lang="en-US" dirty="0"/>
+              <a:t>Next, its fields (if any) are initialized with the default values for their respective types</a:t>
+            </a:r>
+          </a:p>
+          <a:p>
+            <a:r>
+              <a:rPr lang="en-US" dirty="0"/>
+              <a:t>If the creation of the new object is successfully completed, the constructor returns a reference to it, which is assigned to the variable </a:t>
+            </a:r>
+            <a:r>
+              <a:rPr lang="en-US" dirty="0" err="1"/>
+              <a:t>myDog</a:t>
+            </a:r>
+            <a:r>
+              <a:rPr lang="en-US" dirty="0"/>
+              <a:t>, from class type Dog</a:t>
+            </a:r>
+            <a:endParaRPr lang="bg-BG" dirty="0"/>
+          </a:p>
+        </p:txBody>
+      </p:sp>
+      <p:pic>
+        <p:nvPicPr>
+          <p:cNvPr id="5" name="Picture 4">
+            <a:extLst>
+              <a:ext uri="{FF2B5EF4-FFF2-40B4-BE49-F238E27FC236}">
+                <a16:creationId xmlns:a16="http://schemas.microsoft.com/office/drawing/2014/main" id="{8BDD20B0-8CB2-4AEF-82F7-21A900309434}"/>
+              </a:ext>
+            </a:extLst>
+          </p:cNvPr>
+          <p:cNvPicPr>
+            <a:picLocks noChangeAspect="1"/>
+          </p:cNvPicPr>
+          <p:nvPr/>
+        </p:nvPicPr>
+        <p:blipFill>
+          <a:blip r:embed="rId2"/>
+          <a:stretch>
+            <a:fillRect/>
+          </a:stretch>
+        </p:blipFill>
+        <p:spPr>
+          <a:xfrm>
+            <a:off x="2288938" y="2906949"/>
+            <a:ext cx="6524625" cy="533400"/>
+          </a:xfrm>
+          <a:prstGeom prst="rect">
+            <a:avLst/>
+          </a:prstGeom>
+        </p:spPr>
+      </p:pic>
+      <p:pic>
+        <p:nvPicPr>
+          <p:cNvPr id="7" name="Picture 6">
+            <a:extLst>
+              <a:ext uri="{FF2B5EF4-FFF2-40B4-BE49-F238E27FC236}">
+                <a16:creationId xmlns:a16="http://schemas.microsoft.com/office/drawing/2014/main" id="{6AC57B96-E4BA-4F55-8DC8-1C9A5974B081}"/>
+              </a:ext>
+            </a:extLst>
+          </p:cNvPr>
+          <p:cNvPicPr>
+            <a:picLocks noChangeAspect="1"/>
+          </p:cNvPicPr>
+          <p:nvPr/>
+        </p:nvPicPr>
+        <p:blipFill>
+          <a:blip r:embed="rId3"/>
+          <a:stretch>
+            <a:fillRect/>
+          </a:stretch>
+        </p:blipFill>
+        <p:spPr>
+          <a:xfrm>
+            <a:off x="685699" y="5106330"/>
+            <a:ext cx="3181147" cy="1496358"/>
+          </a:xfrm>
+          <a:prstGeom prst="rect">
+            <a:avLst/>
+          </a:prstGeom>
+        </p:spPr>
+      </p:pic>
+      <p:pic>
+        <p:nvPicPr>
+          <p:cNvPr id="9" name="Picture 8">
+            <a:extLst>
+              <a:ext uri="{FF2B5EF4-FFF2-40B4-BE49-F238E27FC236}">
+                <a16:creationId xmlns:a16="http://schemas.microsoft.com/office/drawing/2014/main" id="{D3F9AFC8-AE40-4FAC-BE88-F86AE94D3D63}"/>
+              </a:ext>
+            </a:extLst>
+          </p:cNvPr>
+          <p:cNvPicPr>
+            <a:picLocks noChangeAspect="1"/>
+          </p:cNvPicPr>
+          <p:nvPr/>
+        </p:nvPicPr>
+        <p:blipFill>
+          <a:blip r:embed="rId4"/>
+          <a:stretch>
+            <a:fillRect/>
+          </a:stretch>
+        </p:blipFill>
+        <p:spPr>
+          <a:xfrm>
+            <a:off x="4584109" y="5083349"/>
+            <a:ext cx="2976664" cy="1519339"/>
+          </a:xfrm>
+          <a:prstGeom prst="rect">
+            <a:avLst/>
+          </a:prstGeom>
+        </p:spPr>
+      </p:pic>
+      <p:pic>
+        <p:nvPicPr>
+          <p:cNvPr id="11" name="Picture 10">
+            <a:extLst>
+              <a:ext uri="{FF2B5EF4-FFF2-40B4-BE49-F238E27FC236}">
+                <a16:creationId xmlns:a16="http://schemas.microsoft.com/office/drawing/2014/main" id="{C81CE552-6BC1-475F-82F9-D77BB4A93F1F}"/>
+              </a:ext>
+            </a:extLst>
+          </p:cNvPr>
+          <p:cNvPicPr>
+            <a:picLocks noChangeAspect="1"/>
+          </p:cNvPicPr>
+          <p:nvPr/>
+        </p:nvPicPr>
+        <p:blipFill>
+          <a:blip r:embed="rId5"/>
+          <a:stretch>
+            <a:fillRect/>
+          </a:stretch>
+        </p:blipFill>
+        <p:spPr>
+          <a:xfrm>
+            <a:off x="8278037" y="5121615"/>
+            <a:ext cx="2892358" cy="1481329"/>
+          </a:xfrm>
+          <a:prstGeom prst="rect">
+            <a:avLst/>
+          </a:prstGeom>
+        </p:spPr>
+      </p:pic>
+    </p:spTree>
+    <p:extLst>
+      <p:ext uri="{BB962C8B-B14F-4D97-AF65-F5344CB8AC3E}">
+        <p14:creationId xmlns:p14="http://schemas.microsoft.com/office/powerpoint/2010/main" val="468736611"/>
+      </p:ext>
+    </p:extLst>
+  </p:cSld>
+  <p:clrMapOvr>
+    <a:masterClrMapping/>
+  </p:clrMapOvr>
+</p:sld>
+</file>
+
+<file path=ppt/slides/slide43.xml><?xml version="1.0" encoding="utf-8"?>
+<p:sld xmlns:a="http://schemas.openxmlformats.org/drawingml/2006/main" xmlns:r="http://schemas.openxmlformats.org/officeDocument/2006/relationships" xmlns:p="http://schemas.openxmlformats.org/presentationml/2006/main">
+  <p:cSld>
+    <p:spTree>
+      <p:nvGrpSpPr>
+        <p:cNvPr id="1" name=""/>
+        <p:cNvGrpSpPr/>
+        <p:nvPr/>
+      </p:nvGrpSpPr>
+      <p:grpSpPr>
+        <a:xfrm>
+          <a:off x="0" y="0"/>
+          <a:ext cx="0" cy="0"/>
+          <a:chOff x="0" y="0"/>
+          <a:chExt cx="0" cy="0"/>
+        </a:xfrm>
+      </p:grpSpPr>
+      <p:sp>
+        <p:nvSpPr>
+          <p:cNvPr id="2" name="Title 1">
+            <a:extLst>
+              <a:ext uri="{FF2B5EF4-FFF2-40B4-BE49-F238E27FC236}">
+                <a16:creationId xmlns:a16="http://schemas.microsoft.com/office/drawing/2014/main" id="{E61837A5-6F3A-40FB-BCDD-E4EE9B1CC57C}"/>
+              </a:ext>
+            </a:extLst>
+          </p:cNvPr>
+          <p:cNvSpPr>
+            <a:spLocks noGrp="1"/>
+          </p:cNvSpPr>
+          <p:nvPr>
+            <p:ph type="title"/>
+          </p:nvPr>
+        </p:nvSpPr>
+        <p:spPr/>
+        <p:txBody>
+          <a:bodyPr/>
+          <a:lstStyle/>
+          <a:p>
+            <a:r>
+              <a:rPr lang="en-US" dirty="0"/>
+              <a:t>Declaring a Constructor</a:t>
+            </a:r>
+            <a:endParaRPr lang="bg-BG" dirty="0"/>
+          </a:p>
+        </p:txBody>
+      </p:sp>
+      <p:sp>
+        <p:nvSpPr>
+          <p:cNvPr id="3" name="Text Placeholder 2">
+            <a:extLst>
+              <a:ext uri="{FF2B5EF4-FFF2-40B4-BE49-F238E27FC236}">
+                <a16:creationId xmlns:a16="http://schemas.microsoft.com/office/drawing/2014/main" id="{6CB3F199-E254-4416-BAE6-52FD47710572}"/>
+              </a:ext>
+            </a:extLst>
+          </p:cNvPr>
+          <p:cNvSpPr>
+            <a:spLocks noGrp="1"/>
+          </p:cNvSpPr>
+          <p:nvPr>
+            <p:ph type="body" idx="1"/>
+          </p:nvPr>
+        </p:nvSpPr>
+        <p:spPr>
+          <a:xfrm>
+            <a:off x="1730000" y="2717259"/>
+            <a:ext cx="9385200" cy="3858639"/>
+          </a:xfrm>
+        </p:spPr>
+        <p:txBody>
+          <a:bodyPr/>
+          <a:lstStyle/>
+          <a:p>
+            <a:r>
+              <a:rPr lang="en-US" dirty="0"/>
+              <a:t>The constructors are similar to methods, but they do not have a return type (therefore we called them pseudo-methods).</a:t>
+            </a:r>
+          </a:p>
+          <a:p>
+            <a:endParaRPr lang="en-US" dirty="0"/>
+          </a:p>
+          <a:p>
+            <a:r>
+              <a:rPr lang="en-US" dirty="0"/>
+              <a:t>In C# it is mandatory that the name of every constructor matches the name of the class in which it resides – &lt;</a:t>
+            </a:r>
+            <a:r>
+              <a:rPr lang="en-US" dirty="0" err="1"/>
+              <a:t>class_name</a:t>
+            </a:r>
+            <a:r>
+              <a:rPr lang="en-US" dirty="0"/>
+              <a:t>&gt;. </a:t>
+            </a:r>
+          </a:p>
+          <a:p>
+            <a:endParaRPr lang="en-US" dirty="0"/>
+          </a:p>
+          <a:p>
+            <a:r>
+              <a:rPr lang="en-US" dirty="0"/>
+              <a:t>We should know that, as with methods, the name of the constructor is always followed by round brackets – "(" and ")".</a:t>
+            </a:r>
+          </a:p>
+          <a:p>
+            <a:endParaRPr lang="en-US" dirty="0"/>
+          </a:p>
+          <a:p>
+            <a:r>
+              <a:rPr lang="en-US" dirty="0"/>
+              <a:t>In (C#) it is not allowed to declare a method whose name matches the name of the class (hence the name of the constructors). If nevertheless, a method is declared with the class name, this will cause a compilation error.</a:t>
+            </a:r>
+            <a:endParaRPr lang="bg-BG" dirty="0"/>
+          </a:p>
+        </p:txBody>
+      </p:sp>
+      <p:pic>
+        <p:nvPicPr>
+          <p:cNvPr id="5" name="Picture 4">
+            <a:extLst>
+              <a:ext uri="{FF2B5EF4-FFF2-40B4-BE49-F238E27FC236}">
+                <a16:creationId xmlns:a16="http://schemas.microsoft.com/office/drawing/2014/main" id="{5FE1FE41-6893-4771-BE84-DF2090C6544B}"/>
+              </a:ext>
+            </a:extLst>
+          </p:cNvPr>
+          <p:cNvPicPr>
+            <a:picLocks noChangeAspect="1"/>
+          </p:cNvPicPr>
+          <p:nvPr/>
+        </p:nvPicPr>
+        <p:blipFill>
+          <a:blip r:embed="rId2"/>
+          <a:stretch>
+            <a:fillRect/>
+          </a:stretch>
+        </p:blipFill>
+        <p:spPr>
+          <a:xfrm>
+            <a:off x="1730000" y="1722823"/>
+            <a:ext cx="6505575" cy="514350"/>
+          </a:xfrm>
+          <a:prstGeom prst="rect">
+            <a:avLst/>
+          </a:prstGeom>
+        </p:spPr>
+      </p:pic>
+    </p:spTree>
+    <p:extLst>
+      <p:ext uri="{BB962C8B-B14F-4D97-AF65-F5344CB8AC3E}">
+        <p14:creationId xmlns:p14="http://schemas.microsoft.com/office/powerpoint/2010/main" val="1216680477"/>
+      </p:ext>
+    </p:extLst>
+  </p:cSld>
+  <p:clrMapOvr>
+    <a:masterClrMapping/>
+  </p:clrMapOvr>
+</p:sld>
+</file>
+
+<file path=ppt/slides/slide44.xml><?xml version="1.0" encoding="utf-8"?>
+<p:sld xmlns:a="http://schemas.openxmlformats.org/drawingml/2006/main" xmlns:r="http://schemas.openxmlformats.org/officeDocument/2006/relationships" xmlns:p="http://schemas.openxmlformats.org/presentationml/2006/main">
+  <p:cSld>
+    <p:spTree>
+      <p:nvGrpSpPr>
+        <p:cNvPr id="1" name=""/>
+        <p:cNvGrpSpPr/>
+        <p:nvPr/>
+      </p:nvGrpSpPr>
+      <p:grpSpPr>
+        <a:xfrm>
+          <a:off x="0" y="0"/>
+          <a:ext cx="0" cy="0"/>
+          <a:chOff x="0" y="0"/>
+          <a:chExt cx="0" cy="0"/>
+        </a:xfrm>
+      </p:grpSpPr>
+      <p:sp>
+        <p:nvSpPr>
+          <p:cNvPr id="2" name="Title 1">
+            <a:extLst>
+              <a:ext uri="{FF2B5EF4-FFF2-40B4-BE49-F238E27FC236}">
+                <a16:creationId xmlns:a16="http://schemas.microsoft.com/office/drawing/2014/main" id="{56658CF2-D295-426D-8FA2-0376867F403E}"/>
+              </a:ext>
+            </a:extLst>
+          </p:cNvPr>
+          <p:cNvSpPr>
+            <a:spLocks noGrp="1"/>
+          </p:cNvSpPr>
+          <p:nvPr>
+            <p:ph type="title"/>
+          </p:nvPr>
+        </p:nvSpPr>
+        <p:spPr/>
+        <p:txBody>
+          <a:bodyPr/>
+          <a:lstStyle/>
+          <a:p>
+            <a:r>
+              <a:rPr lang="en-US" dirty="0"/>
+              <a:t>Declaring a Constructor with Parameters</a:t>
+            </a:r>
+            <a:endParaRPr lang="bg-BG" dirty="0"/>
+          </a:p>
+        </p:txBody>
+      </p:sp>
+      <p:pic>
+        <p:nvPicPr>
+          <p:cNvPr id="5" name="Picture 4">
+            <a:extLst>
+              <a:ext uri="{FF2B5EF4-FFF2-40B4-BE49-F238E27FC236}">
+                <a16:creationId xmlns:a16="http://schemas.microsoft.com/office/drawing/2014/main" id="{F887F6AD-F2B4-4D9A-AA65-12B4CFD2D7FF}"/>
+              </a:ext>
+            </a:extLst>
+          </p:cNvPr>
+          <p:cNvPicPr>
+            <a:picLocks noChangeAspect="1"/>
+          </p:cNvPicPr>
+          <p:nvPr/>
+        </p:nvPicPr>
+        <p:blipFill>
+          <a:blip r:embed="rId2"/>
+          <a:stretch>
+            <a:fillRect/>
+          </a:stretch>
+        </p:blipFill>
+        <p:spPr>
+          <a:xfrm>
+            <a:off x="1806405" y="1826772"/>
+            <a:ext cx="8588487" cy="2336665"/>
+          </a:xfrm>
+          <a:prstGeom prst="rect">
+            <a:avLst/>
+          </a:prstGeom>
+        </p:spPr>
+      </p:pic>
+    </p:spTree>
+    <p:extLst>
+      <p:ext uri="{BB962C8B-B14F-4D97-AF65-F5344CB8AC3E}">
+        <p14:creationId xmlns:p14="http://schemas.microsoft.com/office/powerpoint/2010/main" val="1661946325"/>
+      </p:ext>
+    </p:extLst>
+  </p:cSld>
+  <p:clrMapOvr>
+    <a:masterClrMapping/>
+  </p:clrMapOvr>
+</p:sld>
+</file>
+
+<file path=ppt/slides/slide45.xml><?xml version="1.0" encoding="utf-8"?>
+<p:sld xmlns:a="http://schemas.openxmlformats.org/drawingml/2006/main" xmlns:r="http://schemas.openxmlformats.org/officeDocument/2006/relationships" xmlns:p="http://schemas.openxmlformats.org/presentationml/2006/main">
+  <p:cSld>
+    <p:spTree>
+      <p:nvGrpSpPr>
+        <p:cNvPr id="1" name=""/>
+        <p:cNvGrpSpPr/>
+        <p:nvPr/>
+      </p:nvGrpSpPr>
+      <p:grpSpPr>
+        <a:xfrm>
+          <a:off x="0" y="0"/>
+          <a:ext cx="0" cy="0"/>
+          <a:chOff x="0" y="0"/>
+          <a:chExt cx="0" cy="0"/>
+        </a:xfrm>
+      </p:grpSpPr>
+      <p:sp>
+        <p:nvSpPr>
+          <p:cNvPr id="2" name="Title 1">
+            <a:extLst>
+              <a:ext uri="{FF2B5EF4-FFF2-40B4-BE49-F238E27FC236}">
+                <a16:creationId xmlns:a16="http://schemas.microsoft.com/office/drawing/2014/main" id="{F06EAFFB-4B6E-4F05-BB3C-C04403DCBE27}"/>
+              </a:ext>
+            </a:extLst>
+          </p:cNvPr>
+          <p:cNvSpPr>
+            <a:spLocks noGrp="1"/>
+          </p:cNvSpPr>
+          <p:nvPr>
+            <p:ph type="title"/>
+          </p:nvPr>
+        </p:nvSpPr>
+        <p:spPr/>
+        <p:txBody>
+          <a:bodyPr/>
+          <a:lstStyle/>
+          <a:p>
+            <a:r>
+              <a:rPr lang="en-US" dirty="0"/>
+              <a:t>Constructor with Variable Number of Arguments</a:t>
+            </a:r>
+            <a:endParaRPr lang="bg-BG" dirty="0"/>
+          </a:p>
+        </p:txBody>
+      </p:sp>
+      <p:pic>
+        <p:nvPicPr>
+          <p:cNvPr id="5" name="Picture 4">
+            <a:extLst>
+              <a:ext uri="{FF2B5EF4-FFF2-40B4-BE49-F238E27FC236}">
+                <a16:creationId xmlns:a16="http://schemas.microsoft.com/office/drawing/2014/main" id="{A5439A81-B04E-413A-BF33-23A2460C91F7}"/>
+              </a:ext>
+            </a:extLst>
+          </p:cNvPr>
+          <p:cNvPicPr>
+            <a:picLocks noChangeAspect="1"/>
+          </p:cNvPicPr>
+          <p:nvPr/>
+        </p:nvPicPr>
+        <p:blipFill>
+          <a:blip r:embed="rId2"/>
+          <a:stretch>
+            <a:fillRect/>
+          </a:stretch>
+        </p:blipFill>
+        <p:spPr>
+          <a:xfrm>
+            <a:off x="1730000" y="2090067"/>
+            <a:ext cx="6515100" cy="1152525"/>
+          </a:xfrm>
+          <a:prstGeom prst="rect">
+            <a:avLst/>
+          </a:prstGeom>
+        </p:spPr>
+      </p:pic>
+      <p:pic>
+        <p:nvPicPr>
+          <p:cNvPr id="7" name="Picture 6">
+            <a:extLst>
+              <a:ext uri="{FF2B5EF4-FFF2-40B4-BE49-F238E27FC236}">
+                <a16:creationId xmlns:a16="http://schemas.microsoft.com/office/drawing/2014/main" id="{0D7552B6-B13D-4452-ACB4-AB1D4A59BF59}"/>
+              </a:ext>
+            </a:extLst>
+          </p:cNvPr>
+          <p:cNvPicPr>
+            <a:picLocks noChangeAspect="1"/>
+          </p:cNvPicPr>
+          <p:nvPr/>
+        </p:nvPicPr>
+        <p:blipFill>
+          <a:blip r:embed="rId3"/>
+          <a:stretch>
+            <a:fillRect/>
+          </a:stretch>
+        </p:blipFill>
+        <p:spPr>
+          <a:xfrm>
+            <a:off x="1701425" y="4273889"/>
+            <a:ext cx="6543675" cy="771525"/>
+          </a:xfrm>
+          <a:prstGeom prst="rect">
+            <a:avLst/>
+          </a:prstGeom>
+        </p:spPr>
+      </p:pic>
+    </p:spTree>
+    <p:extLst>
+      <p:ext uri="{BB962C8B-B14F-4D97-AF65-F5344CB8AC3E}">
+        <p14:creationId xmlns:p14="http://schemas.microsoft.com/office/powerpoint/2010/main" val="2013169401"/>
+      </p:ext>
+    </p:extLst>
+  </p:cSld>
+  <p:clrMapOvr>
+    <a:masterClrMapping/>
+  </p:clrMapOvr>
+</p:sld>
+</file>
+
+<file path=ppt/slides/slide46.xml><?xml version="1.0" encoding="utf-8"?>
+<p:sld xmlns:a="http://schemas.openxmlformats.org/drawingml/2006/main" xmlns:r="http://schemas.openxmlformats.org/officeDocument/2006/relationships" xmlns:p="http://schemas.openxmlformats.org/presentationml/2006/main">
+  <p:cSld>
+    <p:spTree>
+      <p:nvGrpSpPr>
+        <p:cNvPr id="1" name=""/>
+        <p:cNvGrpSpPr/>
+        <p:nvPr/>
+      </p:nvGrpSpPr>
+      <p:grpSpPr>
+        <a:xfrm>
+          <a:off x="0" y="0"/>
+          <a:ext cx="0" cy="0"/>
+          <a:chOff x="0" y="0"/>
+          <a:chExt cx="0" cy="0"/>
+        </a:xfrm>
+      </p:grpSpPr>
+      <p:sp>
+        <p:nvSpPr>
+          <p:cNvPr id="2" name="Title 1">
+            <a:extLst>
+              <a:ext uri="{FF2B5EF4-FFF2-40B4-BE49-F238E27FC236}">
+                <a16:creationId xmlns:a16="http://schemas.microsoft.com/office/drawing/2014/main" id="{B3135160-6968-4866-9631-46199A419A08}"/>
+              </a:ext>
+            </a:extLst>
+          </p:cNvPr>
+          <p:cNvSpPr>
+            <a:spLocks noGrp="1"/>
+          </p:cNvSpPr>
+          <p:nvPr>
+            <p:ph type="title"/>
+          </p:nvPr>
+        </p:nvSpPr>
+        <p:spPr/>
+        <p:txBody>
+          <a:bodyPr/>
+          <a:lstStyle/>
+          <a:p>
+            <a:r>
+              <a:rPr lang="en-US" dirty="0"/>
+              <a:t>Constructor Overloading</a:t>
+            </a:r>
+            <a:endParaRPr lang="bg-BG" dirty="0"/>
+          </a:p>
+        </p:txBody>
+      </p:sp>
+      <p:sp>
+        <p:nvSpPr>
+          <p:cNvPr id="3" name="Text Placeholder 2">
+            <a:extLst>
+              <a:ext uri="{FF2B5EF4-FFF2-40B4-BE49-F238E27FC236}">
+                <a16:creationId xmlns:a16="http://schemas.microsoft.com/office/drawing/2014/main" id="{C83C3597-1DA6-4399-83ED-57E607D75F89}"/>
+              </a:ext>
+            </a:extLst>
+          </p:cNvPr>
+          <p:cNvSpPr>
+            <a:spLocks noGrp="1"/>
+          </p:cNvSpPr>
+          <p:nvPr>
+            <p:ph type="body" idx="1"/>
+          </p:nvPr>
+        </p:nvSpPr>
+        <p:spPr>
+          <a:xfrm>
+            <a:off x="1730000" y="1459149"/>
+            <a:ext cx="9385200" cy="630918"/>
+          </a:xfrm>
+        </p:spPr>
+        <p:txBody>
+          <a:bodyPr/>
+          <a:lstStyle/>
+          <a:p>
+            <a:r>
+              <a:rPr lang="en-US" dirty="0"/>
+              <a:t>Creating constructors with different signatures is called constructor overloading.</a:t>
+            </a:r>
+            <a:endParaRPr lang="bg-BG" dirty="0"/>
+          </a:p>
+        </p:txBody>
+      </p:sp>
+      <p:pic>
+        <p:nvPicPr>
+          <p:cNvPr id="7" name="Picture 6">
+            <a:extLst>
+              <a:ext uri="{FF2B5EF4-FFF2-40B4-BE49-F238E27FC236}">
+                <a16:creationId xmlns:a16="http://schemas.microsoft.com/office/drawing/2014/main" id="{D71764A7-1FB9-4EA7-87FC-4A66FAC4E441}"/>
+              </a:ext>
+            </a:extLst>
+          </p:cNvPr>
+          <p:cNvPicPr>
+            <a:picLocks noChangeAspect="1"/>
+          </p:cNvPicPr>
+          <p:nvPr/>
+        </p:nvPicPr>
+        <p:blipFill>
+          <a:blip r:embed="rId2"/>
+          <a:stretch>
+            <a:fillRect/>
+          </a:stretch>
+        </p:blipFill>
+        <p:spPr>
+          <a:xfrm>
+            <a:off x="1861931" y="2678049"/>
+            <a:ext cx="3267075" cy="1524000"/>
+          </a:xfrm>
+          <a:prstGeom prst="rect">
+            <a:avLst/>
+          </a:prstGeom>
+        </p:spPr>
+      </p:pic>
+      <p:pic>
+        <p:nvPicPr>
+          <p:cNvPr id="9" name="Picture 8">
+            <a:extLst>
+              <a:ext uri="{FF2B5EF4-FFF2-40B4-BE49-F238E27FC236}">
+                <a16:creationId xmlns:a16="http://schemas.microsoft.com/office/drawing/2014/main" id="{BEE721BD-FFF3-4BD2-B1BB-0A40836633F7}"/>
+              </a:ext>
+            </a:extLst>
+          </p:cNvPr>
+          <p:cNvPicPr>
+            <a:picLocks noChangeAspect="1"/>
+          </p:cNvPicPr>
+          <p:nvPr/>
+        </p:nvPicPr>
+        <p:blipFill>
+          <a:blip r:embed="rId3"/>
+          <a:stretch>
+            <a:fillRect/>
+          </a:stretch>
+        </p:blipFill>
+        <p:spPr>
+          <a:xfrm>
+            <a:off x="6626815" y="2012265"/>
+            <a:ext cx="3038475" cy="1543050"/>
+          </a:xfrm>
+          <a:prstGeom prst="rect">
+            <a:avLst/>
+          </a:prstGeom>
+        </p:spPr>
+      </p:pic>
+      <p:pic>
+        <p:nvPicPr>
+          <p:cNvPr id="11" name="Picture 10">
+            <a:extLst>
+              <a:ext uri="{FF2B5EF4-FFF2-40B4-BE49-F238E27FC236}">
+                <a16:creationId xmlns:a16="http://schemas.microsoft.com/office/drawing/2014/main" id="{D3B5D72A-6CA9-4B95-B8BD-472941323F9A}"/>
+              </a:ext>
+            </a:extLst>
+          </p:cNvPr>
+          <p:cNvPicPr>
+            <a:picLocks noChangeAspect="1"/>
+          </p:cNvPicPr>
+          <p:nvPr/>
+        </p:nvPicPr>
+        <p:blipFill>
+          <a:blip r:embed="rId4"/>
+          <a:stretch>
+            <a:fillRect/>
+          </a:stretch>
+        </p:blipFill>
+        <p:spPr>
+          <a:xfrm>
+            <a:off x="1814306" y="4767934"/>
+            <a:ext cx="3314700" cy="1514475"/>
+          </a:xfrm>
+          <a:prstGeom prst="rect">
+            <a:avLst/>
+          </a:prstGeom>
+        </p:spPr>
+      </p:pic>
+      <p:pic>
+        <p:nvPicPr>
+          <p:cNvPr id="13" name="Picture 12">
+            <a:extLst>
+              <a:ext uri="{FF2B5EF4-FFF2-40B4-BE49-F238E27FC236}">
+                <a16:creationId xmlns:a16="http://schemas.microsoft.com/office/drawing/2014/main" id="{2EE049BF-CE2B-4F1C-920C-4BABD3CFA375}"/>
+              </a:ext>
+            </a:extLst>
+          </p:cNvPr>
+          <p:cNvPicPr>
+            <a:picLocks noChangeAspect="1"/>
+          </p:cNvPicPr>
+          <p:nvPr/>
+        </p:nvPicPr>
+        <p:blipFill>
+          <a:blip r:embed="rId5"/>
+          <a:stretch>
+            <a:fillRect/>
+          </a:stretch>
+        </p:blipFill>
+        <p:spPr>
+          <a:xfrm>
+            <a:off x="5267660" y="3694687"/>
+            <a:ext cx="6191250" cy="1504950"/>
+          </a:xfrm>
+          <a:prstGeom prst="rect">
+            <a:avLst/>
+          </a:prstGeom>
+        </p:spPr>
+      </p:pic>
+    </p:spTree>
+    <p:extLst>
+      <p:ext uri="{BB962C8B-B14F-4D97-AF65-F5344CB8AC3E}">
+        <p14:creationId xmlns:p14="http://schemas.microsoft.com/office/powerpoint/2010/main" val="3977219355"/>
+      </p:ext>
+    </p:extLst>
+  </p:cSld>
+  <p:clrMapOvr>
+    <a:masterClrMapping/>
+  </p:clrMapOvr>
+</p:sld>
+</file>
+
+<file path=ppt/slides/slide47.xml><?xml version="1.0" encoding="utf-8"?>
+<p:sld xmlns:a="http://schemas.openxmlformats.org/drawingml/2006/main" xmlns:r="http://schemas.openxmlformats.org/officeDocument/2006/relationships" xmlns:p="http://schemas.openxmlformats.org/presentationml/2006/main">
+  <p:cSld>
+    <p:spTree>
+      <p:nvGrpSpPr>
+        <p:cNvPr id="1" name=""/>
+        <p:cNvGrpSpPr/>
+        <p:nvPr/>
+      </p:nvGrpSpPr>
+      <p:grpSpPr>
+        <a:xfrm>
+          <a:off x="0" y="0"/>
+          <a:ext cx="0" cy="0"/>
+          <a:chOff x="0" y="0"/>
+          <a:chExt cx="0" cy="0"/>
+        </a:xfrm>
+      </p:grpSpPr>
+      <p:sp>
+        <p:nvSpPr>
+          <p:cNvPr id="2" name="Title 1">
+            <a:extLst>
+              <a:ext uri="{FF2B5EF4-FFF2-40B4-BE49-F238E27FC236}">
+                <a16:creationId xmlns:a16="http://schemas.microsoft.com/office/drawing/2014/main" id="{14773881-31FE-4374-9F9F-CAC3833E2AE9}"/>
+              </a:ext>
+            </a:extLst>
+          </p:cNvPr>
+          <p:cNvSpPr>
+            <a:spLocks noGrp="1"/>
+          </p:cNvSpPr>
+          <p:nvPr>
+            <p:ph type="title"/>
+          </p:nvPr>
+        </p:nvSpPr>
+        <p:spPr/>
+        <p:txBody>
+          <a:bodyPr/>
+          <a:lstStyle/>
+          <a:p>
+            <a:r>
+              <a:rPr lang="en-US" dirty="0"/>
+              <a:t>Reusing Constructors</a:t>
+            </a:r>
+            <a:endParaRPr lang="bg-BG" dirty="0"/>
+          </a:p>
+        </p:txBody>
+      </p:sp>
+      <p:sp>
+        <p:nvSpPr>
+          <p:cNvPr id="3" name="Text Placeholder 2">
+            <a:extLst>
+              <a:ext uri="{FF2B5EF4-FFF2-40B4-BE49-F238E27FC236}">
+                <a16:creationId xmlns:a16="http://schemas.microsoft.com/office/drawing/2014/main" id="{A766B239-9A4E-413A-808B-D4CC8EA3F660}"/>
+              </a:ext>
+            </a:extLst>
+          </p:cNvPr>
+          <p:cNvSpPr>
+            <a:spLocks noGrp="1"/>
+          </p:cNvSpPr>
+          <p:nvPr>
+            <p:ph type="body" idx="1"/>
+          </p:nvPr>
+        </p:nvSpPr>
+        <p:spPr/>
+        <p:txBody>
+          <a:bodyPr/>
+          <a:lstStyle/>
+          <a:p>
+            <a:r>
+              <a:rPr lang="en-US" dirty="0"/>
+              <a:t>Depending on the needs for creating objects of our class, we can declare different variants of the constructors. </a:t>
+            </a:r>
+          </a:p>
+          <a:p>
+            <a:endParaRPr lang="en-US" dirty="0"/>
+          </a:p>
+          <a:p>
+            <a:r>
+              <a:rPr lang="en-US" dirty="0"/>
+              <a:t>It is easy to notice that a large part of the constructor code is repeated. This leads us to the question whether there is an alternative way for a constructor, which is already doing an initializing, to be reused by the others to perform the same initialization. </a:t>
+            </a:r>
+          </a:p>
+          <a:p>
+            <a:endParaRPr lang="en-US" dirty="0"/>
+          </a:p>
+          <a:p>
+            <a:r>
+              <a:rPr lang="en-US" dirty="0"/>
+              <a:t>In C# a mechanism exists through which one constructor can call another one declared in the same class. This is done again with the keyword this, but used in another syntax structure in declaring the constructors:</a:t>
+            </a:r>
+            <a:endParaRPr lang="bg-BG" dirty="0"/>
+          </a:p>
+        </p:txBody>
+      </p:sp>
+    </p:spTree>
+    <p:extLst>
+      <p:ext uri="{BB962C8B-B14F-4D97-AF65-F5344CB8AC3E}">
+        <p14:creationId xmlns:p14="http://schemas.microsoft.com/office/powerpoint/2010/main" val="1557223557"/>
+      </p:ext>
+    </p:extLst>
+  </p:cSld>
+  <p:clrMapOvr>
+    <a:masterClrMapping/>
+  </p:clrMapOvr>
+</p:sld>
+</file>
+
+<file path=ppt/slides/slide48.xml><?xml version="1.0" encoding="utf-8"?>
+<p:sld xmlns:a="http://schemas.openxmlformats.org/drawingml/2006/main" xmlns:r="http://schemas.openxmlformats.org/officeDocument/2006/relationships" xmlns:p="http://schemas.openxmlformats.org/presentationml/2006/main">
+  <p:cSld>
+    <p:spTree>
+      <p:nvGrpSpPr>
+        <p:cNvPr id="1" name=""/>
+        <p:cNvGrpSpPr/>
+        <p:nvPr/>
+      </p:nvGrpSpPr>
+      <p:grpSpPr>
+        <a:xfrm>
+          <a:off x="0" y="0"/>
+          <a:ext cx="0" cy="0"/>
+          <a:chOff x="0" y="0"/>
+          <a:chExt cx="0" cy="0"/>
+        </a:xfrm>
+      </p:grpSpPr>
+      <p:sp>
+        <p:nvSpPr>
+          <p:cNvPr id="2" name="Title 1">
+            <a:extLst>
+              <a:ext uri="{FF2B5EF4-FFF2-40B4-BE49-F238E27FC236}">
+                <a16:creationId xmlns:a16="http://schemas.microsoft.com/office/drawing/2014/main" id="{445ADE9B-35E0-4552-B93B-5707B8524808}"/>
+              </a:ext>
+            </a:extLst>
+          </p:cNvPr>
+          <p:cNvSpPr>
+            <a:spLocks noGrp="1"/>
+          </p:cNvSpPr>
+          <p:nvPr>
+            <p:ph type="title"/>
+          </p:nvPr>
+        </p:nvSpPr>
+        <p:spPr/>
+        <p:txBody>
+          <a:bodyPr/>
+          <a:lstStyle/>
+          <a:p>
+            <a:r>
+              <a:rPr lang="en-US" dirty="0"/>
+              <a:t>Reusing Constructors</a:t>
+            </a:r>
+            <a:endParaRPr lang="bg-BG" dirty="0"/>
+          </a:p>
+        </p:txBody>
+      </p:sp>
+      <p:sp>
+        <p:nvSpPr>
+          <p:cNvPr id="3" name="Text Placeholder 2">
+            <a:extLst>
+              <a:ext uri="{FF2B5EF4-FFF2-40B4-BE49-F238E27FC236}">
+                <a16:creationId xmlns:a16="http://schemas.microsoft.com/office/drawing/2014/main" id="{7FFE56E4-6B11-4307-81D6-25347C9BAC30}"/>
+              </a:ext>
+            </a:extLst>
+          </p:cNvPr>
+          <p:cNvSpPr>
+            <a:spLocks noGrp="1"/>
+          </p:cNvSpPr>
+          <p:nvPr>
+            <p:ph type="body" idx="1"/>
+          </p:nvPr>
+        </p:nvSpPr>
+        <p:spPr/>
+        <p:txBody>
+          <a:bodyPr/>
+          <a:lstStyle/>
+          <a:p>
+            <a:endParaRPr lang="bg-BG"/>
+          </a:p>
+        </p:txBody>
+      </p:sp>
+      <p:pic>
+        <p:nvPicPr>
+          <p:cNvPr id="5" name="Picture 4">
+            <a:extLst>
+              <a:ext uri="{FF2B5EF4-FFF2-40B4-BE49-F238E27FC236}">
+                <a16:creationId xmlns:a16="http://schemas.microsoft.com/office/drawing/2014/main" id="{7875CB86-B428-4C60-9401-CB449C221503}"/>
+              </a:ext>
+            </a:extLst>
+          </p:cNvPr>
+          <p:cNvPicPr>
+            <a:picLocks noChangeAspect="1"/>
+          </p:cNvPicPr>
+          <p:nvPr/>
+        </p:nvPicPr>
+        <p:blipFill>
+          <a:blip r:embed="rId2"/>
+          <a:stretch>
+            <a:fillRect/>
+          </a:stretch>
+        </p:blipFill>
+        <p:spPr>
+          <a:xfrm>
+            <a:off x="1730000" y="1629624"/>
+            <a:ext cx="5572230" cy="4535931"/>
+          </a:xfrm>
+          <a:prstGeom prst="rect">
+            <a:avLst/>
+          </a:prstGeom>
+        </p:spPr>
+      </p:pic>
+    </p:spTree>
+    <p:extLst>
+      <p:ext uri="{BB962C8B-B14F-4D97-AF65-F5344CB8AC3E}">
+        <p14:creationId xmlns:p14="http://schemas.microsoft.com/office/powerpoint/2010/main" val="462926542"/>
+      </p:ext>
+    </p:extLst>
+  </p:cSld>
+  <p:clrMapOvr>
+    <a:masterClrMapping/>
+  </p:clrMapOvr>
+</p:sld>
+</file>
+
+<file path=ppt/slides/slide49.xml><?xml version="1.0" encoding="utf-8"?>
+<p:sld xmlns:a="http://schemas.openxmlformats.org/drawingml/2006/main" xmlns:r="http://schemas.openxmlformats.org/officeDocument/2006/relationships" xmlns:p="http://schemas.openxmlformats.org/presentationml/2006/main">
+  <p:cSld>
+    <p:spTree>
+      <p:nvGrpSpPr>
+        <p:cNvPr id="1" name=""/>
+        <p:cNvGrpSpPr/>
+        <p:nvPr/>
+      </p:nvGrpSpPr>
+      <p:grpSpPr>
+        <a:xfrm>
+          <a:off x="0" y="0"/>
+          <a:ext cx="0" cy="0"/>
+          <a:chOff x="0" y="0"/>
+          <a:chExt cx="0" cy="0"/>
+        </a:xfrm>
+      </p:grpSpPr>
+      <p:sp>
+        <p:nvSpPr>
+          <p:cNvPr id="2" name="Title 1">
+            <a:extLst>
+              <a:ext uri="{FF2B5EF4-FFF2-40B4-BE49-F238E27FC236}">
+                <a16:creationId xmlns:a16="http://schemas.microsoft.com/office/drawing/2014/main" id="{5A1B4434-CB00-4CF2-8AD1-E0DF8D330709}"/>
+              </a:ext>
+            </a:extLst>
+          </p:cNvPr>
+          <p:cNvSpPr>
+            <a:spLocks noGrp="1"/>
+          </p:cNvSpPr>
+          <p:nvPr>
+            <p:ph type="title"/>
+          </p:nvPr>
+        </p:nvSpPr>
+        <p:spPr/>
+        <p:txBody>
+          <a:bodyPr/>
+          <a:lstStyle/>
+          <a:p>
+            <a:r>
+              <a:rPr lang="en-US" dirty="0"/>
+              <a:t>Properties</a:t>
+            </a:r>
+            <a:endParaRPr lang="bg-BG" dirty="0"/>
+          </a:p>
+        </p:txBody>
+      </p:sp>
+      <p:sp>
+        <p:nvSpPr>
+          <p:cNvPr id="3" name="Text Placeholder 2">
+            <a:extLst>
+              <a:ext uri="{FF2B5EF4-FFF2-40B4-BE49-F238E27FC236}">
+                <a16:creationId xmlns:a16="http://schemas.microsoft.com/office/drawing/2014/main" id="{70719B20-EC37-48AC-B960-E0A48C8C4874}"/>
+              </a:ext>
+            </a:extLst>
+          </p:cNvPr>
+          <p:cNvSpPr>
+            <a:spLocks noGrp="1"/>
+          </p:cNvSpPr>
+          <p:nvPr>
+            <p:ph type="body" idx="1"/>
+          </p:nvPr>
+        </p:nvSpPr>
+        <p:spPr/>
+        <p:txBody>
+          <a:bodyPr/>
+          <a:lstStyle/>
+          <a:p>
+            <a:r>
+              <a:rPr lang="en-US" dirty="0"/>
+              <a:t>In the world of object-oriented programming there is an element of the classes called property, which is somewhere between a field and a method and serves to better protect the state in the class. </a:t>
+            </a:r>
+          </a:p>
+          <a:p>
+            <a:endParaRPr lang="en-US" dirty="0"/>
+          </a:p>
+          <a:p>
+            <a:r>
+              <a:rPr lang="en-US" dirty="0"/>
+              <a:t>In some languages for object-oriented programming, like C#, Delphi / Pascal, Visual Basic, Python, JavaScript, and others, the properties are a part of the language, i.e. there is a special mechanism to declare and use them. </a:t>
+            </a:r>
+          </a:p>
+          <a:p>
+            <a:endParaRPr lang="en-US" dirty="0"/>
+          </a:p>
+          <a:p>
+            <a:r>
+              <a:rPr lang="en-US" dirty="0"/>
+              <a:t>Other languages like Java do not support the property concept and for this purpose the programmers should declare a pair of methods (for reading and modifying the property) to provide this functionality.</a:t>
+            </a:r>
+            <a:endParaRPr lang="bg-BG" dirty="0"/>
+          </a:p>
+        </p:txBody>
+      </p:sp>
+    </p:spTree>
+    <p:extLst>
+      <p:ext uri="{BB962C8B-B14F-4D97-AF65-F5344CB8AC3E}">
+        <p14:creationId xmlns:p14="http://schemas.microsoft.com/office/powerpoint/2010/main" val="4281577198"/>
+      </p:ext>
+    </p:extLst>
+  </p:cSld>
+  <p:clrMapOvr>
+    <a:masterClrMapping/>
+  </p:clrMapOvr>
+</p:sld>
+</file>
+
 <file path=ppt/slides/slide5.xml><?xml version="1.0" encoding="utf-8"?>
 <p:sld xmlns:a="http://schemas.openxmlformats.org/drawingml/2006/main" xmlns:r="http://schemas.openxmlformats.org/officeDocument/2006/relationships" xmlns:p="http://schemas.openxmlformats.org/presentationml/2006/main">
   <p:cSld>
@@ -13222,6 +17122,1143 @@
     <p:extLst>
       <p:ext uri="{BB962C8B-B14F-4D97-AF65-F5344CB8AC3E}">
         <p14:creationId xmlns:p14="http://schemas.microsoft.com/office/powerpoint/2010/main" val="3974549173"/>
+      </p:ext>
+    </p:extLst>
+  </p:cSld>
+  <p:clrMapOvr>
+    <a:masterClrMapping/>
+  </p:clrMapOvr>
+</p:sld>
+</file>
+
+<file path=ppt/slides/slide50.xml><?xml version="1.0" encoding="utf-8"?>
+<p:sld xmlns:a="http://schemas.openxmlformats.org/drawingml/2006/main" xmlns:r="http://schemas.openxmlformats.org/officeDocument/2006/relationships" xmlns:p="http://schemas.openxmlformats.org/presentationml/2006/main">
+  <p:cSld>
+    <p:spTree>
+      <p:nvGrpSpPr>
+        <p:cNvPr id="1" name=""/>
+        <p:cNvGrpSpPr/>
+        <p:nvPr/>
+      </p:nvGrpSpPr>
+      <p:grpSpPr>
+        <a:xfrm>
+          <a:off x="0" y="0"/>
+          <a:ext cx="0" cy="0"/>
+          <a:chOff x="0" y="0"/>
+          <a:chExt cx="0" cy="0"/>
+        </a:xfrm>
+      </p:grpSpPr>
+      <p:sp>
+        <p:nvSpPr>
+          <p:cNvPr id="2" name="Title 1">
+            <a:extLst>
+              <a:ext uri="{FF2B5EF4-FFF2-40B4-BE49-F238E27FC236}">
+                <a16:creationId xmlns:a16="http://schemas.microsoft.com/office/drawing/2014/main" id="{49A25D3E-041E-4C58-9F4B-A4740A4F1788}"/>
+              </a:ext>
+            </a:extLst>
+          </p:cNvPr>
+          <p:cNvSpPr>
+            <a:spLocks noGrp="1"/>
+          </p:cNvSpPr>
+          <p:nvPr>
+            <p:ph type="title"/>
+          </p:nvPr>
+        </p:nvSpPr>
+        <p:spPr/>
+        <p:txBody>
+          <a:bodyPr/>
+          <a:lstStyle/>
+          <a:p>
+            <a:r>
+              <a:rPr lang="en-US" dirty="0"/>
+              <a:t>Properties – Encapsulation of Fields</a:t>
+            </a:r>
+            <a:endParaRPr lang="bg-BG" dirty="0"/>
+          </a:p>
+        </p:txBody>
+      </p:sp>
+      <p:sp>
+        <p:nvSpPr>
+          <p:cNvPr id="3" name="Text Placeholder 2">
+            <a:extLst>
+              <a:ext uri="{FF2B5EF4-FFF2-40B4-BE49-F238E27FC236}">
+                <a16:creationId xmlns:a16="http://schemas.microsoft.com/office/drawing/2014/main" id="{D8DE5E58-8958-4AAC-8203-F4B522DA4CAF}"/>
+              </a:ext>
+            </a:extLst>
+          </p:cNvPr>
+          <p:cNvSpPr>
+            <a:spLocks noGrp="1"/>
+          </p:cNvSpPr>
+          <p:nvPr>
+            <p:ph type="body" idx="1"/>
+          </p:nvPr>
+        </p:nvSpPr>
+        <p:spPr/>
+        <p:txBody>
+          <a:bodyPr/>
+          <a:lstStyle/>
+          <a:p>
+            <a:r>
+              <a:rPr lang="en-US" dirty="0"/>
+              <a:t>The main objective of the properties is to ensure the encapsulation of the state of the class in which they are declared, i.e. to protect the class from falling into invalid state.</a:t>
+            </a:r>
+          </a:p>
+          <a:p>
+            <a:endParaRPr lang="en-US" dirty="0"/>
+          </a:p>
+          <a:p>
+            <a:r>
+              <a:rPr lang="en-US" dirty="0"/>
+              <a:t>Encapsulation is hiding of the physical representation of data in one class so that if we subsequently change this presentation, it will not reflect on other classes, which use this class.</a:t>
+            </a:r>
+          </a:p>
+          <a:p>
+            <a:endParaRPr lang="en-US" dirty="0"/>
+          </a:p>
+          <a:p>
+            <a:r>
+              <a:rPr lang="en-US" dirty="0"/>
+              <a:t>Though the C# syntax this is done by declaring the fields (physical presentation of data) with possibly the most limited level of visibility (mostly with the modifier private) and declaring that access to these fields (reading and modifying) is to take place only through special accessor methods.</a:t>
+            </a:r>
+            <a:endParaRPr lang="bg-BG" dirty="0"/>
+          </a:p>
+        </p:txBody>
+      </p:sp>
+    </p:spTree>
+    <p:extLst>
+      <p:ext uri="{BB962C8B-B14F-4D97-AF65-F5344CB8AC3E}">
+        <p14:creationId xmlns:p14="http://schemas.microsoft.com/office/powerpoint/2010/main" val="273574838"/>
+      </p:ext>
+    </p:extLst>
+  </p:cSld>
+  <p:clrMapOvr>
+    <a:masterClrMapping/>
+  </p:clrMapOvr>
+</p:sld>
+</file>
+
+<file path=ppt/slides/slide51.xml><?xml version="1.0" encoding="utf-8"?>
+<p:sld xmlns:a="http://schemas.openxmlformats.org/drawingml/2006/main" xmlns:r="http://schemas.openxmlformats.org/officeDocument/2006/relationships" xmlns:p="http://schemas.openxmlformats.org/presentationml/2006/main">
+  <p:cSld>
+    <p:spTree>
+      <p:nvGrpSpPr>
+        <p:cNvPr id="1" name=""/>
+        <p:cNvGrpSpPr/>
+        <p:nvPr/>
+      </p:nvGrpSpPr>
+      <p:grpSpPr>
+        <a:xfrm>
+          <a:off x="0" y="0"/>
+          <a:ext cx="0" cy="0"/>
+          <a:chOff x="0" y="0"/>
+          <a:chExt cx="0" cy="0"/>
+        </a:xfrm>
+      </p:grpSpPr>
+      <p:sp>
+        <p:nvSpPr>
+          <p:cNvPr id="2" name="Title 1">
+            <a:extLst>
+              <a:ext uri="{FF2B5EF4-FFF2-40B4-BE49-F238E27FC236}">
+                <a16:creationId xmlns:a16="http://schemas.microsoft.com/office/drawing/2014/main" id="{B488B3A6-F131-417D-8E39-E53728AE9D34}"/>
+              </a:ext>
+            </a:extLst>
+          </p:cNvPr>
+          <p:cNvSpPr>
+            <a:spLocks noGrp="1"/>
+          </p:cNvSpPr>
+          <p:nvPr>
+            <p:ph type="title"/>
+          </p:nvPr>
+        </p:nvSpPr>
+        <p:spPr/>
+        <p:txBody>
+          <a:bodyPr/>
+          <a:lstStyle/>
+          <a:p>
+            <a:r>
+              <a:rPr lang="en-US" dirty="0"/>
+              <a:t>Properties – Encapsulation of Fields</a:t>
+            </a:r>
+            <a:endParaRPr lang="bg-BG" dirty="0"/>
+          </a:p>
+        </p:txBody>
+      </p:sp>
+      <p:sp>
+        <p:nvSpPr>
+          <p:cNvPr id="3" name="Text Placeholder 2">
+            <a:extLst>
+              <a:ext uri="{FF2B5EF4-FFF2-40B4-BE49-F238E27FC236}">
+                <a16:creationId xmlns:a16="http://schemas.microsoft.com/office/drawing/2014/main" id="{05FB3BE1-19D7-435D-ADF9-5A3BECEDAA8D}"/>
+              </a:ext>
+            </a:extLst>
+          </p:cNvPr>
+          <p:cNvSpPr>
+            <a:spLocks noGrp="1"/>
+          </p:cNvSpPr>
+          <p:nvPr>
+            <p:ph type="body" idx="1"/>
+          </p:nvPr>
+        </p:nvSpPr>
+        <p:spPr/>
+        <p:txBody>
+          <a:bodyPr/>
+          <a:lstStyle/>
+          <a:p>
+            <a:r>
+              <a:rPr lang="en-US" dirty="0"/>
+              <a:t>Live Demo – Points …</a:t>
+            </a:r>
+            <a:endParaRPr lang="bg-BG" dirty="0"/>
+          </a:p>
+        </p:txBody>
+      </p:sp>
+    </p:spTree>
+    <p:extLst>
+      <p:ext uri="{BB962C8B-B14F-4D97-AF65-F5344CB8AC3E}">
+        <p14:creationId xmlns:p14="http://schemas.microsoft.com/office/powerpoint/2010/main" val="1431283359"/>
+      </p:ext>
+    </p:extLst>
+  </p:cSld>
+  <p:clrMapOvr>
+    <a:masterClrMapping/>
+  </p:clrMapOvr>
+</p:sld>
+</file>
+
+<file path=ppt/slides/slide52.xml><?xml version="1.0" encoding="utf-8"?>
+<p:sld xmlns:a="http://schemas.openxmlformats.org/drawingml/2006/main" xmlns:r="http://schemas.openxmlformats.org/officeDocument/2006/relationships" xmlns:p="http://schemas.openxmlformats.org/presentationml/2006/main">
+  <p:cSld>
+    <p:spTree>
+      <p:nvGrpSpPr>
+        <p:cNvPr id="1" name=""/>
+        <p:cNvGrpSpPr/>
+        <p:nvPr/>
+      </p:nvGrpSpPr>
+      <p:grpSpPr>
+        <a:xfrm>
+          <a:off x="0" y="0"/>
+          <a:ext cx="0" cy="0"/>
+          <a:chOff x="0" y="0"/>
+          <a:chExt cx="0" cy="0"/>
+        </a:xfrm>
+      </p:grpSpPr>
+      <p:sp>
+        <p:nvSpPr>
+          <p:cNvPr id="2" name="Title 1">
+            <a:extLst>
+              <a:ext uri="{FF2B5EF4-FFF2-40B4-BE49-F238E27FC236}">
+                <a16:creationId xmlns:a16="http://schemas.microsoft.com/office/drawing/2014/main" id="{3C947C23-246C-4FD8-BBAB-8A5E2A58A936}"/>
+              </a:ext>
+            </a:extLst>
+          </p:cNvPr>
+          <p:cNvSpPr>
+            <a:spLocks noGrp="1"/>
+          </p:cNvSpPr>
+          <p:nvPr>
+            <p:ph type="title"/>
+          </p:nvPr>
+        </p:nvSpPr>
+        <p:spPr/>
+        <p:txBody>
+          <a:bodyPr/>
+          <a:lstStyle/>
+          <a:p>
+            <a:r>
+              <a:rPr lang="en-US" dirty="0"/>
+              <a:t>Static Classes and Static Members</a:t>
+            </a:r>
+            <a:endParaRPr lang="bg-BG" dirty="0"/>
+          </a:p>
+        </p:txBody>
+      </p:sp>
+      <p:sp>
+        <p:nvSpPr>
+          <p:cNvPr id="3" name="Text Placeholder 2">
+            <a:extLst>
+              <a:ext uri="{FF2B5EF4-FFF2-40B4-BE49-F238E27FC236}">
+                <a16:creationId xmlns:a16="http://schemas.microsoft.com/office/drawing/2014/main" id="{F83BCD31-F45E-46A6-B38D-1D8619AA907E}"/>
+              </a:ext>
+            </a:extLst>
+          </p:cNvPr>
+          <p:cNvSpPr>
+            <a:spLocks noGrp="1"/>
+          </p:cNvSpPr>
+          <p:nvPr>
+            <p:ph type="body" idx="1"/>
+          </p:nvPr>
+        </p:nvSpPr>
+        <p:spPr>
+          <a:xfrm>
+            <a:off x="1730000" y="2090066"/>
+            <a:ext cx="9385200" cy="4242933"/>
+          </a:xfrm>
+        </p:spPr>
+        <p:txBody>
+          <a:bodyPr/>
+          <a:lstStyle/>
+          <a:p>
+            <a:r>
+              <a:rPr lang="en-US" dirty="0"/>
+              <a:t>We call an element static when it is declared with the modifier static. </a:t>
+            </a:r>
+          </a:p>
+          <a:p>
+            <a:endParaRPr lang="en-US" dirty="0"/>
+          </a:p>
+          <a:p>
+            <a:r>
+              <a:rPr lang="en-US" dirty="0"/>
+              <a:t>In C# we can declare fields, methods, properties, constructors and classes as static.</a:t>
+            </a:r>
+          </a:p>
+          <a:p>
+            <a:endParaRPr lang="en-US" dirty="0"/>
+          </a:p>
+          <a:p>
+            <a:r>
+              <a:rPr lang="en-US" dirty="0"/>
+              <a:t>Formally speaking, a static member of the class is every field, property, method or other member, which has a static modifier in its declaration. </a:t>
+            </a:r>
+          </a:p>
+          <a:p>
+            <a:endParaRPr lang="en-US" dirty="0"/>
+          </a:p>
+          <a:p>
+            <a:r>
+              <a:rPr lang="en-US" dirty="0"/>
+              <a:t>That means that fields, methods and properties, marked as static, belong to the particular class rather than to any particular object of the given class.</a:t>
+            </a:r>
+          </a:p>
+          <a:p>
+            <a:endParaRPr lang="en-US" dirty="0"/>
+          </a:p>
+          <a:p>
+            <a:r>
+              <a:rPr lang="en-US" dirty="0"/>
+              <a:t>Therefore, when we mark a field, method or property as static, we can use them without creating any object of the given class. All we need is to have access (visibility) to the class so that we can call the object’s static methods or its static fields and properties.</a:t>
+            </a:r>
+          </a:p>
+        </p:txBody>
+      </p:sp>
+    </p:spTree>
+    <p:extLst>
+      <p:ext uri="{BB962C8B-B14F-4D97-AF65-F5344CB8AC3E}">
+        <p14:creationId xmlns:p14="http://schemas.microsoft.com/office/powerpoint/2010/main" val="3331376228"/>
+      </p:ext>
+    </p:extLst>
+  </p:cSld>
+  <p:clrMapOvr>
+    <a:masterClrMapping/>
+  </p:clrMapOvr>
+</p:sld>
+</file>
+
+<file path=ppt/slides/slide53.xml><?xml version="1.0" encoding="utf-8"?>
+<p:sld xmlns:a="http://schemas.openxmlformats.org/drawingml/2006/main" xmlns:r="http://schemas.openxmlformats.org/officeDocument/2006/relationships" xmlns:p="http://schemas.openxmlformats.org/presentationml/2006/main">
+  <p:cSld>
+    <p:spTree>
+      <p:nvGrpSpPr>
+        <p:cNvPr id="1" name=""/>
+        <p:cNvGrpSpPr/>
+        <p:nvPr/>
+      </p:nvGrpSpPr>
+      <p:grpSpPr>
+        <a:xfrm>
+          <a:off x="0" y="0"/>
+          <a:ext cx="0" cy="0"/>
+          <a:chOff x="0" y="0"/>
+          <a:chExt cx="0" cy="0"/>
+        </a:xfrm>
+      </p:grpSpPr>
+      <p:sp>
+        <p:nvSpPr>
+          <p:cNvPr id="2" name="Title 1">
+            <a:extLst>
+              <a:ext uri="{FF2B5EF4-FFF2-40B4-BE49-F238E27FC236}">
+                <a16:creationId xmlns:a16="http://schemas.microsoft.com/office/drawing/2014/main" id="{8CF8B6F7-942F-47F9-A9C7-62A439B682E2}"/>
+              </a:ext>
+            </a:extLst>
+          </p:cNvPr>
+          <p:cNvSpPr>
+            <a:spLocks noGrp="1"/>
+          </p:cNvSpPr>
+          <p:nvPr>
+            <p:ph type="title"/>
+          </p:nvPr>
+        </p:nvSpPr>
+        <p:spPr/>
+        <p:txBody>
+          <a:bodyPr/>
+          <a:lstStyle/>
+          <a:p>
+            <a:r>
+              <a:rPr lang="en-US" dirty="0"/>
+              <a:t>Static fields</a:t>
+            </a:r>
+            <a:endParaRPr lang="bg-BG" dirty="0"/>
+          </a:p>
+        </p:txBody>
+      </p:sp>
+      <p:sp>
+        <p:nvSpPr>
+          <p:cNvPr id="3" name="Text Placeholder 2">
+            <a:extLst>
+              <a:ext uri="{FF2B5EF4-FFF2-40B4-BE49-F238E27FC236}">
+                <a16:creationId xmlns:a16="http://schemas.microsoft.com/office/drawing/2014/main" id="{3671BF1C-85B7-4A62-BE03-AA24D275EEF1}"/>
+              </a:ext>
+            </a:extLst>
+          </p:cNvPr>
+          <p:cNvSpPr>
+            <a:spLocks noGrp="1"/>
+          </p:cNvSpPr>
+          <p:nvPr>
+            <p:ph type="body" idx="1"/>
+          </p:nvPr>
+        </p:nvSpPr>
+        <p:spPr/>
+        <p:txBody>
+          <a:bodyPr/>
+          <a:lstStyle/>
+          <a:p>
+            <a:r>
+              <a:rPr lang="en-US" dirty="0"/>
+              <a:t>Live demo – Static dog count …</a:t>
+            </a:r>
+            <a:endParaRPr lang="bg-BG" dirty="0"/>
+          </a:p>
+        </p:txBody>
+      </p:sp>
+    </p:spTree>
+    <p:extLst>
+      <p:ext uri="{BB962C8B-B14F-4D97-AF65-F5344CB8AC3E}">
+        <p14:creationId xmlns:p14="http://schemas.microsoft.com/office/powerpoint/2010/main" val="2270424932"/>
+      </p:ext>
+    </p:extLst>
+  </p:cSld>
+  <p:clrMapOvr>
+    <a:masterClrMapping/>
+  </p:clrMapOvr>
+</p:sld>
+</file>
+
+<file path=ppt/slides/slide54.xml><?xml version="1.0" encoding="utf-8"?>
+<p:sld xmlns:a="http://schemas.openxmlformats.org/drawingml/2006/main" xmlns:r="http://schemas.openxmlformats.org/officeDocument/2006/relationships" xmlns:p="http://schemas.openxmlformats.org/presentationml/2006/main">
+  <p:cSld>
+    <p:spTree>
+      <p:nvGrpSpPr>
+        <p:cNvPr id="1" name=""/>
+        <p:cNvGrpSpPr/>
+        <p:nvPr/>
+      </p:nvGrpSpPr>
+      <p:grpSpPr>
+        <a:xfrm>
+          <a:off x="0" y="0"/>
+          <a:ext cx="0" cy="0"/>
+          <a:chOff x="0" y="0"/>
+          <a:chExt cx="0" cy="0"/>
+        </a:xfrm>
+      </p:grpSpPr>
+      <p:sp>
+        <p:nvSpPr>
+          <p:cNvPr id="2" name="Title 1">
+            <a:extLst>
+              <a:ext uri="{FF2B5EF4-FFF2-40B4-BE49-F238E27FC236}">
+                <a16:creationId xmlns:a16="http://schemas.microsoft.com/office/drawing/2014/main" id="{446E5297-AEF8-4456-A2B4-5D44BC5637CE}"/>
+              </a:ext>
+            </a:extLst>
+          </p:cNvPr>
+          <p:cNvSpPr>
+            <a:spLocks noGrp="1"/>
+          </p:cNvSpPr>
+          <p:nvPr>
+            <p:ph type="title"/>
+          </p:nvPr>
+        </p:nvSpPr>
+        <p:spPr/>
+        <p:txBody>
+          <a:bodyPr/>
+          <a:lstStyle/>
+          <a:p>
+            <a:r>
+              <a:rPr lang="en-US" dirty="0"/>
+              <a:t>Static Methods</a:t>
+            </a:r>
+            <a:endParaRPr lang="bg-BG" dirty="0"/>
+          </a:p>
+        </p:txBody>
+      </p:sp>
+      <p:sp>
+        <p:nvSpPr>
+          <p:cNvPr id="3" name="Text Placeholder 2">
+            <a:extLst>
+              <a:ext uri="{FF2B5EF4-FFF2-40B4-BE49-F238E27FC236}">
+                <a16:creationId xmlns:a16="http://schemas.microsoft.com/office/drawing/2014/main" id="{45CBC97B-81D6-4614-89A3-95C09FFEE727}"/>
+              </a:ext>
+            </a:extLst>
+          </p:cNvPr>
+          <p:cNvSpPr>
+            <a:spLocks noGrp="1"/>
+          </p:cNvSpPr>
+          <p:nvPr>
+            <p:ph type="body" idx="1"/>
+          </p:nvPr>
+        </p:nvSpPr>
+        <p:spPr/>
+        <p:txBody>
+          <a:bodyPr/>
+          <a:lstStyle/>
+          <a:p>
+            <a:r>
+              <a:rPr lang="en-US" dirty="0"/>
+              <a:t>Like static fields, we declare a method as static if we want it to be associated only with the class and not with a particular class object.</a:t>
+            </a:r>
+            <a:endParaRPr lang="bg-BG" dirty="0"/>
+          </a:p>
+        </p:txBody>
+      </p:sp>
+    </p:spTree>
+    <p:extLst>
+      <p:ext uri="{BB962C8B-B14F-4D97-AF65-F5344CB8AC3E}">
+        <p14:creationId xmlns:p14="http://schemas.microsoft.com/office/powerpoint/2010/main" val="1621939471"/>
+      </p:ext>
+    </p:extLst>
+  </p:cSld>
+  <p:clrMapOvr>
+    <a:masterClrMapping/>
+  </p:clrMapOvr>
+</p:sld>
+</file>
+
+<file path=ppt/slides/slide55.xml><?xml version="1.0" encoding="utf-8"?>
+<p:sld xmlns:a="http://schemas.openxmlformats.org/drawingml/2006/main" xmlns:r="http://schemas.openxmlformats.org/officeDocument/2006/relationships" xmlns:p="http://schemas.openxmlformats.org/presentationml/2006/main">
+  <p:cSld>
+    <p:spTree>
+      <p:nvGrpSpPr>
+        <p:cNvPr id="1" name=""/>
+        <p:cNvGrpSpPr/>
+        <p:nvPr/>
+      </p:nvGrpSpPr>
+      <p:grpSpPr>
+        <a:xfrm>
+          <a:off x="0" y="0"/>
+          <a:ext cx="0" cy="0"/>
+          <a:chOff x="0" y="0"/>
+          <a:chExt cx="0" cy="0"/>
+        </a:xfrm>
+      </p:grpSpPr>
+      <p:sp>
+        <p:nvSpPr>
+          <p:cNvPr id="2" name="Title 1">
+            <a:extLst>
+              <a:ext uri="{FF2B5EF4-FFF2-40B4-BE49-F238E27FC236}">
+                <a16:creationId xmlns:a16="http://schemas.microsoft.com/office/drawing/2014/main" id="{4131CD09-1126-40A6-B827-0D8B58EDF06E}"/>
+              </a:ext>
+            </a:extLst>
+          </p:cNvPr>
+          <p:cNvSpPr>
+            <a:spLocks noGrp="1"/>
+          </p:cNvSpPr>
+          <p:nvPr>
+            <p:ph type="title"/>
+          </p:nvPr>
+        </p:nvSpPr>
+        <p:spPr/>
+        <p:txBody>
+          <a:bodyPr/>
+          <a:lstStyle/>
+          <a:p>
+            <a:r>
+              <a:rPr lang="en-US" dirty="0"/>
+              <a:t>Static Classes</a:t>
+            </a:r>
+            <a:endParaRPr lang="bg-BG" dirty="0"/>
+          </a:p>
+        </p:txBody>
+      </p:sp>
+      <p:sp>
+        <p:nvSpPr>
+          <p:cNvPr id="3" name="Text Placeholder 2">
+            <a:extLst>
+              <a:ext uri="{FF2B5EF4-FFF2-40B4-BE49-F238E27FC236}">
+                <a16:creationId xmlns:a16="http://schemas.microsoft.com/office/drawing/2014/main" id="{DFBD19C4-9358-43C8-954D-988325D246C3}"/>
+              </a:ext>
+            </a:extLst>
+          </p:cNvPr>
+          <p:cNvSpPr>
+            <a:spLocks noGrp="1"/>
+          </p:cNvSpPr>
+          <p:nvPr>
+            <p:ph type="body" idx="1"/>
+          </p:nvPr>
+        </p:nvSpPr>
+        <p:spPr/>
+        <p:txBody>
+          <a:bodyPr/>
+          <a:lstStyle/>
+          <a:p>
+            <a:r>
+              <a:rPr lang="en-US" dirty="0"/>
+              <a:t>For complete understanding we have to explain that we can also declare classes as static. Similar to static members, a class is static, when the keyword static is used in its declaration.</a:t>
+            </a:r>
+          </a:p>
+          <a:p>
+            <a:endParaRPr lang="en-US" dirty="0"/>
+          </a:p>
+          <a:p>
+            <a:r>
+              <a:rPr lang="en-US" dirty="0"/>
+              <a:t>When a class is declared as static, it is an indication that this class contains only static members (i.e. static fields, methods, properties) and cannot be instantiated.</a:t>
+            </a:r>
+            <a:endParaRPr lang="bg-BG" dirty="0"/>
+          </a:p>
+        </p:txBody>
+      </p:sp>
+    </p:spTree>
+    <p:extLst>
+      <p:ext uri="{BB962C8B-B14F-4D97-AF65-F5344CB8AC3E}">
+        <p14:creationId xmlns:p14="http://schemas.microsoft.com/office/powerpoint/2010/main" val="1313706671"/>
+      </p:ext>
+    </p:extLst>
+  </p:cSld>
+  <p:clrMapOvr>
+    <a:masterClrMapping/>
+  </p:clrMapOvr>
+</p:sld>
+</file>
+
+<file path=ppt/slides/slide56.xml><?xml version="1.0" encoding="utf-8"?>
+<p:sld xmlns:a="http://schemas.openxmlformats.org/drawingml/2006/main" xmlns:r="http://schemas.openxmlformats.org/officeDocument/2006/relationships" xmlns:p="http://schemas.openxmlformats.org/presentationml/2006/main">
+  <p:cSld>
+    <p:spTree>
+      <p:nvGrpSpPr>
+        <p:cNvPr id="1" name=""/>
+        <p:cNvGrpSpPr/>
+        <p:nvPr/>
+      </p:nvGrpSpPr>
+      <p:grpSpPr>
+        <a:xfrm>
+          <a:off x="0" y="0"/>
+          <a:ext cx="0" cy="0"/>
+          <a:chOff x="0" y="0"/>
+          <a:chExt cx="0" cy="0"/>
+        </a:xfrm>
+      </p:grpSpPr>
+      <p:sp>
+        <p:nvSpPr>
+          <p:cNvPr id="2" name="Title 1">
+            <a:extLst>
+              <a:ext uri="{FF2B5EF4-FFF2-40B4-BE49-F238E27FC236}">
+                <a16:creationId xmlns:a16="http://schemas.microsoft.com/office/drawing/2014/main" id="{C5264033-A325-4ADC-9C26-D0E2C2D8B2C8}"/>
+              </a:ext>
+            </a:extLst>
+          </p:cNvPr>
+          <p:cNvSpPr>
+            <a:spLocks noGrp="1"/>
+          </p:cNvSpPr>
+          <p:nvPr>
+            <p:ph type="title"/>
+          </p:nvPr>
+        </p:nvSpPr>
+        <p:spPr/>
+        <p:txBody>
+          <a:bodyPr/>
+          <a:lstStyle/>
+          <a:p>
+            <a:r>
+              <a:rPr lang="en-US" dirty="0"/>
+              <a:t>Structures</a:t>
+            </a:r>
+            <a:endParaRPr lang="bg-BG" dirty="0"/>
+          </a:p>
+        </p:txBody>
+      </p:sp>
+      <p:sp>
+        <p:nvSpPr>
+          <p:cNvPr id="3" name="Text Placeholder 2">
+            <a:extLst>
+              <a:ext uri="{FF2B5EF4-FFF2-40B4-BE49-F238E27FC236}">
+                <a16:creationId xmlns:a16="http://schemas.microsoft.com/office/drawing/2014/main" id="{ED19369B-704F-47C8-81B0-EFB69B011578}"/>
+              </a:ext>
+            </a:extLst>
+          </p:cNvPr>
+          <p:cNvSpPr>
+            <a:spLocks noGrp="1"/>
+          </p:cNvSpPr>
+          <p:nvPr>
+            <p:ph type="body" idx="1"/>
+          </p:nvPr>
+        </p:nvSpPr>
+        <p:spPr/>
+        <p:txBody>
+          <a:bodyPr/>
+          <a:lstStyle/>
+          <a:p>
+            <a:r>
+              <a:rPr lang="en-US" dirty="0"/>
+              <a:t>In C# and .NET Framework there are two implementations of the concept of "class" from the object-oriented programming: classes and structures.</a:t>
+            </a:r>
+          </a:p>
+          <a:p>
+            <a:endParaRPr lang="en-US" dirty="0"/>
+          </a:p>
+          <a:p>
+            <a:r>
+              <a:rPr lang="en-US" dirty="0"/>
+              <a:t>Classes are defined through the keyword class while the structures are defined through the keyword struct. The main difference between a structure and a class is that:</a:t>
+            </a:r>
+          </a:p>
+          <a:p>
+            <a:pPr lvl="1"/>
+            <a:r>
+              <a:rPr lang="en-US" dirty="0"/>
+              <a:t>Classes are reference types (references to some address in the heap which holds their members).</a:t>
+            </a:r>
+          </a:p>
+          <a:p>
+            <a:pPr lvl="1"/>
+            <a:r>
+              <a:rPr lang="en-US" dirty="0"/>
+              <a:t>Structures (structs) are value types (they directly hold their members in the program execution stack).</a:t>
+            </a:r>
+            <a:endParaRPr lang="bg-BG" dirty="0"/>
+          </a:p>
+        </p:txBody>
+      </p:sp>
+    </p:spTree>
+    <p:extLst>
+      <p:ext uri="{BB962C8B-B14F-4D97-AF65-F5344CB8AC3E}">
+        <p14:creationId xmlns:p14="http://schemas.microsoft.com/office/powerpoint/2010/main" val="4212776303"/>
+      </p:ext>
+    </p:extLst>
+  </p:cSld>
+  <p:clrMapOvr>
+    <a:masterClrMapping/>
+  </p:clrMapOvr>
+</p:sld>
+</file>
+
+<file path=ppt/slides/slide57.xml><?xml version="1.0" encoding="utf-8"?>
+<p:sld xmlns:a="http://schemas.openxmlformats.org/drawingml/2006/main" xmlns:r="http://schemas.openxmlformats.org/officeDocument/2006/relationships" xmlns:p="http://schemas.openxmlformats.org/presentationml/2006/main">
+  <p:cSld>
+    <p:spTree>
+      <p:nvGrpSpPr>
+        <p:cNvPr id="1" name=""/>
+        <p:cNvGrpSpPr/>
+        <p:nvPr/>
+      </p:nvGrpSpPr>
+      <p:grpSpPr>
+        <a:xfrm>
+          <a:off x="0" y="0"/>
+          <a:ext cx="0" cy="0"/>
+          <a:chOff x="0" y="0"/>
+          <a:chExt cx="0" cy="0"/>
+        </a:xfrm>
+      </p:grpSpPr>
+      <p:sp>
+        <p:nvSpPr>
+          <p:cNvPr id="2" name="Title 1">
+            <a:extLst>
+              <a:ext uri="{FF2B5EF4-FFF2-40B4-BE49-F238E27FC236}">
+                <a16:creationId xmlns:a16="http://schemas.microsoft.com/office/drawing/2014/main" id="{2BC4954B-EF3B-4F59-81D8-FA86F73B428C}"/>
+              </a:ext>
+            </a:extLst>
+          </p:cNvPr>
+          <p:cNvSpPr>
+            <a:spLocks noGrp="1"/>
+          </p:cNvSpPr>
+          <p:nvPr>
+            <p:ph type="title"/>
+          </p:nvPr>
+        </p:nvSpPr>
+        <p:spPr/>
+        <p:txBody>
+          <a:bodyPr/>
+          <a:lstStyle/>
+          <a:p>
+            <a:r>
+              <a:rPr lang="en-US" dirty="0"/>
+              <a:t>Structures</a:t>
+            </a:r>
+            <a:endParaRPr lang="bg-BG" dirty="0"/>
+          </a:p>
+        </p:txBody>
+      </p:sp>
+      <p:sp>
+        <p:nvSpPr>
+          <p:cNvPr id="3" name="Text Placeholder 2">
+            <a:extLst>
+              <a:ext uri="{FF2B5EF4-FFF2-40B4-BE49-F238E27FC236}">
+                <a16:creationId xmlns:a16="http://schemas.microsoft.com/office/drawing/2014/main" id="{7A113064-4B34-4A4E-A0EB-DFB3C6698DF0}"/>
+              </a:ext>
+            </a:extLst>
+          </p:cNvPr>
+          <p:cNvSpPr>
+            <a:spLocks noGrp="1"/>
+          </p:cNvSpPr>
+          <p:nvPr>
+            <p:ph type="body" idx="1"/>
+          </p:nvPr>
+        </p:nvSpPr>
+        <p:spPr/>
+        <p:txBody>
+          <a:bodyPr/>
+          <a:lstStyle/>
+          <a:p>
+            <a:r>
+              <a:rPr lang="en-US" dirty="0"/>
+              <a:t>Live demo – </a:t>
+            </a:r>
+            <a:r>
+              <a:rPr lang="en-US" dirty="0" err="1"/>
+              <a:t>PointStruct</a:t>
+            </a:r>
+            <a:r>
+              <a:rPr lang="en-US" dirty="0"/>
+              <a:t> …</a:t>
+            </a:r>
+            <a:endParaRPr lang="bg-BG" dirty="0"/>
+          </a:p>
+          <a:p>
+            <a:endParaRPr lang="bg-BG" dirty="0"/>
+          </a:p>
+        </p:txBody>
+      </p:sp>
+    </p:spTree>
+    <p:extLst>
+      <p:ext uri="{BB962C8B-B14F-4D97-AF65-F5344CB8AC3E}">
+        <p14:creationId xmlns:p14="http://schemas.microsoft.com/office/powerpoint/2010/main" val="4092368261"/>
+      </p:ext>
+    </p:extLst>
+  </p:cSld>
+  <p:clrMapOvr>
+    <a:masterClrMapping/>
+  </p:clrMapOvr>
+</p:sld>
+</file>
+
+<file path=ppt/slides/slide58.xml><?xml version="1.0" encoding="utf-8"?>
+<p:sld xmlns:a="http://schemas.openxmlformats.org/drawingml/2006/main" xmlns:r="http://schemas.openxmlformats.org/officeDocument/2006/relationships" xmlns:p="http://schemas.openxmlformats.org/presentationml/2006/main">
+  <p:cSld>
+    <p:spTree>
+      <p:nvGrpSpPr>
+        <p:cNvPr id="1" name=""/>
+        <p:cNvGrpSpPr/>
+        <p:nvPr/>
+      </p:nvGrpSpPr>
+      <p:grpSpPr>
+        <a:xfrm>
+          <a:off x="0" y="0"/>
+          <a:ext cx="0" cy="0"/>
+          <a:chOff x="0" y="0"/>
+          <a:chExt cx="0" cy="0"/>
+        </a:xfrm>
+      </p:grpSpPr>
+      <p:sp>
+        <p:nvSpPr>
+          <p:cNvPr id="2" name="Title 1">
+            <a:extLst>
+              <a:ext uri="{FF2B5EF4-FFF2-40B4-BE49-F238E27FC236}">
+                <a16:creationId xmlns:a16="http://schemas.microsoft.com/office/drawing/2014/main" id="{844150BE-432A-4768-9555-585A51272B95}"/>
+              </a:ext>
+            </a:extLst>
+          </p:cNvPr>
+          <p:cNvSpPr>
+            <a:spLocks noGrp="1"/>
+          </p:cNvSpPr>
+          <p:nvPr>
+            <p:ph type="title"/>
+          </p:nvPr>
+        </p:nvSpPr>
+        <p:spPr/>
+        <p:txBody>
+          <a:bodyPr/>
+          <a:lstStyle/>
+          <a:p>
+            <a:r>
+              <a:rPr lang="en-US" dirty="0"/>
+              <a:t>Class or Structure?</a:t>
+            </a:r>
+            <a:endParaRPr lang="bg-BG" dirty="0"/>
+          </a:p>
+        </p:txBody>
+      </p:sp>
+      <p:sp>
+        <p:nvSpPr>
+          <p:cNvPr id="3" name="Text Placeholder 2">
+            <a:extLst>
+              <a:ext uri="{FF2B5EF4-FFF2-40B4-BE49-F238E27FC236}">
+                <a16:creationId xmlns:a16="http://schemas.microsoft.com/office/drawing/2014/main" id="{347C6B0B-A005-46CD-A2F0-33DED2F29A3F}"/>
+              </a:ext>
+            </a:extLst>
+          </p:cNvPr>
+          <p:cNvSpPr>
+            <a:spLocks noGrp="1"/>
+          </p:cNvSpPr>
+          <p:nvPr>
+            <p:ph type="body" idx="1"/>
+          </p:nvPr>
+        </p:nvSpPr>
+        <p:spPr>
+          <a:xfrm>
+            <a:off x="1730000" y="1524000"/>
+            <a:ext cx="9385200" cy="4447767"/>
+          </a:xfrm>
+        </p:spPr>
+        <p:txBody>
+          <a:bodyPr/>
+          <a:lstStyle/>
+          <a:p>
+            <a:r>
+              <a:rPr lang="en-US" dirty="0"/>
+              <a:t>Use structures to hold simple data structures consisting of few fields that come together. Examples are coordinates, sizes, locations, colors, etc. Structures are not supposed to have functionality inside (no methods except simple ones like </a:t>
+            </a:r>
+            <a:r>
+              <a:rPr lang="en-US" dirty="0" err="1"/>
+              <a:t>ToString</a:t>
+            </a:r>
+            <a:r>
+              <a:rPr lang="en-US" dirty="0"/>
+              <a:t>() and comparators). Use structures for small data structures consisting of set of fields that should be passed by value.</a:t>
+            </a:r>
+          </a:p>
+          <a:p>
+            <a:endParaRPr lang="en-US" dirty="0"/>
+          </a:p>
+          <a:p>
+            <a:r>
+              <a:rPr lang="en-US" dirty="0"/>
+              <a:t>Use classes for more complex scenarios where you combine data and programming logic into a class. If you have logic, use a class. If you have more than few simple fields, use a class. If you need to pass variables by reference, use a class. If you need to assign a null value, prefer using a class. If you prefer working with a reference type, use a class.</a:t>
+            </a:r>
+          </a:p>
+          <a:p>
+            <a:endParaRPr lang="en-US" dirty="0"/>
+          </a:p>
+          <a:p>
+            <a:r>
+              <a:rPr lang="en-US" dirty="0"/>
+              <a:t>Classes are used more often than structures. Use structs as exception, and only if you know well what are you doing!</a:t>
+            </a:r>
+            <a:endParaRPr lang="bg-BG" dirty="0"/>
+          </a:p>
+        </p:txBody>
+      </p:sp>
+    </p:spTree>
+    <p:extLst>
+      <p:ext uri="{BB962C8B-B14F-4D97-AF65-F5344CB8AC3E}">
+        <p14:creationId xmlns:p14="http://schemas.microsoft.com/office/powerpoint/2010/main" val="2002878095"/>
+      </p:ext>
+    </p:extLst>
+  </p:cSld>
+  <p:clrMapOvr>
+    <a:masterClrMapping/>
+  </p:clrMapOvr>
+</p:sld>
+</file>
+
+<file path=ppt/slides/slide59.xml><?xml version="1.0" encoding="utf-8"?>
+<p:sld xmlns:a="http://schemas.openxmlformats.org/drawingml/2006/main" xmlns:r="http://schemas.openxmlformats.org/officeDocument/2006/relationships" xmlns:p="http://schemas.openxmlformats.org/presentationml/2006/main">
+  <p:cSld>
+    <p:spTree>
+      <p:nvGrpSpPr>
+        <p:cNvPr id="1" name=""/>
+        <p:cNvGrpSpPr/>
+        <p:nvPr/>
+      </p:nvGrpSpPr>
+      <p:grpSpPr>
+        <a:xfrm>
+          <a:off x="0" y="0"/>
+          <a:ext cx="0" cy="0"/>
+          <a:chOff x="0" y="0"/>
+          <a:chExt cx="0" cy="0"/>
+        </a:xfrm>
+      </p:grpSpPr>
+      <p:sp>
+        <p:nvSpPr>
+          <p:cNvPr id="2" name="Title 1">
+            <a:extLst>
+              <a:ext uri="{FF2B5EF4-FFF2-40B4-BE49-F238E27FC236}">
+                <a16:creationId xmlns:a16="http://schemas.microsoft.com/office/drawing/2014/main" id="{67546C95-C863-44DB-ADA2-EA2DBA376903}"/>
+              </a:ext>
+            </a:extLst>
+          </p:cNvPr>
+          <p:cNvSpPr>
+            <a:spLocks noGrp="1"/>
+          </p:cNvSpPr>
+          <p:nvPr>
+            <p:ph type="title"/>
+          </p:nvPr>
+        </p:nvSpPr>
+        <p:spPr/>
+        <p:txBody>
+          <a:bodyPr/>
+          <a:lstStyle/>
+          <a:p>
+            <a:r>
+              <a:rPr lang="en-US" dirty="0"/>
+              <a:t>Enumerations</a:t>
+            </a:r>
+            <a:endParaRPr lang="bg-BG" dirty="0"/>
+          </a:p>
+        </p:txBody>
+      </p:sp>
+      <p:sp>
+        <p:nvSpPr>
+          <p:cNvPr id="3" name="Text Placeholder 2">
+            <a:extLst>
+              <a:ext uri="{FF2B5EF4-FFF2-40B4-BE49-F238E27FC236}">
+                <a16:creationId xmlns:a16="http://schemas.microsoft.com/office/drawing/2014/main" id="{65307220-0D15-4DB8-BFE1-D9493D45EE1D}"/>
+              </a:ext>
+            </a:extLst>
+          </p:cNvPr>
+          <p:cNvSpPr>
+            <a:spLocks noGrp="1"/>
+          </p:cNvSpPr>
+          <p:nvPr>
+            <p:ph type="body" idx="1"/>
+          </p:nvPr>
+        </p:nvSpPr>
+        <p:spPr>
+          <a:xfrm>
+            <a:off x="1730000" y="1679643"/>
+            <a:ext cx="9385200" cy="1387812"/>
+          </a:xfrm>
+        </p:spPr>
+        <p:txBody>
+          <a:bodyPr/>
+          <a:lstStyle/>
+          <a:p>
+            <a:r>
+              <a:rPr lang="en-US" dirty="0"/>
+              <a:t>Enumeration is a structure, which resembles a class but differs from it in that in the class body we can declare only constants. Enumerations can take values only from the constants listed in the type. An enumerated variable can have as a value one of the listed in the type constants but cannot have value null.</a:t>
+            </a:r>
+            <a:endParaRPr lang="bg-BG" dirty="0"/>
+          </a:p>
+        </p:txBody>
+      </p:sp>
+      <p:pic>
+        <p:nvPicPr>
+          <p:cNvPr id="5" name="Picture 4">
+            <a:extLst>
+              <a:ext uri="{FF2B5EF4-FFF2-40B4-BE49-F238E27FC236}">
+                <a16:creationId xmlns:a16="http://schemas.microsoft.com/office/drawing/2014/main" id="{CE93D822-831E-4BC6-9457-3123180EE61C}"/>
+              </a:ext>
+            </a:extLst>
+          </p:cNvPr>
+          <p:cNvPicPr>
+            <a:picLocks noChangeAspect="1"/>
+          </p:cNvPicPr>
+          <p:nvPr/>
+        </p:nvPicPr>
+        <p:blipFill>
+          <a:blip r:embed="rId2"/>
+          <a:stretch>
+            <a:fillRect/>
+          </a:stretch>
+        </p:blipFill>
+        <p:spPr>
+          <a:xfrm>
+            <a:off x="2336057" y="3067455"/>
+            <a:ext cx="4667858" cy="1102322"/>
+          </a:xfrm>
+          <a:prstGeom prst="rect">
+            <a:avLst/>
+          </a:prstGeom>
+        </p:spPr>
+      </p:pic>
+      <p:pic>
+        <p:nvPicPr>
+          <p:cNvPr id="7" name="Picture 6">
+            <a:extLst>
+              <a:ext uri="{FF2B5EF4-FFF2-40B4-BE49-F238E27FC236}">
+                <a16:creationId xmlns:a16="http://schemas.microsoft.com/office/drawing/2014/main" id="{AD92A263-5A3F-44DC-AAC8-63F5F1CC5132}"/>
+              </a:ext>
+            </a:extLst>
+          </p:cNvPr>
+          <p:cNvPicPr>
+            <a:picLocks noChangeAspect="1"/>
+          </p:cNvPicPr>
+          <p:nvPr/>
+        </p:nvPicPr>
+        <p:blipFill>
+          <a:blip r:embed="rId3"/>
+          <a:stretch>
+            <a:fillRect/>
+          </a:stretch>
+        </p:blipFill>
+        <p:spPr>
+          <a:xfrm>
+            <a:off x="7465574" y="3689711"/>
+            <a:ext cx="3299703" cy="441627"/>
+          </a:xfrm>
+          <a:prstGeom prst="rect">
+            <a:avLst/>
+          </a:prstGeom>
+        </p:spPr>
+      </p:pic>
+      <p:pic>
+        <p:nvPicPr>
+          <p:cNvPr id="9" name="Picture 8">
+            <a:extLst>
+              <a:ext uri="{FF2B5EF4-FFF2-40B4-BE49-F238E27FC236}">
+                <a16:creationId xmlns:a16="http://schemas.microsoft.com/office/drawing/2014/main" id="{D04465FA-0331-4DE7-B5E9-AC923DF174B1}"/>
+              </a:ext>
+            </a:extLst>
+          </p:cNvPr>
+          <p:cNvPicPr>
+            <a:picLocks noChangeAspect="1"/>
+          </p:cNvPicPr>
+          <p:nvPr/>
+        </p:nvPicPr>
+        <p:blipFill>
+          <a:blip r:embed="rId4"/>
+          <a:stretch>
+            <a:fillRect/>
+          </a:stretch>
+        </p:blipFill>
+        <p:spPr>
+          <a:xfrm>
+            <a:off x="2336057" y="4297376"/>
+            <a:ext cx="6114037" cy="670399"/>
+          </a:xfrm>
+          <a:prstGeom prst="rect">
+            <a:avLst/>
+          </a:prstGeom>
+        </p:spPr>
+      </p:pic>
+      <p:pic>
+        <p:nvPicPr>
+          <p:cNvPr id="11" name="Picture 10">
+            <a:extLst>
+              <a:ext uri="{FF2B5EF4-FFF2-40B4-BE49-F238E27FC236}">
+                <a16:creationId xmlns:a16="http://schemas.microsoft.com/office/drawing/2014/main" id="{CA4B4912-56EF-420B-BD7C-93867E3E4BA2}"/>
+              </a:ext>
+            </a:extLst>
+          </p:cNvPr>
+          <p:cNvPicPr>
+            <a:picLocks noChangeAspect="1"/>
+          </p:cNvPicPr>
+          <p:nvPr/>
+        </p:nvPicPr>
+        <p:blipFill>
+          <a:blip r:embed="rId5"/>
+          <a:stretch>
+            <a:fillRect/>
+          </a:stretch>
+        </p:blipFill>
+        <p:spPr>
+          <a:xfrm>
+            <a:off x="2336057" y="5361259"/>
+            <a:ext cx="5510922" cy="1299519"/>
+          </a:xfrm>
+          <a:prstGeom prst="rect">
+            <a:avLst/>
+          </a:prstGeom>
+        </p:spPr>
+      </p:pic>
+    </p:spTree>
+    <p:extLst>
+      <p:ext uri="{BB962C8B-B14F-4D97-AF65-F5344CB8AC3E}">
+        <p14:creationId xmlns:p14="http://schemas.microsoft.com/office/powerpoint/2010/main" val="3680864600"/>
       </p:ext>
     </p:extLst>
   </p:cSld>
@@ -13403,6 +18440,928 @@
     <p:extLst>
       <p:ext uri="{BB962C8B-B14F-4D97-AF65-F5344CB8AC3E}">
         <p14:creationId xmlns:p14="http://schemas.microsoft.com/office/powerpoint/2010/main" val="1426951887"/>
+      </p:ext>
+    </p:extLst>
+  </p:cSld>
+  <p:clrMapOvr>
+    <a:masterClrMapping/>
+  </p:clrMapOvr>
+</p:sld>
+</file>
+
+<file path=ppt/slides/slide60.xml><?xml version="1.0" encoding="utf-8"?>
+<p:sld xmlns:a="http://schemas.openxmlformats.org/drawingml/2006/main" xmlns:r="http://schemas.openxmlformats.org/officeDocument/2006/relationships" xmlns:p="http://schemas.openxmlformats.org/presentationml/2006/main">
+  <p:cSld>
+    <p:spTree>
+      <p:nvGrpSpPr>
+        <p:cNvPr id="1" name=""/>
+        <p:cNvGrpSpPr/>
+        <p:nvPr/>
+      </p:nvGrpSpPr>
+      <p:grpSpPr>
+        <a:xfrm>
+          <a:off x="0" y="0"/>
+          <a:ext cx="0" cy="0"/>
+          <a:chOff x="0" y="0"/>
+          <a:chExt cx="0" cy="0"/>
+        </a:xfrm>
+      </p:grpSpPr>
+      <p:sp>
+        <p:nvSpPr>
+          <p:cNvPr id="2" name="Title 1">
+            <a:extLst>
+              <a:ext uri="{FF2B5EF4-FFF2-40B4-BE49-F238E27FC236}">
+                <a16:creationId xmlns:a16="http://schemas.microsoft.com/office/drawing/2014/main" id="{9452657E-4308-44B1-8DD2-29BDE606E828}"/>
+              </a:ext>
+            </a:extLst>
+          </p:cNvPr>
+          <p:cNvSpPr>
+            <a:spLocks noGrp="1"/>
+          </p:cNvSpPr>
+          <p:nvPr>
+            <p:ph type="title"/>
+          </p:nvPr>
+        </p:nvSpPr>
+        <p:spPr/>
+        <p:txBody>
+          <a:bodyPr/>
+          <a:lstStyle/>
+          <a:p>
+            <a:r>
+              <a:rPr lang="en-US" dirty="0"/>
+              <a:t>Use of Enumerations</a:t>
+            </a:r>
+            <a:endParaRPr lang="bg-BG" dirty="0"/>
+          </a:p>
+        </p:txBody>
+      </p:sp>
+      <p:pic>
+        <p:nvPicPr>
+          <p:cNvPr id="5" name="Picture 4">
+            <a:extLst>
+              <a:ext uri="{FF2B5EF4-FFF2-40B4-BE49-F238E27FC236}">
+                <a16:creationId xmlns:a16="http://schemas.microsoft.com/office/drawing/2014/main" id="{E09872CA-6639-4088-9C47-05F156B9A8BB}"/>
+              </a:ext>
+            </a:extLst>
+          </p:cNvPr>
+          <p:cNvPicPr>
+            <a:picLocks noChangeAspect="1"/>
+          </p:cNvPicPr>
+          <p:nvPr/>
+        </p:nvPicPr>
+        <p:blipFill>
+          <a:blip r:embed="rId2"/>
+          <a:stretch>
+            <a:fillRect/>
+          </a:stretch>
+        </p:blipFill>
+        <p:spPr>
+          <a:xfrm>
+            <a:off x="1730000" y="1812074"/>
+            <a:ext cx="4686411" cy="4153508"/>
+          </a:xfrm>
+          <a:prstGeom prst="rect">
+            <a:avLst/>
+          </a:prstGeom>
+        </p:spPr>
+      </p:pic>
+      <p:pic>
+        <p:nvPicPr>
+          <p:cNvPr id="7" name="Picture 6">
+            <a:extLst>
+              <a:ext uri="{FF2B5EF4-FFF2-40B4-BE49-F238E27FC236}">
+                <a16:creationId xmlns:a16="http://schemas.microsoft.com/office/drawing/2014/main" id="{9CB4843D-E893-48A6-B1AA-ABDAA6953C14}"/>
+              </a:ext>
+            </a:extLst>
+          </p:cNvPr>
+          <p:cNvPicPr>
+            <a:picLocks noChangeAspect="1"/>
+          </p:cNvPicPr>
+          <p:nvPr/>
+        </p:nvPicPr>
+        <p:blipFill>
+          <a:blip r:embed="rId3"/>
+          <a:stretch>
+            <a:fillRect/>
+          </a:stretch>
+        </p:blipFill>
+        <p:spPr>
+          <a:xfrm>
+            <a:off x="7116695" y="2688804"/>
+            <a:ext cx="4859253" cy="2538192"/>
+          </a:xfrm>
+          <a:prstGeom prst="rect">
+            <a:avLst/>
+          </a:prstGeom>
+        </p:spPr>
+      </p:pic>
+    </p:spTree>
+    <p:extLst>
+      <p:ext uri="{BB962C8B-B14F-4D97-AF65-F5344CB8AC3E}">
+        <p14:creationId xmlns:p14="http://schemas.microsoft.com/office/powerpoint/2010/main" val="1751289982"/>
+      </p:ext>
+    </p:extLst>
+  </p:cSld>
+  <p:clrMapOvr>
+    <a:masterClrMapping/>
+  </p:clrMapOvr>
+</p:sld>
+</file>
+
+<file path=ppt/slides/slide61.xml><?xml version="1.0" encoding="utf-8"?>
+<p:sld xmlns:a="http://schemas.openxmlformats.org/drawingml/2006/main" xmlns:r="http://schemas.openxmlformats.org/officeDocument/2006/relationships" xmlns:p="http://schemas.openxmlformats.org/presentationml/2006/main">
+  <p:cSld>
+    <p:spTree>
+      <p:nvGrpSpPr>
+        <p:cNvPr id="1" name=""/>
+        <p:cNvGrpSpPr/>
+        <p:nvPr/>
+      </p:nvGrpSpPr>
+      <p:grpSpPr>
+        <a:xfrm>
+          <a:off x="0" y="0"/>
+          <a:ext cx="0" cy="0"/>
+          <a:chOff x="0" y="0"/>
+          <a:chExt cx="0" cy="0"/>
+        </a:xfrm>
+      </p:grpSpPr>
+      <p:sp>
+        <p:nvSpPr>
+          <p:cNvPr id="2" name="Title 1">
+            <a:extLst>
+              <a:ext uri="{FF2B5EF4-FFF2-40B4-BE49-F238E27FC236}">
+                <a16:creationId xmlns:a16="http://schemas.microsoft.com/office/drawing/2014/main" id="{F3AF0636-AE2A-4593-A51E-6340B84EE4F1}"/>
+              </a:ext>
+            </a:extLst>
+          </p:cNvPr>
+          <p:cNvSpPr>
+            <a:spLocks noGrp="1"/>
+          </p:cNvSpPr>
+          <p:nvPr>
+            <p:ph type="title"/>
+          </p:nvPr>
+        </p:nvSpPr>
+        <p:spPr/>
+        <p:txBody>
+          <a:bodyPr/>
+          <a:lstStyle/>
+          <a:p>
+            <a:r>
+              <a:rPr lang="en-US" dirty="0"/>
+              <a:t>Generics</a:t>
+            </a:r>
+            <a:endParaRPr lang="bg-BG" dirty="0"/>
+          </a:p>
+        </p:txBody>
+      </p:sp>
+      <p:sp>
+        <p:nvSpPr>
+          <p:cNvPr id="3" name="Text Placeholder 2">
+            <a:extLst>
+              <a:ext uri="{FF2B5EF4-FFF2-40B4-BE49-F238E27FC236}">
+                <a16:creationId xmlns:a16="http://schemas.microsoft.com/office/drawing/2014/main" id="{BCC14032-A42D-4B7D-A9F9-94E17417CA86}"/>
+              </a:ext>
+            </a:extLst>
+          </p:cNvPr>
+          <p:cNvSpPr>
+            <a:spLocks noGrp="1"/>
+          </p:cNvSpPr>
+          <p:nvPr>
+            <p:ph type="body" idx="1"/>
+          </p:nvPr>
+        </p:nvSpPr>
+        <p:spPr/>
+        <p:txBody>
+          <a:bodyPr/>
+          <a:lstStyle/>
+          <a:p>
+            <a:endParaRPr lang="bg-BG"/>
+          </a:p>
+        </p:txBody>
+      </p:sp>
+    </p:spTree>
+    <p:extLst>
+      <p:ext uri="{BB962C8B-B14F-4D97-AF65-F5344CB8AC3E}">
+        <p14:creationId xmlns:p14="http://schemas.microsoft.com/office/powerpoint/2010/main" val="1490315131"/>
+      </p:ext>
+    </p:extLst>
+  </p:cSld>
+  <p:clrMapOvr>
+    <a:masterClrMapping/>
+  </p:clrMapOvr>
+</p:sld>
+</file>
+
+<file path=ppt/slides/slide62.xml><?xml version="1.0" encoding="utf-8"?>
+<p:sld xmlns:a="http://schemas.openxmlformats.org/drawingml/2006/main" xmlns:r="http://schemas.openxmlformats.org/officeDocument/2006/relationships" xmlns:p="http://schemas.openxmlformats.org/presentationml/2006/main">
+  <p:cSld>
+    <p:spTree>
+      <p:nvGrpSpPr>
+        <p:cNvPr id="1" name=""/>
+        <p:cNvGrpSpPr/>
+        <p:nvPr/>
+      </p:nvGrpSpPr>
+      <p:grpSpPr>
+        <a:xfrm>
+          <a:off x="0" y="0"/>
+          <a:ext cx="0" cy="0"/>
+          <a:chOff x="0" y="0"/>
+          <a:chExt cx="0" cy="0"/>
+        </a:xfrm>
+      </p:grpSpPr>
+      <p:sp>
+        <p:nvSpPr>
+          <p:cNvPr id="2" name="Title 1">
+            <a:extLst>
+              <a:ext uri="{FF2B5EF4-FFF2-40B4-BE49-F238E27FC236}">
+                <a16:creationId xmlns:a16="http://schemas.microsoft.com/office/drawing/2014/main" id="{35F3EE64-8024-4F62-8A7B-858B8EE08715}"/>
+              </a:ext>
+            </a:extLst>
+          </p:cNvPr>
+          <p:cNvSpPr>
+            <a:spLocks noGrp="1"/>
+          </p:cNvSpPr>
+          <p:nvPr>
+            <p:ph type="title"/>
+          </p:nvPr>
+        </p:nvSpPr>
+        <p:spPr/>
+        <p:txBody>
+          <a:bodyPr/>
+          <a:lstStyle/>
+          <a:p>
+            <a:r>
+              <a:rPr lang="en-US" dirty="0"/>
+              <a:t>Exercises 1</a:t>
+            </a:r>
+            <a:endParaRPr lang="bg-BG" dirty="0"/>
+          </a:p>
+        </p:txBody>
+      </p:sp>
+      <p:sp>
+        <p:nvSpPr>
+          <p:cNvPr id="3" name="Text Placeholder 2">
+            <a:extLst>
+              <a:ext uri="{FF2B5EF4-FFF2-40B4-BE49-F238E27FC236}">
+                <a16:creationId xmlns:a16="http://schemas.microsoft.com/office/drawing/2014/main" id="{54D5C9DF-D545-4DC0-96F7-3D9A8AAF2617}"/>
+              </a:ext>
+            </a:extLst>
+          </p:cNvPr>
+          <p:cNvSpPr>
+            <a:spLocks noGrp="1"/>
+          </p:cNvSpPr>
+          <p:nvPr>
+            <p:ph type="body" idx="1"/>
+          </p:nvPr>
+        </p:nvSpPr>
+        <p:spPr>
+          <a:xfrm>
+            <a:off x="1730000" y="1297020"/>
+            <a:ext cx="10144230" cy="5035979"/>
+          </a:xfrm>
+        </p:spPr>
+        <p:txBody>
+          <a:bodyPr/>
+          <a:lstStyle/>
+          <a:p>
+            <a:pPr marL="120650" indent="0">
+              <a:buNone/>
+            </a:pPr>
+            <a:r>
+              <a:rPr lang="en-US" dirty="0"/>
+              <a:t>1. Define a class Student, which contains the following information about students: full name, course, subject, university, e-mail and phone number.</a:t>
+            </a:r>
+          </a:p>
+          <a:p>
+            <a:pPr marL="120650" indent="0">
+              <a:buNone/>
+            </a:pPr>
+            <a:endParaRPr lang="en-US" dirty="0"/>
+          </a:p>
+          <a:p>
+            <a:pPr marL="120650" indent="0">
+              <a:buNone/>
+            </a:pPr>
+            <a:r>
+              <a:rPr lang="en-US" dirty="0"/>
+              <a:t>2. Declare several constructors for the class Student, which have different lists of parameters (for complete information about a student or part of it). Data, which has no initial value to be initialized with null. Use nullable types for all non-mandatory data.</a:t>
+            </a:r>
+          </a:p>
+          <a:p>
+            <a:pPr marL="120650" indent="0">
+              <a:buNone/>
+            </a:pPr>
+            <a:endParaRPr lang="en-US" dirty="0"/>
+          </a:p>
+          <a:p>
+            <a:pPr marL="120650" indent="0">
+              <a:buNone/>
+            </a:pPr>
+            <a:r>
+              <a:rPr lang="en-US" dirty="0"/>
+              <a:t>3. Add a static field for the class Student, which holds the number of created objects of this class.</a:t>
+            </a:r>
+          </a:p>
+          <a:p>
+            <a:pPr marL="120650" indent="0">
+              <a:buNone/>
+            </a:pPr>
+            <a:endParaRPr lang="en-US" dirty="0"/>
+          </a:p>
+          <a:p>
+            <a:pPr marL="120650" indent="0">
+              <a:buNone/>
+            </a:pPr>
+            <a:r>
+              <a:rPr lang="en-US" dirty="0"/>
+              <a:t>4. Add a method in the class Student, which displays complete information about the student.</a:t>
+            </a:r>
+          </a:p>
+          <a:p>
+            <a:pPr marL="120650" indent="0">
+              <a:buNone/>
+            </a:pPr>
+            <a:endParaRPr lang="en-US" dirty="0"/>
+          </a:p>
+          <a:p>
+            <a:pPr marL="120650" indent="0">
+              <a:buNone/>
+            </a:pPr>
+            <a:r>
+              <a:rPr lang="en-US" dirty="0"/>
+              <a:t>5. Modify the current source code of Student class so as to encapsulate the data in the class using properties.</a:t>
+            </a:r>
+          </a:p>
+          <a:p>
+            <a:pPr marL="120650" indent="0">
+              <a:buNone/>
+            </a:pPr>
+            <a:endParaRPr lang="en-US" dirty="0"/>
+          </a:p>
+          <a:p>
+            <a:pPr marL="120650" indent="0">
+              <a:buNone/>
+            </a:pPr>
+            <a:r>
+              <a:rPr lang="en-US" dirty="0"/>
+              <a:t>6. Write a class </a:t>
+            </a:r>
+            <a:r>
+              <a:rPr lang="en-US" dirty="0" err="1"/>
+              <a:t>StudentTest</a:t>
+            </a:r>
+            <a:r>
+              <a:rPr lang="en-US" dirty="0"/>
+              <a:t>, which has to test the functionality of the class Student.</a:t>
+            </a:r>
+            <a:endParaRPr lang="bg-BG" dirty="0"/>
+          </a:p>
+        </p:txBody>
+      </p:sp>
+    </p:spTree>
+    <p:extLst>
+      <p:ext uri="{BB962C8B-B14F-4D97-AF65-F5344CB8AC3E}">
+        <p14:creationId xmlns:p14="http://schemas.microsoft.com/office/powerpoint/2010/main" val="1798120419"/>
+      </p:ext>
+    </p:extLst>
+  </p:cSld>
+  <p:clrMapOvr>
+    <a:masterClrMapping/>
+  </p:clrMapOvr>
+</p:sld>
+</file>
+
+<file path=ppt/slides/slide63.xml><?xml version="1.0" encoding="utf-8"?>
+<p:sld xmlns:a="http://schemas.openxmlformats.org/drawingml/2006/main" xmlns:r="http://schemas.openxmlformats.org/officeDocument/2006/relationships" xmlns:p="http://schemas.openxmlformats.org/presentationml/2006/main">
+  <p:cSld>
+    <p:spTree>
+      <p:nvGrpSpPr>
+        <p:cNvPr id="1" name=""/>
+        <p:cNvGrpSpPr/>
+        <p:nvPr/>
+      </p:nvGrpSpPr>
+      <p:grpSpPr>
+        <a:xfrm>
+          <a:off x="0" y="0"/>
+          <a:ext cx="0" cy="0"/>
+          <a:chOff x="0" y="0"/>
+          <a:chExt cx="0" cy="0"/>
+        </a:xfrm>
+      </p:grpSpPr>
+      <p:sp>
+        <p:nvSpPr>
+          <p:cNvPr id="2" name="Title 1">
+            <a:extLst>
+              <a:ext uri="{FF2B5EF4-FFF2-40B4-BE49-F238E27FC236}">
+                <a16:creationId xmlns:a16="http://schemas.microsoft.com/office/drawing/2014/main" id="{8A4C3D26-E128-4989-9EFF-A4C0A25CFC21}"/>
+              </a:ext>
+            </a:extLst>
+          </p:cNvPr>
+          <p:cNvSpPr>
+            <a:spLocks noGrp="1"/>
+          </p:cNvSpPr>
+          <p:nvPr>
+            <p:ph type="title"/>
+          </p:nvPr>
+        </p:nvSpPr>
+        <p:spPr/>
+        <p:txBody>
+          <a:bodyPr/>
+          <a:lstStyle/>
+          <a:p>
+            <a:r>
+              <a:rPr lang="en-US" dirty="0"/>
+              <a:t>Exercises 2</a:t>
+            </a:r>
+            <a:endParaRPr lang="bg-BG" dirty="0"/>
+          </a:p>
+        </p:txBody>
+      </p:sp>
+      <p:sp>
+        <p:nvSpPr>
+          <p:cNvPr id="3" name="Text Placeholder 2">
+            <a:extLst>
+              <a:ext uri="{FF2B5EF4-FFF2-40B4-BE49-F238E27FC236}">
+                <a16:creationId xmlns:a16="http://schemas.microsoft.com/office/drawing/2014/main" id="{22FEAF7D-9F15-4616-8948-1990E04AC66A}"/>
+              </a:ext>
+            </a:extLst>
+          </p:cNvPr>
+          <p:cNvSpPr>
+            <a:spLocks noGrp="1"/>
+          </p:cNvSpPr>
+          <p:nvPr>
+            <p:ph type="body" idx="1"/>
+          </p:nvPr>
+        </p:nvSpPr>
+        <p:spPr>
+          <a:xfrm>
+            <a:off x="1729999" y="1290536"/>
+            <a:ext cx="10222051" cy="5278877"/>
+          </a:xfrm>
+        </p:spPr>
+        <p:txBody>
+          <a:bodyPr/>
+          <a:lstStyle/>
+          <a:p>
+            <a:pPr marL="120650" indent="0">
+              <a:buNone/>
+            </a:pPr>
+            <a:r>
+              <a:rPr lang="en-US" sz="1400" dirty="0"/>
+              <a:t>8. Define a class, which contains information about a mobile phone: model, manufacturer, price, owner, features of the battery (model, idle time and hours talk) and features of the screen (size and colors).</a:t>
+            </a:r>
+          </a:p>
+          <a:p>
+            <a:pPr marL="120650" indent="0">
+              <a:buNone/>
+            </a:pPr>
+            <a:endParaRPr lang="en-US" sz="1400" dirty="0"/>
+          </a:p>
+          <a:p>
+            <a:pPr marL="120650" indent="0">
+              <a:buNone/>
+            </a:pPr>
+            <a:r>
+              <a:rPr lang="en-US" sz="1400" dirty="0"/>
+              <a:t>9. Declare several constructors for each of the classes created by the previous task, which have different lists of parameters (for complete information about a student or part of it). Data fields that are unknown have to be initialized respectively with null or 0.</a:t>
+            </a:r>
+          </a:p>
+          <a:p>
+            <a:pPr marL="120650" indent="0">
+              <a:buNone/>
+            </a:pPr>
+            <a:endParaRPr lang="en-US" sz="1400" dirty="0"/>
+          </a:p>
+          <a:p>
+            <a:pPr marL="120650" indent="0">
+              <a:buNone/>
+            </a:pPr>
+            <a:r>
+              <a:rPr lang="en-US" sz="1400" dirty="0"/>
+              <a:t>10. To the class of mobile phone in the previous two tasks, add a static field nokiaN95, which stores information about mobile phone model Nokia N95. Add a method to the same class, which displays information about this static field.</a:t>
+            </a:r>
+          </a:p>
+          <a:p>
+            <a:pPr marL="120650" indent="0">
+              <a:buNone/>
+            </a:pPr>
+            <a:endParaRPr lang="en-US" sz="1400" dirty="0"/>
+          </a:p>
+          <a:p>
+            <a:pPr marL="120650" indent="0">
+              <a:buNone/>
+            </a:pPr>
+            <a:r>
+              <a:rPr lang="en-US" sz="1400" dirty="0"/>
+              <a:t>11. Add an enumeration </a:t>
+            </a:r>
+            <a:r>
+              <a:rPr lang="en-US" sz="1400" dirty="0" err="1"/>
+              <a:t>BatteryType</a:t>
+            </a:r>
+            <a:r>
+              <a:rPr lang="en-US" sz="1400" dirty="0"/>
+              <a:t>, which contains the values for type of the battery (Li-Ion, NiMH, </a:t>
+            </a:r>
+            <a:r>
+              <a:rPr lang="en-US" sz="1400" dirty="0" err="1"/>
+              <a:t>NiCd</a:t>
+            </a:r>
+            <a:r>
+              <a:rPr lang="en-US" sz="1400" dirty="0"/>
+              <a:t>, …) and use it as a new field for the class Battery.</a:t>
+            </a:r>
+          </a:p>
+          <a:p>
+            <a:pPr marL="120650" indent="0">
+              <a:buNone/>
+            </a:pPr>
+            <a:endParaRPr lang="en-US" sz="1400" dirty="0"/>
+          </a:p>
+          <a:p>
+            <a:pPr marL="120650" indent="0">
+              <a:buNone/>
+            </a:pPr>
+            <a:r>
+              <a:rPr lang="en-US" sz="1400" dirty="0"/>
+              <a:t>12. Add a method to the class GSM, which returns information about the object as a string. </a:t>
+            </a:r>
+          </a:p>
+          <a:p>
+            <a:pPr marL="120650" indent="0">
+              <a:buNone/>
+            </a:pPr>
+            <a:endParaRPr lang="en-US" sz="1400" dirty="0"/>
+          </a:p>
+          <a:p>
+            <a:pPr marL="120650" indent="0">
+              <a:buNone/>
+            </a:pPr>
+            <a:r>
+              <a:rPr lang="en-US" sz="1400" dirty="0"/>
+              <a:t>13. Define properties to encapsulate the data in classes GSM, Battery and</a:t>
+            </a:r>
+          </a:p>
+          <a:p>
+            <a:pPr marL="120650" indent="0">
+              <a:buNone/>
+            </a:pPr>
+            <a:r>
+              <a:rPr lang="en-US" sz="1400" dirty="0"/>
+              <a:t>Display.</a:t>
+            </a:r>
+          </a:p>
+          <a:p>
+            <a:pPr marL="120650" indent="0">
+              <a:buNone/>
+            </a:pPr>
+            <a:endParaRPr lang="en-US" sz="1400" dirty="0"/>
+          </a:p>
+          <a:p>
+            <a:pPr marL="120650" indent="0">
+              <a:buNone/>
+            </a:pPr>
+            <a:r>
+              <a:rPr lang="en-US" sz="1400" dirty="0"/>
+              <a:t>14. Write a class </a:t>
+            </a:r>
+            <a:r>
+              <a:rPr lang="en-US" sz="1400" dirty="0" err="1"/>
+              <a:t>GSMTest</a:t>
+            </a:r>
+            <a:r>
+              <a:rPr lang="en-US" sz="1400" dirty="0"/>
+              <a:t>, which has to test the functionality of class GSM. Create few objects of the class and store them into an array. Display information about the created objects. Display information about the static field nokiaN95.</a:t>
+            </a:r>
+            <a:endParaRPr lang="bg-BG" sz="1400" dirty="0"/>
+          </a:p>
+        </p:txBody>
+      </p:sp>
+    </p:spTree>
+    <p:extLst>
+      <p:ext uri="{BB962C8B-B14F-4D97-AF65-F5344CB8AC3E}">
+        <p14:creationId xmlns:p14="http://schemas.microsoft.com/office/powerpoint/2010/main" val="3958513856"/>
+      </p:ext>
+    </p:extLst>
+  </p:cSld>
+  <p:clrMapOvr>
+    <a:masterClrMapping/>
+  </p:clrMapOvr>
+</p:sld>
+</file>
+
+<file path=ppt/slides/slide64.xml><?xml version="1.0" encoding="utf-8"?>
+<p:sld xmlns:a="http://schemas.openxmlformats.org/drawingml/2006/main" xmlns:r="http://schemas.openxmlformats.org/officeDocument/2006/relationships" xmlns:p="http://schemas.openxmlformats.org/presentationml/2006/main">
+  <p:cSld>
+    <p:spTree>
+      <p:nvGrpSpPr>
+        <p:cNvPr id="1" name=""/>
+        <p:cNvGrpSpPr/>
+        <p:nvPr/>
+      </p:nvGrpSpPr>
+      <p:grpSpPr>
+        <a:xfrm>
+          <a:off x="0" y="0"/>
+          <a:ext cx="0" cy="0"/>
+          <a:chOff x="0" y="0"/>
+          <a:chExt cx="0" cy="0"/>
+        </a:xfrm>
+      </p:grpSpPr>
+      <p:sp>
+        <p:nvSpPr>
+          <p:cNvPr id="2" name="Title 1">
+            <a:extLst>
+              <a:ext uri="{FF2B5EF4-FFF2-40B4-BE49-F238E27FC236}">
+                <a16:creationId xmlns:a16="http://schemas.microsoft.com/office/drawing/2014/main" id="{BBFA6E78-E5DA-4277-BC97-00E45481B1D5}"/>
+              </a:ext>
+            </a:extLst>
+          </p:cNvPr>
+          <p:cNvSpPr>
+            <a:spLocks noGrp="1"/>
+          </p:cNvSpPr>
+          <p:nvPr>
+            <p:ph type="title"/>
+          </p:nvPr>
+        </p:nvSpPr>
+        <p:spPr/>
+        <p:txBody>
+          <a:bodyPr/>
+          <a:lstStyle/>
+          <a:p>
+            <a:r>
+              <a:rPr lang="en-US" dirty="0"/>
+              <a:t>Exercises 3</a:t>
+            </a:r>
+            <a:endParaRPr lang="bg-BG" dirty="0"/>
+          </a:p>
+        </p:txBody>
+      </p:sp>
+      <p:sp>
+        <p:nvSpPr>
+          <p:cNvPr id="3" name="Text Placeholder 2">
+            <a:extLst>
+              <a:ext uri="{FF2B5EF4-FFF2-40B4-BE49-F238E27FC236}">
+                <a16:creationId xmlns:a16="http://schemas.microsoft.com/office/drawing/2014/main" id="{ADD0E66D-CB11-490A-A8CC-EC802103A6DC}"/>
+              </a:ext>
+            </a:extLst>
+          </p:cNvPr>
+          <p:cNvSpPr>
+            <a:spLocks noGrp="1"/>
+          </p:cNvSpPr>
+          <p:nvPr>
+            <p:ph type="body" idx="1"/>
+          </p:nvPr>
+        </p:nvSpPr>
+        <p:spPr>
+          <a:xfrm>
+            <a:off x="1730000" y="1309991"/>
+            <a:ext cx="10332298" cy="5214025"/>
+          </a:xfrm>
+        </p:spPr>
+        <p:txBody>
+          <a:bodyPr/>
+          <a:lstStyle/>
+          <a:p>
+            <a:pPr marL="120650" indent="0">
+              <a:buNone/>
+            </a:pPr>
+            <a:r>
+              <a:rPr lang="en-US" sz="1600" dirty="0"/>
+              <a:t>15. Create a class Call, which contains information about a call made via mobile phone. It should contain information about date, time of start and duration of the call.</a:t>
+            </a:r>
+          </a:p>
+          <a:p>
+            <a:pPr marL="120650" indent="0">
+              <a:buNone/>
+            </a:pPr>
+            <a:endParaRPr lang="en-US" sz="1600" dirty="0"/>
+          </a:p>
+          <a:p>
+            <a:pPr marL="120650" indent="0">
+              <a:buNone/>
+            </a:pPr>
+            <a:r>
+              <a:rPr lang="en-US" sz="1600" dirty="0"/>
+              <a:t>16. Add a property for keeping a call history – </a:t>
+            </a:r>
+            <a:r>
+              <a:rPr lang="en-US" sz="1600" dirty="0" err="1"/>
+              <a:t>CallHistory</a:t>
+            </a:r>
+            <a:r>
+              <a:rPr lang="en-US" sz="1600" dirty="0"/>
+              <a:t>, which holds a list of call records.612 Fundamentals of Computer Programming with C# </a:t>
+            </a:r>
+          </a:p>
+          <a:p>
+            <a:pPr marL="120650" indent="0">
+              <a:buNone/>
+            </a:pPr>
+            <a:endParaRPr lang="en-US" sz="1600" dirty="0"/>
+          </a:p>
+          <a:p>
+            <a:pPr marL="120650" indent="0">
+              <a:buNone/>
+            </a:pPr>
+            <a:r>
+              <a:rPr lang="en-US" sz="1600" dirty="0"/>
+              <a:t>17. In GSM class add methods for adding and deleting calls (Call) in the archive of mobile phone calls. Add method, which deletes all calls from the archive.</a:t>
+            </a:r>
+          </a:p>
+          <a:p>
+            <a:pPr marL="120650" indent="0">
+              <a:buNone/>
+            </a:pPr>
+            <a:endParaRPr lang="en-US" sz="1600" dirty="0"/>
+          </a:p>
+          <a:p>
+            <a:pPr marL="120650" indent="0">
+              <a:buNone/>
+            </a:pPr>
+            <a:r>
+              <a:rPr lang="en-US" sz="1600" dirty="0"/>
+              <a:t>18. In GSM class, add a method that calculates the total amount of calls (Call) from the archive of phone calls (</a:t>
+            </a:r>
+            <a:r>
+              <a:rPr lang="en-US" sz="1600" dirty="0" err="1"/>
+              <a:t>CallHistory</a:t>
+            </a:r>
+            <a:r>
+              <a:rPr lang="en-US" sz="1600" dirty="0"/>
+              <a:t>), as the price of a phone call is passed as a parameter to the method.</a:t>
+            </a:r>
+          </a:p>
+          <a:p>
+            <a:pPr marL="120650" indent="0">
+              <a:buNone/>
+            </a:pPr>
+            <a:endParaRPr lang="en-US" sz="1600" dirty="0"/>
+          </a:p>
+          <a:p>
+            <a:pPr marL="120650" indent="0">
+              <a:buNone/>
+            </a:pPr>
+            <a:r>
+              <a:rPr lang="en-US" sz="1600" dirty="0"/>
+              <a:t>19. Create a class </a:t>
+            </a:r>
+            <a:r>
+              <a:rPr lang="en-US" sz="1600" dirty="0" err="1"/>
+              <a:t>GSMCallHistoryTest</a:t>
+            </a:r>
+            <a:r>
+              <a:rPr lang="en-US" sz="1600" dirty="0"/>
+              <a:t>, with which to test the functionality of the class GSM, from task 12, as an object of type GSM. Then add to it a few phone calls (Call). Display information about each phone call.</a:t>
+            </a:r>
+          </a:p>
+          <a:p>
+            <a:pPr marL="120650" indent="0">
+              <a:buNone/>
+            </a:pPr>
+            <a:r>
+              <a:rPr lang="en-US" sz="1600" dirty="0"/>
+              <a:t>Assuming that the price per minute is 0.37, calculate and display the total cost of all calls. Remove the longest conversation from archive with phone calls and calculate the total price for all calls again. Finally, clear</a:t>
+            </a:r>
+          </a:p>
+          <a:p>
+            <a:pPr marL="120650" indent="0">
+              <a:buNone/>
+            </a:pPr>
+            <a:r>
+              <a:rPr lang="en-US" sz="1600" dirty="0"/>
+              <a:t>the archive.</a:t>
+            </a:r>
+            <a:endParaRPr lang="bg-BG" sz="1600" dirty="0"/>
+          </a:p>
+        </p:txBody>
+      </p:sp>
+    </p:spTree>
+    <p:extLst>
+      <p:ext uri="{BB962C8B-B14F-4D97-AF65-F5344CB8AC3E}">
+        <p14:creationId xmlns:p14="http://schemas.microsoft.com/office/powerpoint/2010/main" val="3391956187"/>
+      </p:ext>
+    </p:extLst>
+  </p:cSld>
+  <p:clrMapOvr>
+    <a:masterClrMapping/>
+  </p:clrMapOvr>
+</p:sld>
+</file>
+
+<file path=ppt/slides/slide65.xml><?xml version="1.0" encoding="utf-8"?>
+<p:sld xmlns:a="http://schemas.openxmlformats.org/drawingml/2006/main" xmlns:r="http://schemas.openxmlformats.org/officeDocument/2006/relationships" xmlns:p="http://schemas.openxmlformats.org/presentationml/2006/main">
+  <p:cSld>
+    <p:spTree>
+      <p:nvGrpSpPr>
+        <p:cNvPr id="1" name=""/>
+        <p:cNvGrpSpPr/>
+        <p:nvPr/>
+      </p:nvGrpSpPr>
+      <p:grpSpPr>
+        <a:xfrm>
+          <a:off x="0" y="0"/>
+          <a:ext cx="0" cy="0"/>
+          <a:chOff x="0" y="0"/>
+          <a:chExt cx="0" cy="0"/>
+        </a:xfrm>
+      </p:grpSpPr>
+      <p:sp>
+        <p:nvSpPr>
+          <p:cNvPr id="2" name="Title 1">
+            <a:extLst>
+              <a:ext uri="{FF2B5EF4-FFF2-40B4-BE49-F238E27FC236}">
+                <a16:creationId xmlns:a16="http://schemas.microsoft.com/office/drawing/2014/main" id="{C83AB7D9-4D2B-4B79-902E-1AC547EC9B70}"/>
+              </a:ext>
+            </a:extLst>
+          </p:cNvPr>
+          <p:cNvSpPr>
+            <a:spLocks noGrp="1"/>
+          </p:cNvSpPr>
+          <p:nvPr>
+            <p:ph type="title"/>
+          </p:nvPr>
+        </p:nvSpPr>
+        <p:spPr/>
+        <p:txBody>
+          <a:bodyPr/>
+          <a:lstStyle/>
+          <a:p>
+            <a:r>
+              <a:rPr lang="en-US" dirty="0"/>
+              <a:t>Exercises 4</a:t>
+            </a:r>
+            <a:endParaRPr lang="bg-BG" dirty="0"/>
+          </a:p>
+        </p:txBody>
+      </p:sp>
+      <p:sp>
+        <p:nvSpPr>
+          <p:cNvPr id="3" name="Text Placeholder 2">
+            <a:extLst>
+              <a:ext uri="{FF2B5EF4-FFF2-40B4-BE49-F238E27FC236}">
+                <a16:creationId xmlns:a16="http://schemas.microsoft.com/office/drawing/2014/main" id="{03AFDB16-2820-4415-B794-E3DD0240810B}"/>
+              </a:ext>
+            </a:extLst>
+          </p:cNvPr>
+          <p:cNvSpPr>
+            <a:spLocks noGrp="1"/>
+          </p:cNvSpPr>
+          <p:nvPr>
+            <p:ph type="body" idx="1"/>
+          </p:nvPr>
+        </p:nvSpPr>
+        <p:spPr/>
+        <p:txBody>
+          <a:bodyPr/>
+          <a:lstStyle/>
+          <a:p>
+            <a:pPr marL="120650" indent="0">
+              <a:buNone/>
+            </a:pPr>
+            <a:r>
+              <a:rPr lang="en-US" dirty="0"/>
+              <a:t>20. There is a book library. Define classes respectively for a book and a library. The library must contain a name and a list of books. The books must contain the title, author, publisher, release date and ISBN-number.</a:t>
+            </a:r>
+          </a:p>
+          <a:p>
+            <a:pPr marL="120650" indent="0">
+              <a:buNone/>
+            </a:pPr>
+            <a:r>
+              <a:rPr lang="en-US" dirty="0"/>
+              <a:t>In the class, which describes the library, create methods to add a book to the library, to search for a book by a predefined author, to display information about a book and to delete a book from the library.</a:t>
+            </a:r>
+          </a:p>
+          <a:p>
+            <a:pPr marL="120650" indent="0">
+              <a:buNone/>
+            </a:pPr>
+            <a:endParaRPr lang="en-US" dirty="0"/>
+          </a:p>
+          <a:p>
+            <a:pPr marL="120650" indent="0">
+              <a:buNone/>
+            </a:pPr>
+            <a:r>
+              <a:rPr lang="en-US" dirty="0"/>
+              <a:t>21. Write a test class, which creates an object of type library, adds several books to it and displays information about each of them. Implement a test functionality, which finds all books authored by Stephen King and deletes them. Finally, display information for each of </a:t>
+            </a:r>
+            <a:r>
+              <a:rPr lang="en-US"/>
+              <a:t>the remaining books</a:t>
+            </a:r>
+            <a:r>
+              <a:rPr lang="en-US" dirty="0"/>
+              <a:t>.</a:t>
+            </a:r>
+            <a:endParaRPr lang="bg-BG" dirty="0"/>
+          </a:p>
+        </p:txBody>
+      </p:sp>
+    </p:spTree>
+    <p:extLst>
+      <p:ext uri="{BB962C8B-B14F-4D97-AF65-F5344CB8AC3E}">
+        <p14:creationId xmlns:p14="http://schemas.microsoft.com/office/powerpoint/2010/main" val="717393986"/>
       </p:ext>
     </p:extLst>
   </p:cSld>
